--- a/LendingClub_Biz_Deck.pptx
+++ b/LendingClub_Biz_Deck.pptx
@@ -5,7 +5,7 @@
     <p:sldMasterId id="2147483648" r:id="rId1"/>
   </p:sldMasterIdLst>
   <p:notesMasterIdLst>
-    <p:notesMasterId r:id="rId27"/>
+    <p:notesMasterId r:id="rId28"/>
   </p:notesMasterIdLst>
   <p:sldIdLst>
     <p:sldId id="270" r:id="rId2"/>
@@ -23,16 +23,17 @@
     <p:sldId id="286" r:id="rId14"/>
     <p:sldId id="287" r:id="rId15"/>
     <p:sldId id="259" r:id="rId16"/>
-    <p:sldId id="278" r:id="rId17"/>
-    <p:sldId id="260" r:id="rId18"/>
-    <p:sldId id="281" r:id="rId19"/>
-    <p:sldId id="261" r:id="rId20"/>
-    <p:sldId id="258" r:id="rId21"/>
-    <p:sldId id="265" r:id="rId22"/>
-    <p:sldId id="288" r:id="rId23"/>
-    <p:sldId id="266" r:id="rId24"/>
-    <p:sldId id="267" r:id="rId25"/>
-    <p:sldId id="276" r:id="rId26"/>
+    <p:sldId id="293" r:id="rId17"/>
+    <p:sldId id="278" r:id="rId18"/>
+    <p:sldId id="258" r:id="rId19"/>
+    <p:sldId id="265" r:id="rId20"/>
+    <p:sldId id="294" r:id="rId21"/>
+    <p:sldId id="267" r:id="rId22"/>
+    <p:sldId id="292" r:id="rId23"/>
+    <p:sldId id="288" r:id="rId24"/>
+    <p:sldId id="261" r:id="rId25"/>
+    <p:sldId id="260" r:id="rId26"/>
+    <p:sldId id="281" r:id="rId27"/>
   </p:sldIdLst>
   <p:sldSz cx="12192000" cy="6858000"/>
   <p:notesSz cx="6858000" cy="9144000"/>
@@ -221,7 +222,7 @@
           <a:p>
             <a:fld id="{B05429AB-FD35-9943-BDD6-B7E530383E65}" type="datetimeFigureOut">
               <a:rPr lang="en-US" smtClean="0"/>
-              <a:t>5/14/19</a:t>
+              <a:t>5/15/19</a:t>
             </a:fld>
             <a:endParaRPr lang="en-US"/>
           </a:p>
@@ -1140,22 +1141,16 @@
                 </a:solidFill>
                 <a:latin typeface="Helvetica Neue" charset="0"/>
               </a:rPr>
-              <a:t>How shall we use location data?</a:t>
-            </a:r>
-          </a:p>
-          <a:p>
-            <a:pPr>
-              <a:buFont typeface="Arial" charset="0"/>
-              <a:buChar char="•"/>
-            </a:pPr>
-            <a:r>
-              <a:rPr lang="en-US" dirty="0" err="1" smtClean="0">
+              <a:t>Model selection methodology </a:t>
+            </a:r>
+            <a:r>
+              <a:rPr lang="mr-IN" dirty="0" smtClean="0">
                 <a:solidFill>
                   <a:srgbClr val="000000"/>
                 </a:solidFill>
                 <a:latin typeface="Helvetica Neue" charset="0"/>
               </a:rPr>
-              <a:t>zipcode</a:t>
+              <a:t>–</a:t>
             </a:r>
             <a:r>
               <a:rPr lang="en-US" dirty="0" smtClean="0">
@@ -1164,56 +1159,16 @@
                 </a:solidFill>
                 <a:latin typeface="Helvetica Neue" charset="0"/>
               </a:rPr>
-              <a:t> is probably informative. it has just 3 digits (so with low </a:t>
-            </a:r>
-            <a:r>
-              <a:rPr lang="en-US" dirty="0" err="1" smtClean="0">
+              <a:t> target</a:t>
+            </a:r>
+            <a:r>
+              <a:rPr lang="en-US" baseline="0" dirty="0" smtClean="0">
                 <a:solidFill>
                   <a:srgbClr val="000000"/>
                 </a:solidFill>
                 <a:latin typeface="Helvetica Neue" charset="0"/>
               </a:rPr>
-              <a:t>resoulution</a:t>
-            </a:r>
-            <a:r>
-              <a:rPr lang="en-US" dirty="0" smtClean="0">
-                <a:solidFill>
-                  <a:srgbClr val="000000"/>
-                </a:solidFill>
-                <a:latin typeface="Helvetica Neue" charset="0"/>
-              </a:rPr>
-              <a:t>). nevertheless we should engineer with longitude latitude converter or/and to enrich with census (translate zip to socio-economic level of neighborhood) this we'll leave for a later date.</a:t>
-            </a:r>
-          </a:p>
-          <a:p>
-            <a:pPr>
-              <a:buFont typeface="Arial" charset="0"/>
-              <a:buChar char="•"/>
-            </a:pPr>
-            <a:r>
-              <a:rPr lang="en-US" dirty="0" smtClean="0">
-                <a:solidFill>
-                  <a:srgbClr val="000000"/>
-                </a:solidFill>
-                <a:latin typeface="Helvetica Neue" charset="0"/>
-              </a:rPr>
-              <a:t>Perhaps we can use state? it is less informative than zip, but we can quickly use a proxy such as median income per state in 2014 that is publicly available:</a:t>
-            </a:r>
-          </a:p>
-          <a:p>
-            <a:pPr>
-              <a:buFont typeface="Arial" charset="0"/>
-              <a:buChar char="•"/>
-            </a:pPr>
-            <a:r>
-              <a:rPr lang="en-US" u="sng" dirty="0" smtClean="0">
-                <a:solidFill>
-                  <a:srgbClr val="337AB7"/>
-                </a:solidFill>
-                <a:latin typeface="Helvetica Neue" charset="0"/>
-                <a:hlinkClick r:id="rId3"/>
-              </a:rPr>
-              <a:t>https://www.reinisfischer.com/median-household-income-us-state-2014</a:t>
+              <a:t> leak detection, background research on features, looking at correlation to the target variable </a:t>
             </a:r>
             <a:endParaRPr lang="en-US" b="0" i="0" dirty="0">
               <a:solidFill>
@@ -1305,6 +1260,71 @@
           <a:bodyPr/>
           <a:lstStyle/>
           <a:p>
+            <a:pPr marL="0" marR="0" indent="0" algn="l" defTabSz="914400" rtl="0" eaLnBrk="1" fontAlgn="auto" latinLnBrk="0" hangingPunct="1">
+              <a:lnSpc>
+                <a:spcPct val="100000"/>
+              </a:lnSpc>
+              <a:spcBef>
+                <a:spcPts val="0"/>
+              </a:spcBef>
+              <a:spcAft>
+                <a:spcPts val="0"/>
+              </a:spcAft>
+              <a:buClrTx/>
+              <a:buSzTx/>
+              <a:buFontTx/>
+              <a:buNone/>
+              <a:tabLst/>
+              <a:defRPr/>
+            </a:pPr>
+            <a:r>
+              <a:rPr lang="en-US" dirty="0" smtClean="0">
+                <a:solidFill>
+                  <a:srgbClr val="000000"/>
+                </a:solidFill>
+                <a:latin typeface="Helvetica Neue" charset="0"/>
+              </a:rPr>
+              <a:t>Model selection methodology </a:t>
+            </a:r>
+            <a:r>
+              <a:rPr lang="mr-IN" dirty="0" smtClean="0">
+                <a:solidFill>
+                  <a:srgbClr val="000000"/>
+                </a:solidFill>
+                <a:latin typeface="Helvetica Neue" charset="0"/>
+              </a:rPr>
+              <a:t>–</a:t>
+            </a:r>
+            <a:r>
+              <a:rPr lang="en-US" dirty="0" smtClean="0">
+                <a:solidFill>
+                  <a:srgbClr val="000000"/>
+                </a:solidFill>
+                <a:latin typeface="Helvetica Neue" charset="0"/>
+              </a:rPr>
+              <a:t> target</a:t>
+            </a:r>
+            <a:r>
+              <a:rPr lang="en-US" baseline="0" dirty="0" smtClean="0">
+                <a:solidFill>
+                  <a:srgbClr val="000000"/>
+                </a:solidFill>
+                <a:latin typeface="Helvetica Neue" charset="0"/>
+              </a:rPr>
+              <a:t> leak detection, background research on features, looking at correlation to the target variable </a:t>
+            </a:r>
+            <a:endParaRPr lang="en-US" b="0" i="0" dirty="0" smtClean="0">
+              <a:solidFill>
+                <a:srgbClr val="000000"/>
+              </a:solidFill>
+              <a:effectLst/>
+              <a:latin typeface="Helvetica Neue" charset="0"/>
+            </a:endParaRPr>
+          </a:p>
+          <a:p>
+            <a:endParaRPr lang="en-US" dirty="0" smtClean="0"/>
+          </a:p>
+          <a:p>
             <a:r>
               <a:rPr lang="en-US" dirty="0" smtClean="0"/>
               <a:t>RF showed inferior baseline performance as compared to logistic regression 0.55 vs 0.63</a:t>
@@ -1417,47 +1437,63 @@
               <a:defRPr/>
             </a:pPr>
             <a:r>
+              <a:rPr lang="en-US" dirty="0" smtClean="0">
+                <a:solidFill>
+                  <a:srgbClr val="000000"/>
+                </a:solidFill>
+                <a:latin typeface="Helvetica Neue" charset="0"/>
+              </a:rPr>
+              <a:t>Model selection methodology </a:t>
+            </a:r>
+            <a:r>
+              <a:rPr lang="mr-IN" dirty="0" smtClean="0">
+                <a:solidFill>
+                  <a:srgbClr val="000000"/>
+                </a:solidFill>
+                <a:latin typeface="Helvetica Neue" charset="0"/>
+              </a:rPr>
+              <a:t>–</a:t>
+            </a:r>
+            <a:r>
+              <a:rPr lang="en-US" dirty="0" smtClean="0">
+                <a:solidFill>
+                  <a:srgbClr val="000000"/>
+                </a:solidFill>
+                <a:latin typeface="Helvetica Neue" charset="0"/>
+              </a:rPr>
+              <a:t> target</a:t>
+            </a:r>
+            <a:r>
+              <a:rPr lang="en-US" baseline="0" dirty="0" smtClean="0">
+                <a:solidFill>
+                  <a:srgbClr val="000000"/>
+                </a:solidFill>
+                <a:latin typeface="Helvetica Neue" charset="0"/>
+              </a:rPr>
+              <a:t> leak detection, background research on features, looking at correlation to the target variable </a:t>
+            </a:r>
+            <a:endParaRPr lang="en-US" b="0" i="0" dirty="0" smtClean="0">
+              <a:solidFill>
+                <a:srgbClr val="000000"/>
+              </a:solidFill>
+              <a:effectLst/>
+              <a:latin typeface="Helvetica Neue" charset="0"/>
+            </a:endParaRPr>
+          </a:p>
+          <a:p>
+            <a:endParaRPr lang="en-US" dirty="0" smtClean="0"/>
+          </a:p>
+          <a:p>
+            <a:r>
               <a:rPr lang="en-US" dirty="0" smtClean="0"/>
-              <a:t>For WNV(-) cases, There is a 3 X lower </a:t>
-            </a:r>
-            <a:r>
-              <a:rPr lang="en-US" smtClean="0"/>
-              <a:t>chance if </a:t>
-            </a:r>
+              <a:t>RF showed inferior baseline performance as compared to logistic regression 0.55 vs 0.63</a:t>
+            </a:r>
+          </a:p>
+          <a:p>
             <a:r>
               <a:rPr lang="en-US" dirty="0" smtClean="0"/>
-              <a:t>there is only one relatively cold day.</a:t>
-            </a:r>
-          </a:p>
-          <a:p>
-            <a:pPr marL="0" marR="0" indent="0" algn="l" defTabSz="914400" rtl="0" eaLnBrk="1" fontAlgn="auto" latinLnBrk="0" hangingPunct="1">
-              <a:lnSpc>
-                <a:spcPct val="100000"/>
-              </a:lnSpc>
-              <a:spcBef>
-                <a:spcPts val="0"/>
-              </a:spcBef>
-              <a:spcAft>
-                <a:spcPts val="0"/>
-              </a:spcAft>
-              <a:buClrTx/>
-              <a:buSzTx/>
-              <a:buFontTx/>
-              <a:buNone/>
-              <a:tabLst/>
-              <a:defRPr/>
-            </a:pPr>
-            <a:r>
-              <a:rPr lang="en-US" dirty="0" smtClean="0"/>
-              <a:t>As opposed to 10 times lower for</a:t>
-            </a:r>
-            <a:r>
-              <a:rPr lang="en-US" baseline="0" dirty="0" smtClean="0"/>
-              <a:t> WNV(+) cases</a:t>
-            </a:r>
-            <a:endParaRPr lang="en-US" dirty="0" smtClean="0"/>
-          </a:p>
-          <a:p>
+              <a:t>5 fold CV </a:t>
+            </a:r>
             <a:endParaRPr lang="en-US" dirty="0"/>
           </a:p>
         </p:txBody>
@@ -1477,7 +1513,7 @@
           <a:bodyPr/>
           <a:lstStyle/>
           <a:p>
-            <a:fld id="{42430768-9F69-1D4B-AFD0-0A37F9F54E32}" type="slidenum">
+            <a:fld id="{EB60BC7F-C7BB-9D4D-944B-F34C628F7356}" type="slidenum">
               <a:rPr lang="en-US" smtClean="0"/>
               <a:t>16</a:t>
             </a:fld>
@@ -1488,7 +1524,7 @@
     </p:spTree>
     <p:extLst>
       <p:ext uri="{BB962C8B-B14F-4D97-AF65-F5344CB8AC3E}">
-        <p14:creationId xmlns:p14="http://schemas.microsoft.com/office/powerpoint/2010/main" val="1317886096"/>
+        <p14:creationId xmlns:p14="http://schemas.microsoft.com/office/powerpoint/2010/main" val="241228696"/>
       </p:ext>
     </p:extLst>
   </p:cSld>
@@ -1561,9 +1597,93 @@
           <a:bodyPr/>
           <a:lstStyle/>
           <a:p>
+            <a:fld id="{42430768-9F69-1D4B-AFD0-0A37F9F54E32}" type="slidenum">
+              <a:rPr lang="en-US" smtClean="0"/>
+              <a:t>17</a:t>
+            </a:fld>
+            <a:endParaRPr lang="en-US"/>
+          </a:p>
+        </p:txBody>
+      </p:sp>
+    </p:spTree>
+    <p:extLst>
+      <p:ext uri="{BB962C8B-B14F-4D97-AF65-F5344CB8AC3E}">
+        <p14:creationId xmlns:p14="http://schemas.microsoft.com/office/powerpoint/2010/main" val="1317886096"/>
+      </p:ext>
+    </p:extLst>
+  </p:cSld>
+  <p:clrMapOvr>
+    <a:masterClrMapping/>
+  </p:clrMapOvr>
+</p:notes>
+</file>
+
+<file path=ppt/notesSlides/notesSlide17.xml><?xml version="1.0" encoding="utf-8"?>
+<p:notes xmlns:a="http://schemas.openxmlformats.org/drawingml/2006/main" xmlns:r="http://schemas.openxmlformats.org/officeDocument/2006/relationships" xmlns:p="http://schemas.openxmlformats.org/presentationml/2006/main">
+  <p:cSld>
+    <p:spTree>
+      <p:nvGrpSpPr>
+        <p:cNvPr id="1" name=""/>
+        <p:cNvGrpSpPr/>
+        <p:nvPr/>
+      </p:nvGrpSpPr>
+      <p:grpSpPr>
+        <a:xfrm>
+          <a:off x="0" y="0"/>
+          <a:ext cx="0" cy="0"/>
+          <a:chOff x="0" y="0"/>
+          <a:chExt cx="0" cy="0"/>
+        </a:xfrm>
+      </p:grpSpPr>
+      <p:sp>
+        <p:nvSpPr>
+          <p:cNvPr id="2" name="Slide Image Placeholder 1"/>
+          <p:cNvSpPr>
+            <a:spLocks noGrp="1" noRot="1" noChangeAspect="1"/>
+          </p:cNvSpPr>
+          <p:nvPr>
+            <p:ph type="sldImg"/>
+          </p:nvPr>
+        </p:nvSpPr>
+        <p:spPr/>
+      </p:sp>
+      <p:sp>
+        <p:nvSpPr>
+          <p:cNvPr id="3" name="Notes Placeholder 2"/>
+          <p:cNvSpPr>
+            <a:spLocks noGrp="1"/>
+          </p:cNvSpPr>
+          <p:nvPr>
+            <p:ph type="body" idx="1"/>
+          </p:nvPr>
+        </p:nvSpPr>
+        <p:spPr/>
+        <p:txBody>
+          <a:bodyPr/>
+          <a:lstStyle/>
+          <a:p>
+            <a:endParaRPr lang="en-US" dirty="0"/>
+          </a:p>
+        </p:txBody>
+      </p:sp>
+      <p:sp>
+        <p:nvSpPr>
+          <p:cNvPr id="4" name="Slide Number Placeholder 3"/>
+          <p:cNvSpPr>
+            <a:spLocks noGrp="1"/>
+          </p:cNvSpPr>
+          <p:nvPr>
+            <p:ph type="sldNum" sz="quarter" idx="10"/>
+          </p:nvPr>
+        </p:nvSpPr>
+        <p:spPr/>
+        <p:txBody>
+          <a:bodyPr/>
+          <a:lstStyle/>
+          <a:p>
             <a:fld id="{EB60BC7F-C7BB-9D4D-944B-F34C628F7356}" type="slidenum">
               <a:rPr lang="en-US" smtClean="0"/>
-              <a:t>21</a:t>
+              <a:t>19</a:t>
             </a:fld>
             <a:endParaRPr lang="en-US"/>
           </a:p>
@@ -1573,6 +1693,90 @@
     <p:extLst>
       <p:ext uri="{BB962C8B-B14F-4D97-AF65-F5344CB8AC3E}">
         <p14:creationId xmlns:p14="http://schemas.microsoft.com/office/powerpoint/2010/main" val="1527015920"/>
+      </p:ext>
+    </p:extLst>
+  </p:cSld>
+  <p:clrMapOvr>
+    <a:masterClrMapping/>
+  </p:clrMapOvr>
+</p:notes>
+</file>
+
+<file path=ppt/notesSlides/notesSlide18.xml><?xml version="1.0" encoding="utf-8"?>
+<p:notes xmlns:a="http://schemas.openxmlformats.org/drawingml/2006/main" xmlns:r="http://schemas.openxmlformats.org/officeDocument/2006/relationships" xmlns:p="http://schemas.openxmlformats.org/presentationml/2006/main">
+  <p:cSld>
+    <p:spTree>
+      <p:nvGrpSpPr>
+        <p:cNvPr id="1" name=""/>
+        <p:cNvGrpSpPr/>
+        <p:nvPr/>
+      </p:nvGrpSpPr>
+      <p:grpSpPr>
+        <a:xfrm>
+          <a:off x="0" y="0"/>
+          <a:ext cx="0" cy="0"/>
+          <a:chOff x="0" y="0"/>
+          <a:chExt cx="0" cy="0"/>
+        </a:xfrm>
+      </p:grpSpPr>
+      <p:sp>
+        <p:nvSpPr>
+          <p:cNvPr id="2" name="Slide Image Placeholder 1"/>
+          <p:cNvSpPr>
+            <a:spLocks noGrp="1" noRot="1" noChangeAspect="1"/>
+          </p:cNvSpPr>
+          <p:nvPr>
+            <p:ph type="sldImg"/>
+          </p:nvPr>
+        </p:nvSpPr>
+        <p:spPr/>
+      </p:sp>
+      <p:sp>
+        <p:nvSpPr>
+          <p:cNvPr id="3" name="Notes Placeholder 2"/>
+          <p:cNvSpPr>
+            <a:spLocks noGrp="1"/>
+          </p:cNvSpPr>
+          <p:nvPr>
+            <p:ph type="body" idx="1"/>
+          </p:nvPr>
+        </p:nvSpPr>
+        <p:spPr/>
+        <p:txBody>
+          <a:bodyPr/>
+          <a:lstStyle/>
+          <a:p>
+            <a:endParaRPr lang="en-US" dirty="0"/>
+          </a:p>
+        </p:txBody>
+      </p:sp>
+      <p:sp>
+        <p:nvSpPr>
+          <p:cNvPr id="4" name="Slide Number Placeholder 3"/>
+          <p:cNvSpPr>
+            <a:spLocks noGrp="1"/>
+          </p:cNvSpPr>
+          <p:nvPr>
+            <p:ph type="sldNum" sz="quarter" idx="10"/>
+          </p:nvPr>
+        </p:nvSpPr>
+        <p:spPr/>
+        <p:txBody>
+          <a:bodyPr/>
+          <a:lstStyle/>
+          <a:p>
+            <a:fld id="{EB60BC7F-C7BB-9D4D-944B-F34C628F7356}" type="slidenum">
+              <a:rPr lang="en-US" smtClean="0"/>
+              <a:t>20</a:t>
+            </a:fld>
+            <a:endParaRPr lang="en-US"/>
+          </a:p>
+        </p:txBody>
+      </p:sp>
+    </p:spTree>
+    <p:extLst>
+      <p:ext uri="{BB962C8B-B14F-4D97-AF65-F5344CB8AC3E}">
+        <p14:creationId xmlns:p14="http://schemas.microsoft.com/office/powerpoint/2010/main" val="810119025"/>
       </p:ext>
     </p:extLst>
   </p:cSld>
@@ -1812,14 +2016,6 @@
           <a:bodyPr/>
           <a:lstStyle/>
           <a:p>
-            <a:r>
-              <a:rPr lang="en-US" dirty="0" smtClean="0"/>
-              <a:t>This meant that we</a:t>
-            </a:r>
-            <a:r>
-              <a:rPr lang="en-US" baseline="0" dirty="0" smtClean="0"/>
-              <a:t> needed to process the data further and use different metrics </a:t>
-            </a:r>
             <a:endParaRPr lang="en-US" dirty="0"/>
           </a:p>
         </p:txBody>
@@ -1904,14 +2100,6 @@
           <a:bodyPr/>
           <a:lstStyle/>
           <a:p>
-            <a:r>
-              <a:rPr lang="en-US" dirty="0" smtClean="0"/>
-              <a:t>This meant that we</a:t>
-            </a:r>
-            <a:r>
-              <a:rPr lang="en-US" baseline="0" dirty="0" smtClean="0"/>
-              <a:t> needed to process the data further and use different metrics </a:t>
-            </a:r>
             <a:endParaRPr lang="en-US" dirty="0"/>
           </a:p>
         </p:txBody>
@@ -1996,14 +2184,6 @@
           <a:bodyPr/>
           <a:lstStyle/>
           <a:p>
-            <a:r>
-              <a:rPr lang="en-US" dirty="0" smtClean="0"/>
-              <a:t>This meant that we</a:t>
-            </a:r>
-            <a:r>
-              <a:rPr lang="en-US" baseline="0" dirty="0" smtClean="0"/>
-              <a:t> needed to process the data further and use different metrics </a:t>
-            </a:r>
             <a:endParaRPr lang="en-US" dirty="0"/>
           </a:p>
         </p:txBody>
@@ -2088,14 +2268,6 @@
           <a:bodyPr/>
           <a:lstStyle/>
           <a:p>
-            <a:r>
-              <a:rPr lang="en-US" dirty="0" smtClean="0"/>
-              <a:t>This meant that we</a:t>
-            </a:r>
-            <a:r>
-              <a:rPr lang="en-US" baseline="0" dirty="0" smtClean="0"/>
-              <a:t> needed to process the data further and use different metrics </a:t>
-            </a:r>
             <a:endParaRPr lang="en-US" dirty="0"/>
           </a:p>
         </p:txBody>
@@ -2206,11 +2378,7 @@
           <a:p>
             <a:r>
               <a:rPr lang="en-US" baseline="0" dirty="0" smtClean="0"/>
-              <a:t>And also the target group has late loans that would not default in the </a:t>
-            </a:r>
-            <a:r>
-              <a:rPr lang="en-US" baseline="0" dirty="0" smtClean="0"/>
-              <a:t>end</a:t>
+              <a:t>And also the target group has late loans that would not default in the end</a:t>
             </a:r>
           </a:p>
           <a:p>
@@ -2741,7 +2909,7 @@
           <a:p>
             <a:fld id="{D52E72C0-D206-B74A-A9B3-284CFF94A49A}" type="datetimeFigureOut">
               <a:rPr lang="en-US" smtClean="0"/>
-              <a:t>5/14/19</a:t>
+              <a:t>5/15/19</a:t>
             </a:fld>
             <a:endParaRPr lang="en-US"/>
           </a:p>
@@ -2911,7 +3079,7 @@
           <a:p>
             <a:fld id="{D52E72C0-D206-B74A-A9B3-284CFF94A49A}" type="datetimeFigureOut">
               <a:rPr lang="en-US" smtClean="0"/>
-              <a:t>5/14/19</a:t>
+              <a:t>5/15/19</a:t>
             </a:fld>
             <a:endParaRPr lang="en-US"/>
           </a:p>
@@ -3091,7 +3259,7 @@
           <a:p>
             <a:fld id="{D52E72C0-D206-B74A-A9B3-284CFF94A49A}" type="datetimeFigureOut">
               <a:rPr lang="en-US" smtClean="0"/>
-              <a:t>5/14/19</a:t>
+              <a:t>5/15/19</a:t>
             </a:fld>
             <a:endParaRPr lang="en-US"/>
           </a:p>
@@ -3261,7 +3429,7 @@
           <a:p>
             <a:fld id="{D52E72C0-D206-B74A-A9B3-284CFF94A49A}" type="datetimeFigureOut">
               <a:rPr lang="en-US" smtClean="0"/>
-              <a:t>5/14/19</a:t>
+              <a:t>5/15/19</a:t>
             </a:fld>
             <a:endParaRPr lang="en-US"/>
           </a:p>
@@ -3507,7 +3675,7 @@
           <a:p>
             <a:fld id="{D52E72C0-D206-B74A-A9B3-284CFF94A49A}" type="datetimeFigureOut">
               <a:rPr lang="en-US" smtClean="0"/>
-              <a:t>5/14/19</a:t>
+              <a:t>5/15/19</a:t>
             </a:fld>
             <a:endParaRPr lang="en-US"/>
           </a:p>
@@ -3739,7 +3907,7 @@
           <a:p>
             <a:fld id="{D52E72C0-D206-B74A-A9B3-284CFF94A49A}" type="datetimeFigureOut">
               <a:rPr lang="en-US" smtClean="0"/>
-              <a:t>5/14/19</a:t>
+              <a:t>5/15/19</a:t>
             </a:fld>
             <a:endParaRPr lang="en-US"/>
           </a:p>
@@ -4106,7 +4274,7 @@
           <a:p>
             <a:fld id="{D52E72C0-D206-B74A-A9B3-284CFF94A49A}" type="datetimeFigureOut">
               <a:rPr lang="en-US" smtClean="0"/>
-              <a:t>5/14/19</a:t>
+              <a:t>5/15/19</a:t>
             </a:fld>
             <a:endParaRPr lang="en-US"/>
           </a:p>
@@ -4224,7 +4392,7 @@
           <a:p>
             <a:fld id="{D52E72C0-D206-B74A-A9B3-284CFF94A49A}" type="datetimeFigureOut">
               <a:rPr lang="en-US" smtClean="0"/>
-              <a:t>5/14/19</a:t>
+              <a:t>5/15/19</a:t>
             </a:fld>
             <a:endParaRPr lang="en-US"/>
           </a:p>
@@ -4319,7 +4487,7 @@
           <a:p>
             <a:fld id="{D52E72C0-D206-B74A-A9B3-284CFF94A49A}" type="datetimeFigureOut">
               <a:rPr lang="en-US" smtClean="0"/>
-              <a:t>5/14/19</a:t>
+              <a:t>5/15/19</a:t>
             </a:fld>
             <a:endParaRPr lang="en-US"/>
           </a:p>
@@ -4596,7 +4764,7 @@
           <a:p>
             <a:fld id="{D52E72C0-D206-B74A-A9B3-284CFF94A49A}" type="datetimeFigureOut">
               <a:rPr lang="en-US" smtClean="0"/>
-              <a:t>5/14/19</a:t>
+              <a:t>5/15/19</a:t>
             </a:fld>
             <a:endParaRPr lang="en-US"/>
           </a:p>
@@ -4849,7 +5017,7 @@
           <a:p>
             <a:fld id="{D52E72C0-D206-B74A-A9B3-284CFF94A49A}" type="datetimeFigureOut">
               <a:rPr lang="en-US" smtClean="0"/>
-              <a:t>5/14/19</a:t>
+              <a:t>5/15/19</a:t>
             </a:fld>
             <a:endParaRPr lang="en-US"/>
           </a:p>
@@ -5062,7 +5230,7 @@
           <a:p>
             <a:fld id="{D52E72C0-D206-B74A-A9B3-284CFF94A49A}" type="datetimeFigureOut">
               <a:rPr lang="en-US" smtClean="0"/>
-              <a:t>5/14/19</a:t>
+              <a:t>5/15/19</a:t>
             </a:fld>
             <a:endParaRPr lang="en-US"/>
           </a:p>
@@ -6012,7 +6180,22 @@
                 </a:solidFill>
                 <a:latin typeface="Helvetica Neue" charset="0"/>
               </a:rPr>
-              <a:t>zip code has has 3 digits only (low resolution</a:t>
+              <a:t>zip code has has 3 digits only (low resolution)</a:t>
+            </a:r>
+          </a:p>
+          <a:p>
+            <a:pPr>
+              <a:buFont typeface="Arial" charset="0"/>
+              <a:buChar char="•"/>
+            </a:pPr>
+            <a:r>
+              <a:rPr lang="en-US" dirty="0">
+                <a:solidFill>
+                  <a:srgbClr val="000000"/>
+                </a:solidFill>
+                <a:latin typeface="Helvetica Neue" charset="0"/>
+              </a:rPr>
+              <a:t> </a:t>
             </a:r>
             <a:r>
               <a:rPr lang="en-US" dirty="0" smtClean="0">
@@ -6021,19 +6204,13 @@
                 </a:solidFill>
                 <a:latin typeface="Helvetica Neue" charset="0"/>
               </a:rPr>
-              <a:t>)</a:t>
-            </a:r>
-            <a:endParaRPr lang="en-US" dirty="0" smtClean="0">
-              <a:solidFill>
-                <a:srgbClr val="000000"/>
-              </a:solidFill>
-              <a:latin typeface="Helvetica Neue" charset="0"/>
-            </a:endParaRPr>
-          </a:p>
-          <a:p>
-            <a:pPr>
-              <a:buFont typeface="Arial" charset="0"/>
-              <a:buChar char="•"/>
+              <a:t>Ideally, if this project should continue we would engineer:</a:t>
+            </a:r>
+          </a:p>
+          <a:p>
+            <a:pPr marL="857250" lvl="1" indent="-400050">
+              <a:buFont typeface="+mj-lt"/>
+              <a:buAutoNum type="romanUcPeriod"/>
             </a:pPr>
             <a:r>
               <a:rPr lang="en-US" dirty="0">
@@ -6042,7 +6219,7 @@
                 </a:solidFill>
                 <a:latin typeface="Helvetica Neue" charset="0"/>
               </a:rPr>
-              <a:t> </a:t>
+              <a:t>W</a:t>
             </a:r>
             <a:r>
               <a:rPr lang="en-US" dirty="0" smtClean="0">
@@ -6051,7 +6228,7 @@
                 </a:solidFill>
                 <a:latin typeface="Helvetica Neue" charset="0"/>
               </a:rPr>
-              <a:t>Ideally, if this project should continue we would engineer:</a:t>
+              <a:t>ith longitude &amp; latitude converter </a:t>
             </a:r>
           </a:p>
           <a:p>
@@ -6059,6 +6236,15 @@
               <a:buFont typeface="+mj-lt"/>
               <a:buAutoNum type="romanUcPeriod"/>
             </a:pPr>
+            <a:r>
+              <a:rPr lang="en-US" dirty="0" smtClean="0">
+                <a:solidFill>
+                  <a:srgbClr val="000000"/>
+                </a:solidFill>
+                <a:latin typeface="Helvetica Neue" charset="0"/>
+              </a:rPr>
+              <a:t>Enrich </a:t>
+            </a:r>
             <a:r>
               <a:rPr lang="en-US" dirty="0">
                 <a:solidFill>
@@ -6066,7 +6252,7 @@
                 </a:solidFill>
                 <a:latin typeface="Helvetica Neue" charset="0"/>
               </a:rPr>
-              <a:t>W</a:t>
+              <a:t>with </a:t>
             </a:r>
             <a:r>
               <a:rPr lang="en-US" dirty="0" smtClean="0">
@@ -6075,14 +6261,17 @@
                 </a:solidFill>
                 <a:latin typeface="Helvetica Neue" charset="0"/>
               </a:rPr>
-              <a:t>ith longitude &amp; latitude converter </a:t>
-            </a:r>
-          </a:p>
-          <a:p>
-            <a:pPr marL="857250" lvl="1" indent="-400050">
-              <a:buFont typeface="+mj-lt"/>
-              <a:buAutoNum type="romanUcPeriod"/>
-            </a:pPr>
+              <a:t>census data (</a:t>
+            </a:r>
+            <a:r>
+              <a:rPr lang="en-US" dirty="0">
+                <a:solidFill>
+                  <a:srgbClr val="000000"/>
+                </a:solidFill>
+                <a:latin typeface="Helvetica Neue" charset="0"/>
+              </a:rPr>
+              <a:t>translate zip to socio-economic </a:t>
+            </a:r>
             <a:r>
               <a:rPr lang="en-US" dirty="0" smtClean="0">
                 <a:solidFill>
@@ -6090,7 +6279,34 @@
                 </a:solidFill>
                 <a:latin typeface="Helvetica Neue" charset="0"/>
               </a:rPr>
-              <a:t>Enrich </a:t>
+              <a:t>data into categorical features )</a:t>
+            </a:r>
+          </a:p>
+          <a:p>
+            <a:pPr>
+              <a:buFont typeface="Arial" charset="0"/>
+              <a:buChar char="•"/>
+            </a:pPr>
+            <a:r>
+              <a:rPr lang="en-US" dirty="0" smtClean="0">
+                <a:solidFill>
+                  <a:srgbClr val="000000"/>
+                </a:solidFill>
+                <a:latin typeface="Helvetica Neue" charset="0"/>
+              </a:rPr>
+              <a:t>   State is less informative than zip, but we can quickly use</a:t>
+            </a:r>
+          </a:p>
+          <a:p>
+            <a:pPr lvl="1"/>
+            <a:r>
+              <a:rPr lang="en-US" dirty="0" smtClean="0">
+                <a:solidFill>
+                  <a:srgbClr val="000000"/>
+                </a:solidFill>
+                <a:latin typeface="Helvetica Neue" charset="0"/>
+              </a:rPr>
+              <a:t>a </a:t>
             </a:r>
             <a:r>
               <a:rPr lang="en-US" dirty="0">
@@ -6099,7 +6315,7 @@
                 </a:solidFill>
                 <a:latin typeface="Helvetica Neue" charset="0"/>
               </a:rPr>
-              <a:t>with </a:t>
+              <a:t>proxy such as median income per state </a:t>
             </a:r>
             <a:r>
               <a:rPr lang="en-US" dirty="0" smtClean="0">
@@ -6108,7 +6324,7 @@
                 </a:solidFill>
                 <a:latin typeface="Helvetica Neue" charset="0"/>
               </a:rPr>
-              <a:t>census data (</a:t>
+              <a:t>(in </a:t>
             </a:r>
             <a:r>
               <a:rPr lang="en-US" dirty="0">
@@ -6117,7 +6333,7 @@
                 </a:solidFill>
                 <a:latin typeface="Helvetica Neue" charset="0"/>
               </a:rPr>
-              <a:t>translate zip to socio-economic </a:t>
+              <a:t>2014</a:t>
             </a:r>
             <a:r>
               <a:rPr lang="en-US" dirty="0" smtClean="0">
@@ -6126,14 +6342,8 @@
                 </a:solidFill>
                 <a:latin typeface="Helvetica Neue" charset="0"/>
               </a:rPr>
-              <a:t>data into categorical features )</a:t>
-            </a:r>
-          </a:p>
-          <a:p>
-            <a:pPr>
-              <a:buFont typeface="Arial" charset="0"/>
-              <a:buChar char="•"/>
-            </a:pPr>
+              <a:t>*) that may show the socio-economical status of </a:t>
+            </a:r>
             <a:r>
               <a:rPr lang="en-US" dirty="0" smtClean="0">
                 <a:solidFill>
@@ -6141,11 +6351,8 @@
                 </a:solidFill>
                 <a:latin typeface="Helvetica Neue" charset="0"/>
               </a:rPr>
-              <a:t>   State is less informative than zip, but we can quickly use</a:t>
-            </a:r>
-          </a:p>
-          <a:p>
-            <a:pPr lvl="1"/>
+              <a:t>the </a:t>
+            </a:r>
             <a:r>
               <a:rPr lang="en-US" dirty="0" smtClean="0">
                 <a:solidFill>
@@ -6153,70 +6360,7 @@
                 </a:solidFill>
                 <a:latin typeface="Helvetica Neue" charset="0"/>
               </a:rPr>
-              <a:t>a </a:t>
-            </a:r>
-            <a:r>
-              <a:rPr lang="en-US" dirty="0">
-                <a:solidFill>
-                  <a:srgbClr val="000000"/>
-                </a:solidFill>
-                <a:latin typeface="Helvetica Neue" charset="0"/>
-              </a:rPr>
-              <a:t>proxy such as median income per state </a:t>
-            </a:r>
-            <a:r>
-              <a:rPr lang="en-US" dirty="0" smtClean="0">
-                <a:solidFill>
-                  <a:srgbClr val="000000"/>
-                </a:solidFill>
-                <a:latin typeface="Helvetica Neue" charset="0"/>
-              </a:rPr>
-              <a:t>(in </a:t>
-            </a:r>
-            <a:r>
-              <a:rPr lang="en-US" dirty="0">
-                <a:solidFill>
-                  <a:srgbClr val="000000"/>
-                </a:solidFill>
-                <a:latin typeface="Helvetica Neue" charset="0"/>
-              </a:rPr>
-              <a:t>2014</a:t>
-            </a:r>
-            <a:r>
-              <a:rPr lang="en-US" dirty="0" smtClean="0">
-                <a:solidFill>
-                  <a:srgbClr val="000000"/>
-                </a:solidFill>
-                <a:latin typeface="Helvetica Neue" charset="0"/>
-              </a:rPr>
-              <a:t>*) </a:t>
-            </a:r>
-            <a:r>
-              <a:rPr lang="en-US" dirty="0" smtClean="0">
-                <a:solidFill>
-                  <a:srgbClr val="000000"/>
-                </a:solidFill>
-                <a:latin typeface="Helvetica Neue" charset="0"/>
-              </a:rPr>
-              <a:t>that may show the socio-economical status of it</a:t>
-            </a:r>
-            <a:r>
-              <a:rPr lang="mr-IN" dirty="0" smtClean="0">
-                <a:solidFill>
-                  <a:srgbClr val="000000"/>
-                </a:solidFill>
-                <a:latin typeface="Helvetica Neue" charset="0"/>
-              </a:rPr>
-              <a:t>’</a:t>
-            </a:r>
-            <a:r>
-              <a:rPr lang="en-US" dirty="0" smtClean="0">
-                <a:solidFill>
-                  <a:srgbClr val="000000"/>
-                </a:solidFill>
-                <a:latin typeface="Helvetica Neue" charset="0"/>
-              </a:rPr>
-              <a:t>s the residents of this state</a:t>
+              <a:t>residents of this state</a:t>
             </a:r>
             <a:endParaRPr lang="en-US" dirty="0">
               <a:solidFill>
@@ -7358,25 +7502,7 @@
                 </a:solidFill>
                 <a:latin typeface="Helvetica Neue" charset="0"/>
               </a:rPr>
-              <a:t>There is a </a:t>
-            </a:r>
-            <a:r>
-              <a:rPr lang="en-US" dirty="0" smtClean="0">
-                <a:solidFill>
-                  <a:srgbClr val="000000"/>
-                </a:solidFill>
-                <a:latin typeface="Helvetica Neue" charset="0"/>
-              </a:rPr>
-              <a:t>intersection </a:t>
-            </a:r>
-            <a:r>
-              <a:rPr lang="en-US" dirty="0" smtClean="0">
-                <a:solidFill>
-                  <a:srgbClr val="000000"/>
-                </a:solidFill>
-                <a:latin typeface="Helvetica Neue" charset="0"/>
-              </a:rPr>
-              <a:t>at 24 months mark where the relative frequency of a default loan diminishes further, while fully paid loans increases and continues to be high</a:t>
+              <a:t>There is a intersection at 24 months mark where the relative frequency of a default loan diminishes further, while fully paid loans increases and continues to be high</a:t>
             </a:r>
           </a:p>
           <a:p>
@@ -7843,7 +7969,34 @@
                 </a:solidFill>
                 <a:latin typeface="Helvetica Neue" charset="0"/>
               </a:rPr>
+              <a:t> (interest rate*) installment. The rational was to </a:t>
+            </a:r>
+            <a:r>
+              <a:rPr lang="he-IL" dirty="0" smtClean="0">
+                <a:solidFill>
+                  <a:srgbClr val="000000"/>
+                </a:solidFill>
+                <a:latin typeface="Helvetica Neue" charset="0"/>
+              </a:rPr>
+              <a:t>isolate</a:t>
+            </a:r>
+            <a:r>
+              <a:rPr lang="he-IL" dirty="0">
+                <a:solidFill>
+                  <a:srgbClr val="000000"/>
+                </a:solidFill>
+                <a:latin typeface="Helvetica Neue" charset="0"/>
+              </a:rPr>
               <a:t> </a:t>
+            </a:r>
+            <a:r>
+              <a:rPr lang="he-IL" dirty="0" smtClean="0">
+                <a:solidFill>
+                  <a:srgbClr val="000000"/>
+                </a:solidFill>
+                <a:latin typeface="Helvetica Neue" charset="0"/>
+              </a:rPr>
+              <a:t>the monthly payment of the loan</a:t>
             </a:r>
             <a:r>
               <a:rPr lang="en-US" dirty="0" smtClean="0">
@@ -7852,7 +8005,16 @@
                 </a:solidFill>
                 <a:latin typeface="Helvetica Neue" charset="0"/>
               </a:rPr>
-              <a:t>(interest rate*) </a:t>
+              <a:t> from credit aspects (</a:t>
+            </a:r>
+            <a:r>
+              <a:rPr lang="he-IL" dirty="0" smtClean="0">
+                <a:solidFill>
+                  <a:srgbClr val="000000"/>
+                </a:solidFill>
+                <a:latin typeface="Helvetica Neue" charset="0"/>
+              </a:rPr>
+              <a:t>the </a:t>
             </a:r>
             <a:r>
               <a:rPr lang="en-US" dirty="0" smtClean="0">
@@ -7861,70 +8023,7 @@
                 </a:solidFill>
                 <a:latin typeface="Helvetica Neue" charset="0"/>
               </a:rPr>
-              <a:t>installment. The rational was to </a:t>
-            </a:r>
-            <a:r>
-              <a:rPr lang="he-IL" dirty="0" smtClean="0">
-                <a:solidFill>
-                  <a:srgbClr val="000000"/>
-                </a:solidFill>
-                <a:latin typeface="Helvetica Neue" charset="0"/>
-              </a:rPr>
-              <a:t>isolate</a:t>
-            </a:r>
-            <a:r>
-              <a:rPr lang="he-IL" dirty="0">
-                <a:solidFill>
-                  <a:srgbClr val="000000"/>
-                </a:solidFill>
-                <a:latin typeface="Helvetica Neue" charset="0"/>
-              </a:rPr>
-              <a:t> </a:t>
-            </a:r>
-            <a:r>
-              <a:rPr lang="he-IL" dirty="0" smtClean="0">
-                <a:solidFill>
-                  <a:srgbClr val="000000"/>
-                </a:solidFill>
-                <a:latin typeface="Helvetica Neue" charset="0"/>
-              </a:rPr>
-              <a:t>the monthly payment of the loan</a:t>
-            </a:r>
-            <a:r>
-              <a:rPr lang="en-US" dirty="0" smtClean="0">
-                <a:solidFill>
-                  <a:srgbClr val="000000"/>
-                </a:solidFill>
-                <a:latin typeface="Helvetica Neue" charset="0"/>
-              </a:rPr>
-              <a:t> from credit aspects (</a:t>
-            </a:r>
-            <a:r>
-              <a:rPr lang="he-IL" dirty="0" smtClean="0">
-                <a:solidFill>
-                  <a:srgbClr val="000000"/>
-                </a:solidFill>
-                <a:latin typeface="Helvetica Neue" charset="0"/>
-              </a:rPr>
-              <a:t>the </a:t>
-            </a:r>
-            <a:r>
-              <a:rPr lang="en-US" dirty="0" smtClean="0">
-                <a:solidFill>
-                  <a:srgbClr val="000000"/>
-                </a:solidFill>
-                <a:latin typeface="Helvetica Neue" charset="0"/>
-              </a:rPr>
-              <a:t>int rate which is partly depended on credit </a:t>
-            </a:r>
-            <a:r>
-              <a:rPr lang="en-US" dirty="0" smtClean="0">
-                <a:solidFill>
-                  <a:srgbClr val="000000"/>
-                </a:solidFill>
-                <a:latin typeface="Helvetica Neue" charset="0"/>
-              </a:rPr>
-              <a:t>rating</a:t>
+              <a:t>int rate which is partly depended on credit rating</a:t>
             </a:r>
             <a:endParaRPr lang="en-US" dirty="0" smtClean="0"/>
           </a:p>
@@ -8886,11 +8985,7 @@
             </a:r>
             <a:r>
               <a:rPr lang="en-US" dirty="0" smtClean="0"/>
-              <a:t>(falsely identifying a default loan where in reality it is not</a:t>
-            </a:r>
-            <a:r>
-              <a:rPr lang="en-US" dirty="0" smtClean="0"/>
-              <a:t>)</a:t>
+              <a:t>(falsely identifying a default loan where in reality it is not)</a:t>
             </a:r>
             <a:endParaRPr lang="en-US" dirty="0"/>
           </a:p>
@@ -8921,276 +9016,7 @@
             </a:r>
             <a:r>
               <a:rPr lang="en-US" dirty="0" smtClean="0"/>
-              <a:t>the occasional investment miss-opportunity when mistakenly avoiding a loan because of false </a:t>
-            </a:r>
-            <a:r>
-              <a:rPr lang="en-US" dirty="0" smtClean="0"/>
-              <a:t>alarm </a:t>
-            </a:r>
-            <a:endParaRPr lang="en-US" dirty="0"/>
-          </a:p>
-        </p:txBody>
-      </p:sp>
-      <p:sp>
-        <p:nvSpPr>
-          <p:cNvPr id="4" name="TextBox 3"/>
-          <p:cNvSpPr txBox="1"/>
-          <p:nvPr/>
-        </p:nvSpPr>
-        <p:spPr>
-          <a:xfrm>
-            <a:off x="1039298" y="2889342"/>
-            <a:ext cx="10073202" cy="2308324"/>
-          </a:xfrm>
-          <a:prstGeom prst="rect">
-            <a:avLst/>
-          </a:prstGeom>
-        </p:spPr>
-        <p:style>
-          <a:lnRef idx="2">
-            <a:schemeClr val="dk1"/>
-          </a:lnRef>
-          <a:fillRef idx="1">
-            <a:schemeClr val="lt1"/>
-          </a:fillRef>
-          <a:effectRef idx="0">
-            <a:schemeClr val="dk1"/>
-          </a:effectRef>
-          <a:fontRef idx="minor">
-            <a:schemeClr val="dk1"/>
-          </a:fontRef>
-        </p:style>
-        <p:txBody>
-          <a:bodyPr wrap="square" rtlCol="0">
-            <a:spAutoFit/>
-          </a:bodyPr>
-          <a:lstStyle/>
-          <a:p>
-            <a:pPr marL="285750" indent="-285750">
-              <a:buFont typeface="Arial" charset="0"/>
-              <a:buChar char="•"/>
-            </a:pPr>
-            <a:r>
-              <a:rPr lang="en-US" b="1" dirty="0" smtClean="0"/>
-              <a:t>Method</a:t>
-            </a:r>
-            <a:r>
-              <a:rPr lang="en-US" dirty="0" smtClean="0"/>
-              <a:t> </a:t>
-            </a:r>
-            <a:r>
-              <a:rPr lang="mr-IN" dirty="0"/>
-              <a:t>–</a:t>
-            </a:r>
-            <a:r>
-              <a:rPr lang="en-US" dirty="0"/>
-              <a:t> </a:t>
-            </a:r>
-            <a:endParaRPr lang="en-US" dirty="0" smtClean="0"/>
-          </a:p>
-          <a:p>
-            <a:pPr marL="742950" lvl="1" indent="-285750">
-              <a:buFont typeface="Wingdings" charset="2"/>
-              <a:buChar char="§"/>
-            </a:pPr>
-            <a:r>
-              <a:rPr lang="en-US" dirty="0" smtClean="0"/>
-              <a:t>We </a:t>
-            </a:r>
-            <a:r>
-              <a:rPr lang="en-US" dirty="0"/>
-              <a:t>ran several classification models (i.e. Logistic Regression, Random Forest (RF)) on the dataset to get initial idea about the predictive power of the </a:t>
-            </a:r>
-            <a:r>
-              <a:rPr lang="en-US" dirty="0" smtClean="0"/>
-              <a:t>models</a:t>
-            </a:r>
-            <a:endParaRPr lang="en-US" dirty="0" smtClean="0"/>
-          </a:p>
-          <a:p>
-            <a:pPr marL="742950" lvl="1" indent="-285750">
-              <a:buFont typeface="Wingdings" charset="2"/>
-              <a:buChar char="§"/>
-            </a:pPr>
-            <a:r>
-              <a:rPr lang="en-US" dirty="0" smtClean="0"/>
-              <a:t>Although RF showed inferior baseline performance as compared to logistic regression, RF </a:t>
-            </a:r>
-            <a:r>
-              <a:rPr lang="en-US" dirty="0"/>
-              <a:t>is generally a more robust </a:t>
-            </a:r>
-            <a:r>
-              <a:rPr lang="en-US" dirty="0" smtClean="0"/>
-              <a:t>model*. So </a:t>
-            </a:r>
-            <a:r>
-              <a:rPr lang="en-US" dirty="0"/>
-              <a:t>there is a better potential to improve its performance </a:t>
-            </a:r>
-            <a:r>
-              <a:rPr lang="en-US" dirty="0" smtClean="0"/>
-              <a:t>further</a:t>
-            </a:r>
-          </a:p>
-          <a:p>
-            <a:pPr marL="742950" lvl="1" indent="-285750">
-              <a:buFont typeface="Wingdings" charset="2"/>
-              <a:buChar char="§"/>
-            </a:pPr>
-            <a:r>
-              <a:rPr lang="en-US" dirty="0" smtClean="0"/>
-              <a:t>We </a:t>
-            </a:r>
-            <a:r>
-              <a:rPr lang="en-US" dirty="0"/>
-              <a:t>chose AUCROC as a metric for performance due to its </a:t>
-            </a:r>
-            <a:r>
-              <a:rPr lang="en-US" dirty="0" smtClean="0"/>
-              <a:t>robustness**</a:t>
-            </a:r>
-            <a:endParaRPr lang="en-US" dirty="0" smtClean="0"/>
-          </a:p>
-          <a:p>
-            <a:pPr marL="742950" lvl="1" indent="-285750">
-              <a:buFont typeface="Wingdings" charset="2"/>
-              <a:buChar char="§"/>
-            </a:pPr>
-            <a:r>
-              <a:rPr lang="en-US" dirty="0" smtClean="0"/>
-              <a:t>Then we optimized the model depended on the prediction score we get (AUCROC score)</a:t>
-            </a:r>
-          </a:p>
-          <a:p>
-            <a:pPr marL="742950" lvl="1" indent="-285750">
-              <a:buFont typeface="Wingdings" charset="2"/>
-              <a:buChar char="§"/>
-            </a:pPr>
-            <a:r>
-              <a:rPr lang="en-US" dirty="0" smtClean="0"/>
-              <a:t>Finally we’ll set </a:t>
-            </a:r>
-            <a:r>
-              <a:rPr lang="en-US" dirty="0"/>
-              <a:t>our recommendations </a:t>
-            </a:r>
-            <a:r>
-              <a:rPr lang="en-US" dirty="0" smtClean="0"/>
-              <a:t>based </a:t>
-            </a:r>
-            <a:r>
-              <a:rPr lang="en-US" dirty="0"/>
-              <a:t>on </a:t>
-            </a:r>
-            <a:r>
-              <a:rPr lang="en-US" dirty="0" smtClean="0"/>
-              <a:t>several sensitive </a:t>
-            </a:r>
-            <a:r>
-              <a:rPr lang="en-US" dirty="0" err="1" smtClean="0"/>
-              <a:t>boundry</a:t>
-            </a:r>
-            <a:r>
-              <a:rPr lang="en-US" dirty="0" smtClean="0"/>
-              <a:t> </a:t>
-            </a:r>
-            <a:r>
-              <a:rPr lang="en-US" dirty="0" smtClean="0"/>
-              <a:t>we are able to </a:t>
-            </a:r>
-            <a:r>
-              <a:rPr lang="en-US" dirty="0" smtClean="0"/>
-              <a:t>provide</a:t>
-            </a:r>
-            <a:endParaRPr lang="en-US" dirty="0"/>
-          </a:p>
-        </p:txBody>
-      </p:sp>
-      <p:sp>
-        <p:nvSpPr>
-          <p:cNvPr id="2" name="Rectangle 1"/>
-          <p:cNvSpPr/>
-          <p:nvPr/>
-        </p:nvSpPr>
-        <p:spPr>
-          <a:xfrm>
-            <a:off x="7528353" y="5379123"/>
-            <a:ext cx="3584147" cy="954107"/>
-          </a:xfrm>
-          <a:prstGeom prst="rect">
-            <a:avLst/>
-          </a:prstGeom>
-        </p:spPr>
-        <p:style>
-          <a:lnRef idx="2">
-            <a:schemeClr val="dk1"/>
-          </a:lnRef>
-          <a:fillRef idx="1">
-            <a:schemeClr val="lt1"/>
-          </a:fillRef>
-          <a:effectRef idx="0">
-            <a:schemeClr val="dk1"/>
-          </a:effectRef>
-          <a:fontRef idx="minor">
-            <a:schemeClr val="dk1"/>
-          </a:fontRef>
-        </p:style>
-        <p:txBody>
-          <a:bodyPr wrap="square">
-            <a:spAutoFit/>
-          </a:bodyPr>
-          <a:lstStyle/>
-          <a:p>
-            <a:r>
-              <a:rPr lang="en-US" sz="1400" dirty="0" smtClean="0"/>
-              <a:t>* Has </a:t>
-            </a:r>
-            <a:r>
-              <a:rPr lang="en-US" sz="1400" dirty="0"/>
-              <a:t>more </a:t>
-            </a:r>
-            <a:r>
-              <a:rPr lang="en-US" sz="1400" dirty="0" smtClean="0"/>
-              <a:t>hyper parameters to tune. And can better cope with categorical features</a:t>
-            </a:r>
-          </a:p>
-          <a:p>
-            <a:r>
-              <a:rPr lang="en-US" sz="1400" dirty="0" smtClean="0"/>
-              <a:t>** allows us to tune for the best model across all sensitivities and precisions </a:t>
-            </a:r>
-            <a:endParaRPr lang="en-US" sz="1400" dirty="0"/>
-          </a:p>
-        </p:txBody>
-      </p:sp>
-      <p:sp>
-        <p:nvSpPr>
-          <p:cNvPr id="9" name="TextBox 8"/>
-          <p:cNvSpPr txBox="1"/>
-          <p:nvPr/>
-        </p:nvSpPr>
-        <p:spPr>
-          <a:xfrm>
-            <a:off x="1463040" y="5644896"/>
-            <a:ext cx="3832588" cy="369332"/>
-          </a:xfrm>
-          <a:prstGeom prst="rect">
-            <a:avLst/>
-          </a:prstGeom>
-          <a:solidFill>
-            <a:srgbClr val="FFFF00"/>
-          </a:solidFill>
-        </p:spPr>
-        <p:txBody>
-          <a:bodyPr wrap="none" rtlCol="0">
-            <a:spAutoFit/>
-          </a:bodyPr>
-          <a:lstStyle/>
-          <a:p>
-            <a:r>
-              <a:rPr lang="en-US" dirty="0" smtClean="0"/>
-              <a:t>Missing feature selection methodology</a:t>
+              <a:t>the occasional investment miss-opportunity when mistakenly avoiding a loan because of false alarm </a:t>
             </a:r>
             <a:endParaRPr lang="en-US" dirty="0"/>
           </a:p>
@@ -9235,6 +9061,436 @@
       </p:grpSpPr>
       <p:sp>
         <p:nvSpPr>
+          <p:cNvPr id="5" name="TextBox 4"/>
+          <p:cNvSpPr txBox="1"/>
+          <p:nvPr/>
+        </p:nvSpPr>
+        <p:spPr>
+          <a:xfrm>
+            <a:off x="873553" y="445800"/>
+            <a:ext cx="10518347" cy="584775"/>
+          </a:xfrm>
+          <a:prstGeom prst="rect">
+            <a:avLst/>
+          </a:prstGeom>
+          <a:noFill/>
+        </p:spPr>
+        <p:txBody>
+          <a:bodyPr wrap="square" rtlCol="0">
+            <a:spAutoFit/>
+          </a:bodyPr>
+          <a:lstStyle/>
+          <a:p>
+            <a:r>
+              <a:rPr lang="en-US" sz="3200" dirty="0" smtClean="0"/>
+              <a:t>Building a </a:t>
+            </a:r>
+            <a:r>
+              <a:rPr lang="en-US" sz="3200" dirty="0"/>
+              <a:t>P</a:t>
+            </a:r>
+            <a:r>
+              <a:rPr lang="en-US" sz="3200" dirty="0" smtClean="0"/>
+              <a:t>redictive Model</a:t>
+            </a:r>
+            <a:endParaRPr lang="en-US" sz="3200" dirty="0"/>
+          </a:p>
+        </p:txBody>
+      </p:sp>
+      <p:sp>
+        <p:nvSpPr>
+          <p:cNvPr id="8" name="TextBox 7"/>
+          <p:cNvSpPr txBox="1"/>
+          <p:nvPr/>
+        </p:nvSpPr>
+        <p:spPr>
+          <a:xfrm>
+            <a:off x="1039298" y="1132468"/>
+            <a:ext cx="9984302" cy="1477328"/>
+          </a:xfrm>
+          <a:prstGeom prst="rect">
+            <a:avLst/>
+          </a:prstGeom>
+        </p:spPr>
+        <p:style>
+          <a:lnRef idx="2">
+            <a:schemeClr val="dk1"/>
+          </a:lnRef>
+          <a:fillRef idx="1">
+            <a:schemeClr val="lt1"/>
+          </a:fillRef>
+          <a:effectRef idx="0">
+            <a:schemeClr val="dk1"/>
+          </a:effectRef>
+          <a:fontRef idx="minor">
+            <a:schemeClr val="dk1"/>
+          </a:fontRef>
+        </p:style>
+        <p:txBody>
+          <a:bodyPr wrap="square" rtlCol="0">
+            <a:spAutoFit/>
+          </a:bodyPr>
+          <a:lstStyle/>
+          <a:p>
+            <a:pPr marL="285750" indent="-285750">
+              <a:buFont typeface="Arial" charset="0"/>
+              <a:buChar char="•"/>
+            </a:pPr>
+            <a:r>
+              <a:rPr lang="en-US" b="1" dirty="0"/>
+              <a:t>Assumption</a:t>
+            </a:r>
+            <a:r>
+              <a:rPr lang="en-US" dirty="0"/>
+              <a:t> </a:t>
+            </a:r>
+            <a:r>
+              <a:rPr lang="mr-IN" dirty="0"/>
+              <a:t>–</a:t>
+            </a:r>
+            <a:r>
+              <a:rPr lang="en-US" dirty="0"/>
+              <a:t> </a:t>
+            </a:r>
+          </a:p>
+          <a:p>
+            <a:pPr marL="742950" lvl="1" indent="-285750">
+              <a:buFont typeface="Wingdings" charset="2"/>
+              <a:buChar char="§"/>
+            </a:pPr>
+            <a:r>
+              <a:rPr lang="en-US" dirty="0" smtClean="0"/>
+              <a:t>Lending Club investors would </a:t>
+            </a:r>
+            <a:r>
+              <a:rPr lang="en-US" dirty="0"/>
+              <a:t>like to </a:t>
+            </a:r>
+            <a:r>
+              <a:rPr lang="en-US" dirty="0" smtClean="0"/>
+              <a:t>detect </a:t>
+            </a:r>
+            <a:r>
+              <a:rPr lang="en-US" dirty="0"/>
+              <a:t>the highest number of </a:t>
+            </a:r>
+            <a:r>
+              <a:rPr lang="en-US" dirty="0" smtClean="0"/>
+              <a:t>risky loans possible</a:t>
+            </a:r>
+            <a:r>
+              <a:rPr lang="en-US" dirty="0"/>
+              <a:t>, rather than avoid a false alarm </a:t>
+            </a:r>
+            <a:r>
+              <a:rPr lang="en-US" dirty="0" smtClean="0"/>
+              <a:t>(falsely identifying a default loan where in reality it is not)</a:t>
+            </a:r>
+            <a:endParaRPr lang="en-US" dirty="0"/>
+          </a:p>
+          <a:p>
+            <a:pPr marL="742950" lvl="1" indent="-285750">
+              <a:buFont typeface="Wingdings" charset="2"/>
+              <a:buChar char="§"/>
+            </a:pPr>
+            <a:r>
+              <a:rPr lang="en-US" dirty="0"/>
+              <a:t>This is because of </a:t>
+            </a:r>
+            <a:r>
+              <a:rPr lang="en-US" dirty="0" smtClean="0"/>
+              <a:t>the financial toll related </a:t>
+            </a:r>
+            <a:r>
+              <a:rPr lang="en-US" dirty="0"/>
+              <a:t>to </a:t>
+            </a:r>
+            <a:r>
+              <a:rPr lang="en-US" dirty="0" smtClean="0"/>
+              <a:t>loans not payed back, as </a:t>
+            </a:r>
+            <a:r>
+              <a:rPr lang="en-US" dirty="0"/>
+              <a:t>compared to </a:t>
+            </a:r>
+            <a:r>
+              <a:rPr lang="en-US" dirty="0" smtClean="0"/>
+              <a:t>the occasional investment miss-opportunity when mistakenly avoiding a loan because of false alarm </a:t>
+            </a:r>
+            <a:endParaRPr lang="en-US" dirty="0"/>
+          </a:p>
+        </p:txBody>
+      </p:sp>
+      <p:sp>
+        <p:nvSpPr>
+          <p:cNvPr id="4" name="TextBox 3"/>
+          <p:cNvSpPr txBox="1"/>
+          <p:nvPr/>
+        </p:nvSpPr>
+        <p:spPr>
+          <a:xfrm>
+            <a:off x="1039298" y="2889342"/>
+            <a:ext cx="10073202" cy="2308324"/>
+          </a:xfrm>
+          <a:prstGeom prst="rect">
+            <a:avLst/>
+          </a:prstGeom>
+        </p:spPr>
+        <p:style>
+          <a:lnRef idx="2">
+            <a:schemeClr val="dk1"/>
+          </a:lnRef>
+          <a:fillRef idx="1">
+            <a:schemeClr val="lt1"/>
+          </a:fillRef>
+          <a:effectRef idx="0">
+            <a:schemeClr val="dk1"/>
+          </a:effectRef>
+          <a:fontRef idx="minor">
+            <a:schemeClr val="dk1"/>
+          </a:fontRef>
+        </p:style>
+        <p:txBody>
+          <a:bodyPr wrap="square" rtlCol="0">
+            <a:spAutoFit/>
+          </a:bodyPr>
+          <a:lstStyle/>
+          <a:p>
+            <a:pPr marL="285750" indent="-285750">
+              <a:buFont typeface="Arial" charset="0"/>
+              <a:buChar char="•"/>
+            </a:pPr>
+            <a:r>
+              <a:rPr lang="en-US" b="1" dirty="0" smtClean="0"/>
+              <a:t>Method</a:t>
+            </a:r>
+            <a:r>
+              <a:rPr lang="en-US" dirty="0" smtClean="0"/>
+              <a:t> </a:t>
+            </a:r>
+            <a:r>
+              <a:rPr lang="mr-IN" dirty="0"/>
+              <a:t>–</a:t>
+            </a:r>
+            <a:r>
+              <a:rPr lang="en-US" dirty="0"/>
+              <a:t> </a:t>
+            </a:r>
+            <a:endParaRPr lang="en-US" dirty="0" smtClean="0"/>
+          </a:p>
+          <a:p>
+            <a:pPr marL="742950" lvl="1" indent="-285750">
+              <a:buFont typeface="Wingdings" charset="2"/>
+              <a:buChar char="§"/>
+            </a:pPr>
+            <a:r>
+              <a:rPr lang="en-US" dirty="0" smtClean="0"/>
+              <a:t>We </a:t>
+            </a:r>
+            <a:r>
+              <a:rPr lang="en-US" dirty="0"/>
+              <a:t>ran several classification models (i.e. Logistic Regression, Random Forest (RF)) on the dataset to get initial idea about the predictive power of the </a:t>
+            </a:r>
+            <a:r>
+              <a:rPr lang="en-US" dirty="0" smtClean="0"/>
+              <a:t>models</a:t>
+            </a:r>
+          </a:p>
+          <a:p>
+            <a:pPr marL="742950" lvl="1" indent="-285750">
+              <a:buFont typeface="Wingdings" charset="2"/>
+              <a:buChar char="§"/>
+            </a:pPr>
+            <a:r>
+              <a:rPr lang="en-US" dirty="0" smtClean="0"/>
+              <a:t>Although RF showed inferior baseline performance as compared to logistic regression, RF </a:t>
+            </a:r>
+            <a:r>
+              <a:rPr lang="en-US" dirty="0"/>
+              <a:t>is generally a more robust </a:t>
+            </a:r>
+            <a:r>
+              <a:rPr lang="en-US" dirty="0" smtClean="0"/>
+              <a:t>model*</a:t>
+            </a:r>
+          </a:p>
+          <a:p>
+            <a:pPr marL="742950" lvl="1" indent="-285750">
+              <a:buFont typeface="Wingdings" charset="2"/>
+              <a:buChar char="§"/>
+            </a:pPr>
+            <a:r>
+              <a:rPr lang="en-US" dirty="0" smtClean="0"/>
+              <a:t>We </a:t>
+            </a:r>
+            <a:r>
+              <a:rPr lang="en-US" dirty="0"/>
+              <a:t>chose AUCROC as a metric for performance due to its </a:t>
+            </a:r>
+            <a:r>
+              <a:rPr lang="en-US" dirty="0" smtClean="0"/>
+              <a:t>robustness**</a:t>
+            </a:r>
+          </a:p>
+          <a:p>
+            <a:pPr marL="742950" lvl="1" indent="-285750">
+              <a:buFont typeface="Wingdings" charset="2"/>
+              <a:buChar char="§"/>
+            </a:pPr>
+            <a:r>
+              <a:rPr lang="en-US" dirty="0" smtClean="0"/>
+              <a:t>Then we optimized the model depended on our metric (AUCROC score)</a:t>
+            </a:r>
+          </a:p>
+          <a:p>
+            <a:pPr marL="742950" lvl="1" indent="-285750">
+              <a:buFont typeface="Wingdings" charset="2"/>
+              <a:buChar char="§"/>
+            </a:pPr>
+            <a:r>
+              <a:rPr lang="en-US" dirty="0" smtClean="0"/>
+              <a:t>Finally we’ll set </a:t>
+            </a:r>
+            <a:r>
+              <a:rPr lang="en-US" dirty="0"/>
+              <a:t>our recommendations </a:t>
+            </a:r>
+            <a:r>
+              <a:rPr lang="en-US" dirty="0" smtClean="0"/>
+              <a:t>based </a:t>
+            </a:r>
+            <a:r>
+              <a:rPr lang="en-US" dirty="0"/>
+              <a:t>on </a:t>
+            </a:r>
+            <a:r>
+              <a:rPr lang="en-US" dirty="0" smtClean="0"/>
+              <a:t>several sensitivity boundaries</a:t>
+            </a:r>
+            <a:endParaRPr lang="en-US" dirty="0"/>
+          </a:p>
+        </p:txBody>
+      </p:sp>
+      <p:sp>
+        <p:nvSpPr>
+          <p:cNvPr id="2" name="Rectangle 1"/>
+          <p:cNvSpPr/>
+          <p:nvPr/>
+        </p:nvSpPr>
+        <p:spPr>
+          <a:xfrm>
+            <a:off x="7168897" y="5379123"/>
+            <a:ext cx="3943604" cy="1169551"/>
+          </a:xfrm>
+          <a:prstGeom prst="rect">
+            <a:avLst/>
+          </a:prstGeom>
+        </p:spPr>
+        <p:style>
+          <a:lnRef idx="2">
+            <a:schemeClr val="dk1"/>
+          </a:lnRef>
+          <a:fillRef idx="1">
+            <a:schemeClr val="lt1"/>
+          </a:fillRef>
+          <a:effectRef idx="0">
+            <a:schemeClr val="dk1"/>
+          </a:effectRef>
+          <a:fontRef idx="minor">
+            <a:schemeClr val="dk1"/>
+          </a:fontRef>
+        </p:style>
+        <p:txBody>
+          <a:bodyPr wrap="square">
+            <a:spAutoFit/>
+          </a:bodyPr>
+          <a:lstStyle/>
+          <a:p>
+            <a:r>
+              <a:rPr lang="en-US" sz="1400" dirty="0" smtClean="0"/>
+              <a:t>* Has </a:t>
+            </a:r>
+            <a:r>
+              <a:rPr lang="en-US" sz="1400" dirty="0"/>
+              <a:t>more </a:t>
+            </a:r>
+            <a:r>
+              <a:rPr lang="en-US" sz="1400" dirty="0" smtClean="0"/>
+              <a:t>hyper parameters to </a:t>
+            </a:r>
+            <a:r>
+              <a:rPr lang="en-US" sz="1400" dirty="0"/>
+              <a:t>tune </a:t>
+            </a:r>
+            <a:r>
+              <a:rPr lang="en-US" sz="1400" dirty="0" smtClean="0"/>
+              <a:t>so </a:t>
+            </a:r>
+            <a:r>
+              <a:rPr lang="en-US" sz="1400" dirty="0"/>
+              <a:t>there is a better potential to improve </a:t>
+            </a:r>
+            <a:r>
+              <a:rPr lang="en-US" sz="1400" dirty="0" smtClean="0"/>
+              <a:t>its performance further. </a:t>
+            </a:r>
+            <a:r>
+              <a:rPr lang="en-US" sz="1400" dirty="0"/>
+              <a:t>And </a:t>
+            </a:r>
+            <a:r>
+              <a:rPr lang="en-US" sz="1400" dirty="0" smtClean="0"/>
+              <a:t>can better cope with categorical features</a:t>
+            </a:r>
+          </a:p>
+          <a:p>
+            <a:r>
+              <a:rPr lang="en-US" sz="1400" dirty="0" smtClean="0"/>
+              <a:t>** allows us to tune for the best model across all sensitivities and precisions </a:t>
+            </a:r>
+            <a:endParaRPr lang="en-US" sz="1400" dirty="0"/>
+          </a:p>
+        </p:txBody>
+      </p:sp>
+    </p:spTree>
+    <p:extLst>
+      <p:ext uri="{BB962C8B-B14F-4D97-AF65-F5344CB8AC3E}">
+        <p14:creationId xmlns:p14="http://schemas.microsoft.com/office/powerpoint/2010/main" val="614219975"/>
+      </p:ext>
+    </p:extLst>
+  </p:cSld>
+  <p:clrMapOvr>
+    <a:masterClrMapping/>
+  </p:clrMapOvr>
+  <p:timing>
+    <p:tnLst>
+      <p:par>
+        <p:cTn id="1" dur="indefinite" restart="never" nodeType="tmRoot"/>
+      </p:par>
+    </p:tnLst>
+  </p:timing>
+</p:sld>
+</file>
+
+<file path=ppt/slides/slide17.xml><?xml version="1.0" encoding="utf-8"?>
+<p:sld xmlns:a="http://schemas.openxmlformats.org/drawingml/2006/main" xmlns:r="http://schemas.openxmlformats.org/officeDocument/2006/relationships" xmlns:p="http://schemas.openxmlformats.org/presentationml/2006/main">
+  <p:cSld>
+    <p:spTree>
+      <p:nvGrpSpPr>
+        <p:cNvPr id="1" name=""/>
+        <p:cNvGrpSpPr/>
+        <p:nvPr/>
+      </p:nvGrpSpPr>
+      <p:grpSpPr>
+        <a:xfrm>
+          <a:off x="0" y="0"/>
+          <a:ext cx="0" cy="0"/>
+          <a:chOff x="0" y="0"/>
+          <a:chExt cx="0" cy="0"/>
+        </a:xfrm>
+      </p:grpSpPr>
+      <p:sp>
+        <p:nvSpPr>
           <p:cNvPr id="3" name="Content Placeholder 2"/>
           <p:cNvSpPr>
             <a:spLocks noGrp="1"/>
@@ -9306,12 +9562,12 @@
           <a:lstStyle/>
           <a:p>
             <a:r>
-              <a:rPr lang="en-US" sz="1600" u="sng" dirty="0" smtClean="0"/>
-              <a:t> </a:t>
-            </a:r>
-            <a:r>
               <a:rPr lang="en-US" sz="1600" dirty="0" smtClean="0"/>
-              <a:t>ROC curve in orange shows the range of different sensitivities we could choose from.  Since we are interested in high sensitivity, we can choose a a high FP rate (e.g. around 0.6 will give us ~80% sensitivity). </a:t>
+              <a:t>ROC </a:t>
+            </a:r>
+            <a:r>
+              <a:rPr lang="en-US" sz="1600" dirty="0" smtClean="0"/>
+              <a:t>curve in orange shows the range of different sensitivities we could choose from.  Since we are interested in high sensitivity, we can choose a a high FP rate (e.g. around 0.6 will give us ~80% sensitivity). </a:t>
             </a:r>
           </a:p>
         </p:txBody>
@@ -9558,49 +9814,9 @@
           <a:p>
             <a:r>
               <a:rPr lang="en-US" sz="3200" dirty="0" smtClean="0"/>
-              <a:t>Building a Statistical Model for optimal risk detection</a:t>
+              <a:t>Model Performance	</a:t>
             </a:r>
             <a:endParaRPr lang="en-US" sz="3200" dirty="0"/>
-          </a:p>
-        </p:txBody>
-      </p:sp>
-      <p:sp>
-        <p:nvSpPr>
-          <p:cNvPr id="16" name="TextBox 15"/>
-          <p:cNvSpPr txBox="1"/>
-          <p:nvPr/>
-        </p:nvSpPr>
-        <p:spPr>
-          <a:xfrm>
-            <a:off x="1841357" y="5831023"/>
-            <a:ext cx="3897605" cy="369332"/>
-          </a:xfrm>
-          <a:prstGeom prst="rect">
-            <a:avLst/>
-          </a:prstGeom>
-          <a:solidFill>
-            <a:srgbClr val="FFFF00"/>
-          </a:solidFill>
-        </p:spPr>
-        <p:txBody>
-          <a:bodyPr wrap="none" rtlCol="0">
-            <a:spAutoFit/>
-          </a:bodyPr>
-          <a:lstStyle/>
-          <a:p>
-            <a:r>
-              <a:rPr lang="en-US" dirty="0" smtClean="0"/>
-              <a:t>I’ve done </a:t>
-            </a:r>
-            <a:r>
-              <a:rPr lang="en-US" dirty="0" err="1" smtClean="0"/>
-              <a:t>gridearch</a:t>
-            </a:r>
-            <a:r>
-              <a:rPr lang="en-US" dirty="0" smtClean="0"/>
-              <a:t> and cross validation</a:t>
-            </a:r>
-            <a:endParaRPr lang="en-US" dirty="0"/>
           </a:p>
         </p:txBody>
       </p:sp>
@@ -9608,385 +9824,6 @@
     <p:extLst>
       <p:ext uri="{BB962C8B-B14F-4D97-AF65-F5344CB8AC3E}">
         <p14:creationId xmlns:p14="http://schemas.microsoft.com/office/powerpoint/2010/main" val="1453242661"/>
-      </p:ext>
-    </p:extLst>
-  </p:cSld>
-  <p:clrMapOvr>
-    <a:masterClrMapping/>
-  </p:clrMapOvr>
-  <p:timing>
-    <p:tnLst>
-      <p:par>
-        <p:cTn id="1" dur="indefinite" restart="never" nodeType="tmRoot"/>
-      </p:par>
-    </p:tnLst>
-  </p:timing>
-</p:sld>
-</file>
-
-<file path=ppt/slides/slide17.xml><?xml version="1.0" encoding="utf-8"?>
-<p:sld xmlns:a="http://schemas.openxmlformats.org/drawingml/2006/main" xmlns:r="http://schemas.openxmlformats.org/officeDocument/2006/relationships" xmlns:p="http://schemas.openxmlformats.org/presentationml/2006/main">
-  <p:cSld>
-    <p:spTree>
-      <p:nvGrpSpPr>
-        <p:cNvPr id="1" name=""/>
-        <p:cNvGrpSpPr/>
-        <p:nvPr/>
-      </p:nvGrpSpPr>
-      <p:grpSpPr>
-        <a:xfrm>
-          <a:off x="0" y="0"/>
-          <a:ext cx="0" cy="0"/>
-          <a:chOff x="0" y="0"/>
-          <a:chExt cx="0" cy="0"/>
-        </a:xfrm>
-      </p:grpSpPr>
-      <p:sp>
-        <p:nvSpPr>
-          <p:cNvPr id="12" name="Rectangle 11"/>
-          <p:cNvSpPr/>
-          <p:nvPr/>
-        </p:nvSpPr>
-        <p:spPr>
-          <a:xfrm>
-            <a:off x="249746" y="2372740"/>
-            <a:ext cx="5822733" cy="2333972"/>
-          </a:xfrm>
-          <a:prstGeom prst="rect">
-            <a:avLst/>
-          </a:prstGeom>
-          <a:ln>
-            <a:noFill/>
-          </a:ln>
-        </p:spPr>
-        <p:style>
-          <a:lnRef idx="2">
-            <a:schemeClr val="dk1"/>
-          </a:lnRef>
-          <a:fillRef idx="1">
-            <a:schemeClr val="lt1"/>
-          </a:fillRef>
-          <a:effectRef idx="0">
-            <a:schemeClr val="dk1"/>
-          </a:effectRef>
-          <a:fontRef idx="minor">
-            <a:schemeClr val="dk1"/>
-          </a:fontRef>
-        </p:style>
-        <p:txBody>
-          <a:bodyPr wrap="square">
-            <a:spAutoFit/>
-          </a:bodyPr>
-          <a:lstStyle/>
-          <a:p>
-            <a:pPr marL="285750" indent="-285750">
-              <a:spcBef>
-                <a:spcPts val="100"/>
-              </a:spcBef>
-              <a:spcAft>
-                <a:spcPts val="100"/>
-              </a:spcAft>
-              <a:buFont typeface="Arial" charset="0"/>
-              <a:buChar char="•"/>
-            </a:pPr>
-            <a:r>
-              <a:rPr lang="en-US" sz="1600" b="1" u="sng" dirty="0" smtClean="0">
-                <a:solidFill>
-                  <a:srgbClr val="000000"/>
-                </a:solidFill>
-                <a:latin typeface="Helvetica Neue" charset="0"/>
-              </a:rPr>
-              <a:t>Credit score related features </a:t>
-            </a:r>
-            <a:r>
-              <a:rPr lang="en-US" sz="1600" dirty="0" smtClean="0">
-                <a:solidFill>
-                  <a:srgbClr val="000000"/>
-                </a:solidFill>
-                <a:latin typeface="Helvetica Neue" charset="0"/>
-              </a:rPr>
-              <a:t>(grade, subgrade and </a:t>
-            </a:r>
-            <a:r>
-              <a:rPr lang="en-US" sz="1600" dirty="0" err="1" smtClean="0">
-                <a:solidFill>
-                  <a:srgbClr val="000000"/>
-                </a:solidFill>
-                <a:latin typeface="Helvetica Neue" charset="0"/>
-              </a:rPr>
-              <a:t>int_rate</a:t>
-            </a:r>
-            <a:r>
-              <a:rPr lang="en-US" sz="1600" dirty="0" smtClean="0">
-                <a:solidFill>
-                  <a:srgbClr val="000000"/>
-                </a:solidFill>
-                <a:latin typeface="Helvetica Neue" charset="0"/>
-              </a:rPr>
-              <a:t>) play an important role in the model, affirming that on average, credit score counts as expected (although it might put borrowers at risk in the first place due to higher monthly fees).</a:t>
-            </a:r>
-          </a:p>
-          <a:p>
-            <a:pPr marL="285750" indent="-285750">
-              <a:spcBef>
-                <a:spcPts val="100"/>
-              </a:spcBef>
-              <a:spcAft>
-                <a:spcPts val="100"/>
-              </a:spcAft>
-              <a:buFont typeface="Arial" charset="0"/>
-              <a:buChar char="•"/>
-            </a:pPr>
-            <a:r>
-              <a:rPr lang="en-US" sz="1600" dirty="0" smtClean="0">
-                <a:solidFill>
-                  <a:srgbClr val="000000"/>
-                </a:solidFill>
-                <a:latin typeface="Helvetica Neue" charset="0"/>
-              </a:rPr>
-              <a:t>Even a stronger predictor is </a:t>
-            </a:r>
-            <a:r>
-              <a:rPr lang="en-US" sz="1600" b="1" u="sng" dirty="0" smtClean="0">
-                <a:solidFill>
-                  <a:srgbClr val="000000"/>
-                </a:solidFill>
-                <a:latin typeface="Helvetica Neue" charset="0"/>
-              </a:rPr>
-              <a:t>homeownership status</a:t>
-            </a:r>
-            <a:r>
-              <a:rPr lang="en-US" sz="1600" dirty="0" smtClean="0">
-                <a:solidFill>
-                  <a:srgbClr val="000000"/>
-                </a:solidFill>
-                <a:latin typeface="Helvetica Neue" charset="0"/>
-              </a:rPr>
-              <a:t>, we suggest that the reason is that it defines more strictly the borrowers (renters and </a:t>
-            </a:r>
-            <a:r>
-              <a:rPr lang="en-US" sz="1600" dirty="0">
-                <a:solidFill>
-                  <a:srgbClr val="000000"/>
-                </a:solidFill>
-                <a:latin typeface="Helvetica Neue" charset="0"/>
-              </a:rPr>
-              <a:t>m</a:t>
-            </a:r>
-            <a:r>
-              <a:rPr lang="en-US" sz="1600" dirty="0" smtClean="0">
-                <a:solidFill>
-                  <a:srgbClr val="000000"/>
-                </a:solidFill>
-                <a:latin typeface="Helvetica Neue" charset="0"/>
-              </a:rPr>
-              <a:t>ortgage payers have high monthly payments)  </a:t>
-            </a:r>
-            <a:endParaRPr lang="en-US" sz="1600" b="1" u="sng" dirty="0" smtClean="0">
-              <a:solidFill>
-                <a:srgbClr val="000000"/>
-              </a:solidFill>
-              <a:latin typeface="Helvetica Neue" charset="0"/>
-            </a:endParaRPr>
-          </a:p>
-        </p:txBody>
-      </p:sp>
-      <p:pic>
-        <p:nvPicPr>
-          <p:cNvPr id="13" name="Picture 12"/>
-          <p:cNvPicPr>
-            <a:picLocks noChangeAspect="1"/>
-          </p:cNvPicPr>
-          <p:nvPr/>
-        </p:nvPicPr>
-        <p:blipFill>
-          <a:blip r:embed="rId2">
-            <a:extLst>
-              <a:ext uri="{28A0092B-C50C-407E-A947-70E740481C1C}">
-                <a14:useLocalDpi xmlns:a14="http://schemas.microsoft.com/office/drawing/2010/main" val="0"/>
-              </a:ext>
-            </a:extLst>
-          </a:blip>
-          <a:stretch>
-            <a:fillRect/>
-          </a:stretch>
-        </p:blipFill>
-        <p:spPr>
-          <a:xfrm>
-            <a:off x="6072479" y="2060680"/>
-            <a:ext cx="5901804" cy="2667000"/>
-          </a:xfrm>
-          <a:prstGeom prst="rect">
-            <a:avLst/>
-          </a:prstGeom>
-        </p:spPr>
-      </p:pic>
-      <p:sp>
-        <p:nvSpPr>
-          <p:cNvPr id="16" name="Title 1"/>
-          <p:cNvSpPr txBox="1">
-            <a:spLocks/>
-          </p:cNvSpPr>
-          <p:nvPr/>
-        </p:nvSpPr>
-        <p:spPr>
-          <a:xfrm>
-            <a:off x="558989" y="145735"/>
-            <a:ext cx="11080620" cy="1325563"/>
-          </a:xfrm>
-          <a:prstGeom prst="rect">
-            <a:avLst/>
-          </a:prstGeom>
-        </p:spPr>
-        <p:txBody>
-          <a:bodyPr vert="horz" lIns="91440" tIns="45720" rIns="91440" bIns="45720" rtlCol="0" anchor="ctr">
-            <a:normAutofit/>
-          </a:bodyPr>
-          <a:lstStyle>
-            <a:lvl1pPr algn="l" defTabSz="914400" rtl="0" eaLnBrk="1" latinLnBrk="0" hangingPunct="1">
-              <a:lnSpc>
-                <a:spcPct val="90000"/>
-              </a:lnSpc>
-              <a:spcBef>
-                <a:spcPct val="0"/>
-              </a:spcBef>
-              <a:buNone/>
-              <a:defRPr sz="4400" kern="1200">
-                <a:solidFill>
-                  <a:schemeClr val="tx1"/>
-                </a:solidFill>
-                <a:latin typeface="+mj-lt"/>
-                <a:ea typeface="+mj-ea"/>
-                <a:cs typeface="+mj-cs"/>
-              </a:defRPr>
-            </a:lvl1pPr>
-          </a:lstStyle>
-          <a:p>
-            <a:r>
-              <a:rPr lang="en-US" sz="3200" dirty="0">
-                <a:latin typeface="+mn-lt"/>
-                <a:ea typeface="+mn-ea"/>
-                <a:cs typeface="+mn-cs"/>
-              </a:rPr>
-              <a:t>Summary of the </a:t>
-            </a:r>
-            <a:r>
-              <a:rPr lang="en-US" sz="3200" dirty="0" smtClean="0">
-                <a:latin typeface="+mn-lt"/>
-                <a:ea typeface="+mn-ea"/>
-                <a:cs typeface="+mn-cs"/>
-              </a:rPr>
-              <a:t>Proposed </a:t>
-            </a:r>
-            <a:r>
-              <a:rPr lang="en-US" sz="3200" dirty="0">
-                <a:latin typeface="+mn-lt"/>
-                <a:ea typeface="+mn-ea"/>
-                <a:cs typeface="+mn-cs"/>
-              </a:rPr>
-              <a:t>M</a:t>
-            </a:r>
-            <a:r>
-              <a:rPr lang="en-US" sz="3200" dirty="0" smtClean="0">
-                <a:latin typeface="+mn-lt"/>
-                <a:ea typeface="+mn-ea"/>
-                <a:cs typeface="+mn-cs"/>
-              </a:rPr>
-              <a:t>odel </a:t>
-            </a:r>
-            <a:r>
-              <a:rPr lang="en-US" sz="3200" dirty="0">
-                <a:latin typeface="+mn-lt"/>
-                <a:ea typeface="+mn-ea"/>
-                <a:cs typeface="+mn-cs"/>
-              </a:rPr>
-              <a:t>and </a:t>
-            </a:r>
-            <a:r>
-              <a:rPr lang="en-US" sz="3200" dirty="0" smtClean="0">
-                <a:latin typeface="+mn-lt"/>
-                <a:ea typeface="+mn-ea"/>
-                <a:cs typeface="+mn-cs"/>
-              </a:rPr>
-              <a:t>Final </a:t>
-            </a:r>
-            <a:r>
-              <a:rPr lang="en-US" sz="3200" dirty="0">
-                <a:latin typeface="+mn-lt"/>
-                <a:ea typeface="+mn-ea"/>
-                <a:cs typeface="+mn-cs"/>
-              </a:rPr>
-              <a:t>R</a:t>
-            </a:r>
-            <a:r>
-              <a:rPr lang="en-US" sz="3200" dirty="0" smtClean="0">
-                <a:latin typeface="+mn-lt"/>
-                <a:ea typeface="+mn-ea"/>
-                <a:cs typeface="+mn-cs"/>
-              </a:rPr>
-              <a:t>ecommendations</a:t>
-            </a:r>
-            <a:endParaRPr lang="en-US" sz="3200" dirty="0">
-              <a:latin typeface="+mn-lt"/>
-              <a:ea typeface="+mn-ea"/>
-              <a:cs typeface="+mn-cs"/>
-            </a:endParaRPr>
-          </a:p>
-        </p:txBody>
-      </p:sp>
-      <p:sp>
-        <p:nvSpPr>
-          <p:cNvPr id="17" name="Rectangle 16"/>
-          <p:cNvSpPr/>
-          <p:nvPr/>
-        </p:nvSpPr>
-        <p:spPr>
-          <a:xfrm>
-            <a:off x="-383988" y="1216957"/>
-            <a:ext cx="8565776" cy="461665"/>
-          </a:xfrm>
-          <a:prstGeom prst="rect">
-            <a:avLst/>
-          </a:prstGeom>
-        </p:spPr>
-        <p:txBody>
-          <a:bodyPr wrap="square">
-            <a:spAutoFit/>
-          </a:bodyPr>
-          <a:lstStyle/>
-          <a:p>
-            <a:pPr lvl="2">
-              <a:buFont typeface="Wingdings" charset="2"/>
-              <a:buChar char="§"/>
-            </a:pPr>
-            <a:r>
-              <a:rPr lang="en-US" sz="2400" b="1" dirty="0" smtClean="0"/>
-              <a:t> What the </a:t>
-            </a:r>
-            <a:r>
-              <a:rPr lang="en-US" sz="2400" b="1" dirty="0"/>
-              <a:t>model is revealing to us </a:t>
-            </a:r>
-            <a:r>
-              <a:rPr lang="en-US" sz="2400" b="1"/>
-              <a:t>about </a:t>
-            </a:r>
-            <a:r>
-              <a:rPr lang="en-US" sz="2400" b="1" smtClean="0"/>
-              <a:t>Default </a:t>
-            </a:r>
-            <a:r>
-              <a:rPr lang="en-US" sz="2400" b="1" dirty="0" smtClean="0"/>
-              <a:t>factors? </a:t>
-            </a:r>
-            <a:endParaRPr lang="en-US" sz="2400" b="1" dirty="0"/>
-          </a:p>
-        </p:txBody>
-      </p:sp>
-    </p:spTree>
-    <p:extLst>
-      <p:ext uri="{BB962C8B-B14F-4D97-AF65-F5344CB8AC3E}">
-        <p14:creationId xmlns:p14="http://schemas.microsoft.com/office/powerpoint/2010/main" val="1708756616"/>
       </p:ext>
     </p:extLst>
   </p:cSld>
@@ -10020,1058 +9857,6 @@
           <a:chExt cx="0" cy="0"/>
         </a:xfrm>
       </p:grpSpPr>
-      <p:sp>
-        <p:nvSpPr>
-          <p:cNvPr id="7" name="Title 1"/>
-          <p:cNvSpPr txBox="1">
-            <a:spLocks/>
-          </p:cNvSpPr>
-          <p:nvPr/>
-        </p:nvSpPr>
-        <p:spPr>
-          <a:xfrm>
-            <a:off x="558989" y="145735"/>
-            <a:ext cx="11080620" cy="1325563"/>
-          </a:xfrm>
-          <a:prstGeom prst="rect">
-            <a:avLst/>
-          </a:prstGeom>
-        </p:spPr>
-        <p:txBody>
-          <a:bodyPr vert="horz" lIns="91440" tIns="45720" rIns="91440" bIns="45720" rtlCol="0" anchor="ctr">
-            <a:normAutofit/>
-          </a:bodyPr>
-          <a:lstStyle>
-            <a:lvl1pPr algn="l" defTabSz="914400" rtl="0" eaLnBrk="1" latinLnBrk="0" hangingPunct="1">
-              <a:lnSpc>
-                <a:spcPct val="90000"/>
-              </a:lnSpc>
-              <a:spcBef>
-                <a:spcPct val="0"/>
-              </a:spcBef>
-              <a:buNone/>
-              <a:defRPr sz="4400" kern="1200">
-                <a:solidFill>
-                  <a:schemeClr val="tx1"/>
-                </a:solidFill>
-                <a:latin typeface="+mj-lt"/>
-                <a:ea typeface="+mj-ea"/>
-                <a:cs typeface="+mj-cs"/>
-              </a:defRPr>
-            </a:lvl1pPr>
-          </a:lstStyle>
-          <a:p>
-            <a:r>
-              <a:rPr lang="en-US" sz="3200" dirty="0">
-                <a:latin typeface="+mn-lt"/>
-                <a:ea typeface="+mn-ea"/>
-                <a:cs typeface="+mn-cs"/>
-              </a:rPr>
-              <a:t>Summary of the </a:t>
-            </a:r>
-            <a:r>
-              <a:rPr lang="en-US" sz="3200" dirty="0" smtClean="0">
-                <a:latin typeface="+mn-lt"/>
-                <a:ea typeface="+mn-ea"/>
-                <a:cs typeface="+mn-cs"/>
-              </a:rPr>
-              <a:t>Proposed </a:t>
-            </a:r>
-            <a:r>
-              <a:rPr lang="en-US" sz="3200" dirty="0">
-                <a:latin typeface="+mn-lt"/>
-                <a:ea typeface="+mn-ea"/>
-                <a:cs typeface="+mn-cs"/>
-              </a:rPr>
-              <a:t>M</a:t>
-            </a:r>
-            <a:r>
-              <a:rPr lang="en-US" sz="3200" dirty="0" smtClean="0">
-                <a:latin typeface="+mn-lt"/>
-                <a:ea typeface="+mn-ea"/>
-                <a:cs typeface="+mn-cs"/>
-              </a:rPr>
-              <a:t>odel </a:t>
-            </a:r>
-            <a:r>
-              <a:rPr lang="en-US" sz="3200" dirty="0">
-                <a:latin typeface="+mn-lt"/>
-                <a:ea typeface="+mn-ea"/>
-                <a:cs typeface="+mn-cs"/>
-              </a:rPr>
-              <a:t>and </a:t>
-            </a:r>
-            <a:r>
-              <a:rPr lang="en-US" sz="3200" dirty="0" smtClean="0">
-                <a:latin typeface="+mn-lt"/>
-                <a:ea typeface="+mn-ea"/>
-                <a:cs typeface="+mn-cs"/>
-              </a:rPr>
-              <a:t>Final </a:t>
-            </a:r>
-            <a:r>
-              <a:rPr lang="en-US" sz="3200" dirty="0">
-                <a:latin typeface="+mn-lt"/>
-                <a:ea typeface="+mn-ea"/>
-                <a:cs typeface="+mn-cs"/>
-              </a:rPr>
-              <a:t>R</a:t>
-            </a:r>
-            <a:r>
-              <a:rPr lang="en-US" sz="3200" dirty="0" smtClean="0">
-                <a:latin typeface="+mn-lt"/>
-                <a:ea typeface="+mn-ea"/>
-                <a:cs typeface="+mn-cs"/>
-              </a:rPr>
-              <a:t>ecommendations</a:t>
-            </a:r>
-            <a:endParaRPr lang="en-US" sz="3200" dirty="0">
-              <a:latin typeface="+mn-lt"/>
-              <a:ea typeface="+mn-ea"/>
-              <a:cs typeface="+mn-cs"/>
-            </a:endParaRPr>
-          </a:p>
-        </p:txBody>
-      </p:sp>
-      <p:pic>
-        <p:nvPicPr>
-          <p:cNvPr id="2" name="Picture 1"/>
-          <p:cNvPicPr>
-            <a:picLocks noChangeAspect="1"/>
-          </p:cNvPicPr>
-          <p:nvPr/>
-        </p:nvPicPr>
-        <p:blipFill>
-          <a:blip r:embed="rId2">
-            <a:extLst>
-              <a:ext uri="{28A0092B-C50C-407E-A947-70E740481C1C}">
-                <a14:useLocalDpi xmlns:a14="http://schemas.microsoft.com/office/drawing/2010/main" val="0"/>
-              </a:ext>
-            </a:extLst>
-          </a:blip>
-          <a:stretch>
-            <a:fillRect/>
-          </a:stretch>
-        </p:blipFill>
-        <p:spPr>
-          <a:xfrm>
-            <a:off x="5829300" y="1777990"/>
-            <a:ext cx="6261100" cy="3352800"/>
-          </a:xfrm>
-          <a:prstGeom prst="rect">
-            <a:avLst/>
-          </a:prstGeom>
-        </p:spPr>
-      </p:pic>
-      <p:sp>
-        <p:nvSpPr>
-          <p:cNvPr id="9" name="Rectangle 8"/>
-          <p:cNvSpPr/>
-          <p:nvPr/>
-        </p:nvSpPr>
-        <p:spPr>
-          <a:xfrm>
-            <a:off x="300546" y="2122291"/>
-            <a:ext cx="5528754" cy="3421449"/>
-          </a:xfrm>
-          <a:prstGeom prst="rect">
-            <a:avLst/>
-          </a:prstGeom>
-          <a:ln>
-            <a:noFill/>
-          </a:ln>
-        </p:spPr>
-        <p:style>
-          <a:lnRef idx="2">
-            <a:schemeClr val="dk1"/>
-          </a:lnRef>
-          <a:fillRef idx="1">
-            <a:schemeClr val="lt1"/>
-          </a:fillRef>
-          <a:effectRef idx="0">
-            <a:schemeClr val="dk1"/>
-          </a:effectRef>
-          <a:fontRef idx="minor">
-            <a:schemeClr val="dk1"/>
-          </a:fontRef>
-        </p:style>
-        <p:txBody>
-          <a:bodyPr wrap="square">
-            <a:spAutoFit/>
-          </a:bodyPr>
-          <a:lstStyle/>
-          <a:p>
-            <a:pPr marL="285750" indent="-285750">
-              <a:spcBef>
-                <a:spcPts val="100"/>
-              </a:spcBef>
-              <a:spcAft>
-                <a:spcPts val="100"/>
-              </a:spcAft>
-              <a:buFont typeface="Arial" charset="0"/>
-              <a:buChar char="•"/>
-            </a:pPr>
-            <a:r>
-              <a:rPr lang="en-US" sz="1600" dirty="0" smtClean="0">
-                <a:solidFill>
-                  <a:srgbClr val="000000"/>
-                </a:solidFill>
-                <a:latin typeface="Helvetica Neue" charset="0"/>
-              </a:rPr>
-              <a:t>Whether </a:t>
-            </a:r>
-            <a:r>
-              <a:rPr lang="en-US" sz="1600" b="1" dirty="0" smtClean="0">
-                <a:solidFill>
-                  <a:srgbClr val="000000"/>
-                </a:solidFill>
-                <a:latin typeface="Helvetica Neue" charset="0"/>
-              </a:rPr>
-              <a:t>income is verified is </a:t>
-            </a:r>
-            <a:r>
-              <a:rPr lang="en-US" sz="1600" dirty="0" smtClean="0">
-                <a:solidFill>
-                  <a:srgbClr val="000000"/>
-                </a:solidFill>
-                <a:latin typeface="Helvetica Neue" charset="0"/>
-              </a:rPr>
-              <a:t>important</a:t>
-            </a:r>
-            <a:endParaRPr lang="en-US" sz="1600" dirty="0">
-              <a:solidFill>
-                <a:srgbClr val="000000"/>
-              </a:solidFill>
-              <a:latin typeface="Helvetica Neue" charset="0"/>
-            </a:endParaRPr>
-          </a:p>
-          <a:p>
-            <a:pPr marL="285750" indent="-285750">
-              <a:spcBef>
-                <a:spcPts val="100"/>
-              </a:spcBef>
-              <a:spcAft>
-                <a:spcPts val="100"/>
-              </a:spcAft>
-              <a:buFont typeface="Arial" charset="0"/>
-              <a:buChar char="•"/>
-            </a:pPr>
-            <a:r>
-              <a:rPr lang="en-US" sz="1600" b="1" dirty="0" smtClean="0">
-                <a:solidFill>
-                  <a:srgbClr val="000000"/>
-                </a:solidFill>
-                <a:latin typeface="Helvetica Neue" charset="0"/>
-              </a:rPr>
-              <a:t>Negative credit history related features </a:t>
-            </a:r>
-            <a:r>
-              <a:rPr lang="en-US" sz="1600" dirty="0" smtClean="0">
-                <a:solidFill>
-                  <a:srgbClr val="000000"/>
-                </a:solidFill>
-                <a:latin typeface="Helvetica Neue" charset="0"/>
-              </a:rPr>
-              <a:t>(e.g. months since last ‘</a:t>
-            </a:r>
-            <a:r>
-              <a:rPr lang="en-US" sz="1600" dirty="0" err="1" smtClean="0">
-                <a:solidFill>
-                  <a:srgbClr val="000000"/>
-                </a:solidFill>
-                <a:latin typeface="Helvetica Neue" charset="0"/>
-              </a:rPr>
-              <a:t>delinq</a:t>
-            </a:r>
-            <a:r>
-              <a:rPr lang="en-US" sz="1600" dirty="0" smtClean="0">
-                <a:solidFill>
-                  <a:srgbClr val="000000"/>
-                </a:solidFill>
-                <a:latin typeface="Helvetica Neue" charset="0"/>
-              </a:rPr>
-              <a:t>’, ‘last record’ and ‘major </a:t>
-            </a:r>
-            <a:r>
-              <a:rPr lang="en-US" sz="1600" dirty="0" err="1" smtClean="0">
-                <a:solidFill>
-                  <a:srgbClr val="000000"/>
-                </a:solidFill>
-                <a:latin typeface="Helvetica Neue" charset="0"/>
-              </a:rPr>
-              <a:t>derog</a:t>
-            </a:r>
-            <a:r>
-              <a:rPr lang="en-US" sz="1600" dirty="0" smtClean="0">
-                <a:solidFill>
-                  <a:srgbClr val="000000"/>
-                </a:solidFill>
-                <a:latin typeface="Helvetica Neue" charset="0"/>
-              </a:rPr>
-              <a:t>’ ) are also important Even though all of them suffered from significant missing data</a:t>
-            </a:r>
-          </a:p>
-          <a:p>
-            <a:pPr marL="285750" indent="-285750">
-              <a:spcBef>
-                <a:spcPts val="100"/>
-              </a:spcBef>
-              <a:spcAft>
-                <a:spcPts val="100"/>
-              </a:spcAft>
-              <a:buFont typeface="Arial" charset="0"/>
-              <a:buChar char="•"/>
-            </a:pPr>
-            <a:r>
-              <a:rPr lang="en-US" sz="1600" dirty="0" smtClean="0">
-                <a:solidFill>
-                  <a:srgbClr val="000000"/>
-                </a:solidFill>
-                <a:latin typeface="Helvetica Neue" charset="0"/>
-              </a:rPr>
-              <a:t>A longer </a:t>
-            </a:r>
-            <a:r>
-              <a:rPr lang="en-US" sz="1600" b="1" dirty="0" smtClean="0">
-                <a:solidFill>
-                  <a:srgbClr val="000000"/>
-                </a:solidFill>
-                <a:latin typeface="Helvetica Neue" charset="0"/>
-              </a:rPr>
-              <a:t>term</a:t>
-            </a:r>
-            <a:r>
-              <a:rPr lang="en-US" sz="1600" dirty="0" smtClean="0">
-                <a:solidFill>
-                  <a:srgbClr val="000000"/>
-                </a:solidFill>
-                <a:latin typeface="Helvetica Neue" charset="0"/>
-              </a:rPr>
-              <a:t> might mean that borrowers with longer terms are the ones with difficulty of returning </a:t>
-            </a:r>
-          </a:p>
-          <a:p>
-            <a:pPr marL="285750" indent="-285750">
-              <a:spcBef>
-                <a:spcPts val="100"/>
-              </a:spcBef>
-              <a:spcAft>
-                <a:spcPts val="100"/>
-              </a:spcAft>
-              <a:buFont typeface="Arial" charset="0"/>
-              <a:buChar char="•"/>
-            </a:pPr>
-            <a:r>
-              <a:rPr lang="en-US" sz="1600" dirty="0" smtClean="0">
-                <a:solidFill>
-                  <a:srgbClr val="000000"/>
-                </a:solidFill>
-                <a:latin typeface="Helvetica Neue" charset="0"/>
-              </a:rPr>
-              <a:t>Surprisingly log of annual income and </a:t>
-            </a:r>
-            <a:r>
-              <a:rPr lang="en-US" sz="1600" dirty="0" err="1" smtClean="0">
-                <a:solidFill>
-                  <a:srgbClr val="000000"/>
-                </a:solidFill>
-                <a:latin typeface="Helvetica Neue" charset="0"/>
-              </a:rPr>
-              <a:t>dti</a:t>
-            </a:r>
-            <a:r>
-              <a:rPr lang="en-US" sz="1600" dirty="0" smtClean="0">
-                <a:solidFill>
-                  <a:srgbClr val="000000"/>
-                </a:solidFill>
-                <a:latin typeface="Helvetica Neue" charset="0"/>
-              </a:rPr>
-              <a:t> are not as ”important” as hypothesized (and adjusting to median income of state might not add information)</a:t>
-            </a:r>
-          </a:p>
-          <a:p>
-            <a:pPr marL="285750" indent="-285750">
-              <a:spcBef>
-                <a:spcPts val="100"/>
-              </a:spcBef>
-              <a:spcAft>
-                <a:spcPts val="100"/>
-              </a:spcAft>
-              <a:buFont typeface="Arial" charset="0"/>
-              <a:buChar char="•"/>
-            </a:pPr>
-            <a:r>
-              <a:rPr lang="en-US" sz="1600" dirty="0" smtClean="0">
-                <a:solidFill>
-                  <a:srgbClr val="000000"/>
-                </a:solidFill>
-                <a:latin typeface="Helvetica Neue" charset="0"/>
-              </a:rPr>
-              <a:t>Also surprisingly absent are the number of years of credit, and balance utility </a:t>
-            </a:r>
-          </a:p>
-          <a:p>
-            <a:pPr marL="285750" indent="-285750">
-              <a:spcBef>
-                <a:spcPts val="100"/>
-              </a:spcBef>
-              <a:spcAft>
-                <a:spcPts val="100"/>
-              </a:spcAft>
-              <a:buFont typeface="Arial" charset="0"/>
-              <a:buChar char="•"/>
-            </a:pPr>
-            <a:endParaRPr lang="en-US" sz="1600" b="1" u="sng" dirty="0" smtClean="0">
-              <a:solidFill>
-                <a:srgbClr val="000000"/>
-              </a:solidFill>
-              <a:latin typeface="Helvetica Neue" charset="0"/>
-            </a:endParaRPr>
-          </a:p>
-        </p:txBody>
-      </p:sp>
-      <p:sp>
-        <p:nvSpPr>
-          <p:cNvPr id="5" name="TextBox 4"/>
-          <p:cNvSpPr txBox="1"/>
-          <p:nvPr/>
-        </p:nvSpPr>
-        <p:spPr>
-          <a:xfrm>
-            <a:off x="558989" y="5917979"/>
-            <a:ext cx="7750199" cy="523220"/>
-          </a:xfrm>
-          <a:prstGeom prst="rect">
-            <a:avLst/>
-          </a:prstGeom>
-          <a:noFill/>
-        </p:spPr>
-        <p:txBody>
-          <a:bodyPr wrap="none" rtlCol="0">
-            <a:spAutoFit/>
-          </a:bodyPr>
-          <a:lstStyle/>
-          <a:p>
-            <a:r>
-              <a:rPr lang="en-US" sz="1400" dirty="0" smtClean="0"/>
-              <a:t>Prediction ability isn’t necessarily depended on few important features, rather on multitude of features </a:t>
-            </a:r>
-          </a:p>
-          <a:p>
-            <a:r>
-              <a:rPr lang="en-US" sz="1400" dirty="0" smtClean="0"/>
-              <a:t>that each might play a small part not be  </a:t>
-            </a:r>
-            <a:endParaRPr lang="en-US" sz="1400" dirty="0"/>
-          </a:p>
-        </p:txBody>
-      </p:sp>
-      <p:sp>
-        <p:nvSpPr>
-          <p:cNvPr id="12" name="Rectangle 11"/>
-          <p:cNvSpPr/>
-          <p:nvPr/>
-        </p:nvSpPr>
-        <p:spPr>
-          <a:xfrm>
-            <a:off x="-383988" y="1216957"/>
-            <a:ext cx="8565776" cy="461665"/>
-          </a:xfrm>
-          <a:prstGeom prst="rect">
-            <a:avLst/>
-          </a:prstGeom>
-        </p:spPr>
-        <p:txBody>
-          <a:bodyPr wrap="square">
-            <a:spAutoFit/>
-          </a:bodyPr>
-          <a:lstStyle/>
-          <a:p>
-            <a:pPr lvl="2">
-              <a:buFont typeface="Wingdings" charset="2"/>
-              <a:buChar char="§"/>
-            </a:pPr>
-            <a:r>
-              <a:rPr lang="en-US" sz="2400" b="1" dirty="0" smtClean="0"/>
-              <a:t> What the </a:t>
-            </a:r>
-            <a:r>
-              <a:rPr lang="en-US" sz="2400" b="1" dirty="0"/>
-              <a:t>model is revealing to us </a:t>
-            </a:r>
-            <a:r>
-              <a:rPr lang="en-US" sz="2400" b="1"/>
-              <a:t>about </a:t>
-            </a:r>
-            <a:r>
-              <a:rPr lang="en-US" sz="2400" b="1" smtClean="0"/>
-              <a:t>Default </a:t>
-            </a:r>
-            <a:r>
-              <a:rPr lang="en-US" sz="2400" b="1" dirty="0" smtClean="0"/>
-              <a:t>factors? </a:t>
-            </a:r>
-            <a:endParaRPr lang="en-US" sz="2400" b="1" dirty="0"/>
-          </a:p>
-        </p:txBody>
-      </p:sp>
-    </p:spTree>
-    <p:extLst>
-      <p:ext uri="{BB962C8B-B14F-4D97-AF65-F5344CB8AC3E}">
-        <p14:creationId xmlns:p14="http://schemas.microsoft.com/office/powerpoint/2010/main" val="516245285"/>
-      </p:ext>
-    </p:extLst>
-  </p:cSld>
-  <p:clrMapOvr>
-    <a:masterClrMapping/>
-  </p:clrMapOvr>
-  <p:timing>
-    <p:tnLst>
-      <p:par>
-        <p:cTn id="1" dur="indefinite" restart="never" nodeType="tmRoot"/>
-      </p:par>
-    </p:tnLst>
-  </p:timing>
-</p:sld>
-</file>
-
-<file path=ppt/slides/slide19.xml><?xml version="1.0" encoding="utf-8"?>
-<p:sld xmlns:a="http://schemas.openxmlformats.org/drawingml/2006/main" xmlns:r="http://schemas.openxmlformats.org/officeDocument/2006/relationships" xmlns:p="http://schemas.openxmlformats.org/presentationml/2006/main">
-  <p:cSld>
-    <p:spTree>
-      <p:nvGrpSpPr>
-        <p:cNvPr id="1" name=""/>
-        <p:cNvGrpSpPr/>
-        <p:nvPr/>
-      </p:nvGrpSpPr>
-      <p:grpSpPr>
-        <a:xfrm>
-          <a:off x="0" y="0"/>
-          <a:ext cx="0" cy="0"/>
-          <a:chOff x="0" y="0"/>
-          <a:chExt cx="0" cy="0"/>
-        </a:xfrm>
-      </p:grpSpPr>
-      <p:sp>
-        <p:nvSpPr>
-          <p:cNvPr id="10" name="Title 1"/>
-          <p:cNvSpPr txBox="1">
-            <a:spLocks/>
-          </p:cNvSpPr>
-          <p:nvPr/>
-        </p:nvSpPr>
-        <p:spPr>
-          <a:xfrm>
-            <a:off x="816164" y="-69310"/>
-            <a:ext cx="11080620" cy="1325563"/>
-          </a:xfrm>
-          <a:prstGeom prst="rect">
-            <a:avLst/>
-          </a:prstGeom>
-        </p:spPr>
-        <p:txBody>
-          <a:bodyPr vert="horz" lIns="91440" tIns="45720" rIns="91440" bIns="45720" rtlCol="0" anchor="ctr">
-            <a:normAutofit/>
-          </a:bodyPr>
-          <a:lstStyle>
-            <a:lvl1pPr algn="l" defTabSz="914400" rtl="0" eaLnBrk="1" latinLnBrk="0" hangingPunct="1">
-              <a:lnSpc>
-                <a:spcPct val="90000"/>
-              </a:lnSpc>
-              <a:spcBef>
-                <a:spcPct val="0"/>
-              </a:spcBef>
-              <a:buNone/>
-              <a:defRPr sz="4400" kern="1200">
-                <a:solidFill>
-                  <a:schemeClr val="tx1"/>
-                </a:solidFill>
-                <a:latin typeface="+mj-lt"/>
-                <a:ea typeface="+mj-ea"/>
-                <a:cs typeface="+mj-cs"/>
-              </a:defRPr>
-            </a:lvl1pPr>
-          </a:lstStyle>
-          <a:p>
-            <a:r>
-              <a:rPr lang="en-US" sz="3200" dirty="0">
-                <a:latin typeface="+mn-lt"/>
-                <a:ea typeface="+mn-ea"/>
-                <a:cs typeface="+mn-cs"/>
-              </a:rPr>
-              <a:t>Summary of the </a:t>
-            </a:r>
-            <a:r>
-              <a:rPr lang="en-US" sz="3200" dirty="0" smtClean="0">
-                <a:latin typeface="+mn-lt"/>
-                <a:ea typeface="+mn-ea"/>
-                <a:cs typeface="+mn-cs"/>
-              </a:rPr>
-              <a:t>Proposed </a:t>
-            </a:r>
-            <a:r>
-              <a:rPr lang="en-US" sz="3200" dirty="0">
-                <a:latin typeface="+mn-lt"/>
-                <a:ea typeface="+mn-ea"/>
-                <a:cs typeface="+mn-cs"/>
-              </a:rPr>
-              <a:t>M</a:t>
-            </a:r>
-            <a:r>
-              <a:rPr lang="en-US" sz="3200" dirty="0" smtClean="0">
-                <a:latin typeface="+mn-lt"/>
-                <a:ea typeface="+mn-ea"/>
-                <a:cs typeface="+mn-cs"/>
-              </a:rPr>
-              <a:t>odel </a:t>
-            </a:r>
-            <a:r>
-              <a:rPr lang="en-US" sz="3200" dirty="0">
-                <a:latin typeface="+mn-lt"/>
-                <a:ea typeface="+mn-ea"/>
-                <a:cs typeface="+mn-cs"/>
-              </a:rPr>
-              <a:t>and </a:t>
-            </a:r>
-            <a:r>
-              <a:rPr lang="en-US" sz="3200" dirty="0" smtClean="0">
-                <a:latin typeface="+mn-lt"/>
-                <a:ea typeface="+mn-ea"/>
-                <a:cs typeface="+mn-cs"/>
-              </a:rPr>
-              <a:t>Final </a:t>
-            </a:r>
-            <a:r>
-              <a:rPr lang="en-US" sz="3200" dirty="0">
-                <a:latin typeface="+mn-lt"/>
-                <a:ea typeface="+mn-ea"/>
-                <a:cs typeface="+mn-cs"/>
-              </a:rPr>
-              <a:t>R</a:t>
-            </a:r>
-            <a:r>
-              <a:rPr lang="en-US" sz="3200" dirty="0" smtClean="0">
-                <a:latin typeface="+mn-lt"/>
-                <a:ea typeface="+mn-ea"/>
-                <a:cs typeface="+mn-cs"/>
-              </a:rPr>
-              <a:t>ecommendations</a:t>
-            </a:r>
-            <a:endParaRPr lang="en-US" sz="3200" dirty="0">
-              <a:latin typeface="+mn-lt"/>
-              <a:ea typeface="+mn-ea"/>
-              <a:cs typeface="+mn-cs"/>
-            </a:endParaRPr>
-          </a:p>
-        </p:txBody>
-      </p:sp>
-      <p:pic>
-        <p:nvPicPr>
-          <p:cNvPr id="31" name="Picture 30"/>
-          <p:cNvPicPr>
-            <a:picLocks noChangeAspect="1"/>
-          </p:cNvPicPr>
-          <p:nvPr/>
-        </p:nvPicPr>
-        <p:blipFill rotWithShape="1">
-          <a:blip r:embed="rId2">
-            <a:extLst>
-              <a:ext uri="{28A0092B-C50C-407E-A947-70E740481C1C}">
-                <a14:useLocalDpi xmlns:a14="http://schemas.microsoft.com/office/drawing/2010/main" val="0"/>
-              </a:ext>
-            </a:extLst>
-          </a:blip>
-          <a:srcRect t="37062" r="24107" b="1013"/>
-          <a:stretch/>
-        </p:blipFill>
-        <p:spPr>
-          <a:xfrm>
-            <a:off x="6399899" y="1882188"/>
-            <a:ext cx="3277505" cy="4864395"/>
-          </a:xfrm>
-          <a:prstGeom prst="rect">
-            <a:avLst/>
-          </a:prstGeom>
-        </p:spPr>
-      </p:pic>
-      <p:grpSp>
-        <p:nvGrpSpPr>
-          <p:cNvPr id="35" name="Group 34"/>
-          <p:cNvGrpSpPr/>
-          <p:nvPr/>
-        </p:nvGrpSpPr>
-        <p:grpSpPr>
-          <a:xfrm>
-            <a:off x="3291840" y="2581814"/>
-            <a:ext cx="2950465" cy="4164769"/>
-            <a:chOff x="2018701" y="2875278"/>
-            <a:chExt cx="2367147" cy="3413746"/>
-          </a:xfrm>
-        </p:grpSpPr>
-        <p:pic>
-          <p:nvPicPr>
-            <p:cNvPr id="7" name="Picture 6"/>
-            <p:cNvPicPr>
-              <a:picLocks noChangeAspect="1"/>
-            </p:cNvPicPr>
-            <p:nvPr/>
-          </p:nvPicPr>
-          <p:blipFill rotWithShape="1">
-            <a:blip r:embed="rId2">
-              <a:extLst>
-                <a:ext uri="{28A0092B-C50C-407E-A947-70E740481C1C}">
-                  <a14:useLocalDpi xmlns:a14="http://schemas.microsoft.com/office/drawing/2010/main" val="0"/>
-                </a:ext>
-              </a:extLst>
-            </a:blip>
-            <a:srcRect r="31475" b="62990"/>
-            <a:stretch/>
-          </p:blipFill>
-          <p:spPr>
-            <a:xfrm>
-              <a:off x="2018701" y="2875278"/>
-              <a:ext cx="2367147" cy="2382998"/>
-            </a:xfrm>
-            <a:prstGeom prst="rect">
-              <a:avLst/>
-            </a:prstGeom>
-          </p:spPr>
-        </p:pic>
-        <p:pic>
-          <p:nvPicPr>
-            <p:cNvPr id="32" name="Picture 31"/>
-            <p:cNvPicPr>
-              <a:picLocks noChangeAspect="1"/>
-            </p:cNvPicPr>
-            <p:nvPr/>
-          </p:nvPicPr>
-          <p:blipFill rotWithShape="1">
-            <a:blip r:embed="rId2">
-              <a:extLst>
-                <a:ext uri="{28A0092B-C50C-407E-A947-70E740481C1C}">
-                  <a14:useLocalDpi xmlns:a14="http://schemas.microsoft.com/office/drawing/2010/main" val="0"/>
-                </a:ext>
-              </a:extLst>
-            </a:blip>
-            <a:srcRect t="82949" r="31475" b="1013"/>
-            <a:stretch/>
-          </p:blipFill>
-          <p:spPr>
-            <a:xfrm>
-              <a:off x="2018701" y="5256360"/>
-              <a:ext cx="2367147" cy="1032664"/>
-            </a:xfrm>
-            <a:prstGeom prst="rect">
-              <a:avLst/>
-            </a:prstGeom>
-          </p:spPr>
-        </p:pic>
-      </p:grpSp>
-      <p:pic>
-        <p:nvPicPr>
-          <p:cNvPr id="33" name="Picture 32"/>
-          <p:cNvPicPr>
-            <a:picLocks noChangeAspect="1"/>
-          </p:cNvPicPr>
-          <p:nvPr/>
-        </p:nvPicPr>
-        <p:blipFill rotWithShape="1">
-          <a:blip r:embed="rId2">
-            <a:extLst>
-              <a:ext uri="{28A0092B-C50C-407E-A947-70E740481C1C}">
-                <a14:useLocalDpi xmlns:a14="http://schemas.microsoft.com/office/drawing/2010/main" val="0"/>
-              </a:ext>
-            </a:extLst>
-          </a:blip>
-          <a:srcRect l="68425" t="195" b="1013"/>
-          <a:stretch/>
-        </p:blipFill>
-        <p:spPr>
-          <a:xfrm>
-            <a:off x="9442830" y="1792224"/>
-            <a:ext cx="1104929" cy="4572000"/>
-          </a:xfrm>
-          <a:prstGeom prst="rect">
-            <a:avLst/>
-          </a:prstGeom>
-        </p:spPr>
-      </p:pic>
-      <p:sp>
-        <p:nvSpPr>
-          <p:cNvPr id="36" name="TextBox 35"/>
-          <p:cNvSpPr txBox="1"/>
-          <p:nvPr/>
-        </p:nvSpPr>
-        <p:spPr>
-          <a:xfrm>
-            <a:off x="1358719" y="1917249"/>
-            <a:ext cx="2125531" cy="1323439"/>
-          </a:xfrm>
-          <a:prstGeom prst="rect">
-            <a:avLst/>
-          </a:prstGeom>
-        </p:spPr>
-        <p:style>
-          <a:lnRef idx="2">
-            <a:schemeClr val="dk1"/>
-          </a:lnRef>
-          <a:fillRef idx="1">
-            <a:schemeClr val="lt1"/>
-          </a:fillRef>
-          <a:effectRef idx="0">
-            <a:schemeClr val="dk1"/>
-          </a:effectRef>
-          <a:fontRef idx="minor">
-            <a:schemeClr val="dk1"/>
-          </a:fontRef>
-        </p:style>
-        <p:txBody>
-          <a:bodyPr wrap="square" rtlCol="0">
-            <a:spAutoFit/>
-          </a:bodyPr>
-          <a:lstStyle/>
-          <a:p>
-            <a:pPr>
-              <a:spcBef>
-                <a:spcPts val="100"/>
-              </a:spcBef>
-              <a:spcAft>
-                <a:spcPts val="100"/>
-              </a:spcAft>
-            </a:pPr>
-            <a:r>
-              <a:rPr lang="en-US" sz="1600" dirty="0" smtClean="0"/>
-              <a:t>A </a:t>
-            </a:r>
-            <a:r>
-              <a:rPr lang="en-US" sz="1600" dirty="0" smtClean="0">
-                <a:solidFill>
-                  <a:srgbClr val="000000"/>
-                </a:solidFill>
-                <a:latin typeface="Helvetica Neue" charset="0"/>
-              </a:rPr>
-              <a:t>heat-map </a:t>
-            </a:r>
-            <a:r>
-              <a:rPr lang="en-US" sz="1600" dirty="0">
-                <a:solidFill>
-                  <a:srgbClr val="000000"/>
-                </a:solidFill>
-                <a:latin typeface="Helvetica Neue" charset="0"/>
-              </a:rPr>
-              <a:t>of correlations can give a better sense of how these factors are linked to </a:t>
-            </a:r>
-            <a:r>
-              <a:rPr lang="en-US" sz="1600" dirty="0" smtClean="0">
-                <a:solidFill>
-                  <a:srgbClr val="000000"/>
-                </a:solidFill>
-                <a:latin typeface="Helvetica Neue" charset="0"/>
-              </a:rPr>
-              <a:t>defaults</a:t>
-            </a:r>
-            <a:endParaRPr lang="en-US" sz="1600" dirty="0" smtClean="0">
-              <a:solidFill>
-                <a:srgbClr val="000000"/>
-              </a:solidFill>
-              <a:latin typeface="Helvetica Neue" charset="0"/>
-            </a:endParaRPr>
-          </a:p>
-        </p:txBody>
-      </p:sp>
-      <p:sp>
-        <p:nvSpPr>
-          <p:cNvPr id="37" name="Rectangle 36"/>
-          <p:cNvSpPr/>
-          <p:nvPr/>
-        </p:nvSpPr>
-        <p:spPr>
-          <a:xfrm>
-            <a:off x="-383988" y="1216957"/>
-            <a:ext cx="8565776" cy="461665"/>
-          </a:xfrm>
-          <a:prstGeom prst="rect">
-            <a:avLst/>
-          </a:prstGeom>
-        </p:spPr>
-        <p:txBody>
-          <a:bodyPr wrap="square">
-            <a:spAutoFit/>
-          </a:bodyPr>
-          <a:lstStyle/>
-          <a:p>
-            <a:pPr lvl="2">
-              <a:buFont typeface="Wingdings" charset="2"/>
-              <a:buChar char="§"/>
-            </a:pPr>
-            <a:r>
-              <a:rPr lang="en-US" sz="2400" b="1" dirty="0" smtClean="0"/>
-              <a:t> What the </a:t>
-            </a:r>
-            <a:r>
-              <a:rPr lang="en-US" sz="2400" b="1" dirty="0"/>
-              <a:t>model is revealing to us </a:t>
-            </a:r>
-            <a:r>
-              <a:rPr lang="en-US" sz="2400" b="1"/>
-              <a:t>about </a:t>
-            </a:r>
-            <a:r>
-              <a:rPr lang="en-US" sz="2400" b="1" smtClean="0"/>
-              <a:t>Default </a:t>
-            </a:r>
-            <a:r>
-              <a:rPr lang="en-US" sz="2400" b="1" dirty="0" smtClean="0"/>
-              <a:t>factors? </a:t>
-            </a:r>
-            <a:endParaRPr lang="en-US" sz="2400" b="1" dirty="0"/>
-          </a:p>
-        </p:txBody>
-      </p:sp>
-    </p:spTree>
-    <p:extLst>
-      <p:ext uri="{BB962C8B-B14F-4D97-AF65-F5344CB8AC3E}">
-        <p14:creationId xmlns:p14="http://schemas.microsoft.com/office/powerpoint/2010/main" val="1340223490"/>
-      </p:ext>
-    </p:extLst>
-  </p:cSld>
-  <p:clrMapOvr>
-    <a:masterClrMapping/>
-  </p:clrMapOvr>
-  <p:timing>
-    <p:tnLst>
-      <p:par>
-        <p:cTn id="1" dur="indefinite" restart="never" nodeType="tmRoot"/>
-      </p:par>
-    </p:tnLst>
-  </p:timing>
-</p:sld>
-</file>
-
-<file path=ppt/slides/slide2.xml><?xml version="1.0" encoding="utf-8"?>
-<p:sld xmlns:a="http://schemas.openxmlformats.org/drawingml/2006/main" xmlns:r="http://schemas.openxmlformats.org/officeDocument/2006/relationships" xmlns:p="http://schemas.openxmlformats.org/presentationml/2006/main">
-  <p:cSld>
-    <p:spTree>
-      <p:nvGrpSpPr>
-        <p:cNvPr id="1" name=""/>
-        <p:cNvGrpSpPr/>
-        <p:nvPr/>
-      </p:nvGrpSpPr>
-      <p:grpSpPr>
-        <a:xfrm>
-          <a:off x="0" y="0"/>
-          <a:ext cx="0" cy="0"/>
-          <a:chOff x="0" y="0"/>
-          <a:chExt cx="0" cy="0"/>
-        </a:xfrm>
-      </p:grpSpPr>
-      <p:sp>
-        <p:nvSpPr>
-          <p:cNvPr id="2" name="Title 1"/>
-          <p:cNvSpPr>
-            <a:spLocks noGrp="1"/>
-          </p:cNvSpPr>
-          <p:nvPr>
-            <p:ph type="title"/>
-          </p:nvPr>
-        </p:nvSpPr>
-        <p:spPr/>
-        <p:txBody>
-          <a:bodyPr/>
-          <a:lstStyle/>
-          <a:p>
-            <a:r>
-              <a:rPr lang="en-US" dirty="0" smtClean="0"/>
-              <a:t>Project Outline</a:t>
-            </a:r>
-            <a:endParaRPr lang="en-US" dirty="0"/>
-          </a:p>
-        </p:txBody>
-      </p:sp>
-      <p:sp>
-        <p:nvSpPr>
-          <p:cNvPr id="3" name="Content Placeholder 2"/>
-          <p:cNvSpPr>
-            <a:spLocks noGrp="1"/>
-          </p:cNvSpPr>
-          <p:nvPr>
-            <p:ph idx="1"/>
-          </p:nvPr>
-        </p:nvSpPr>
-        <p:spPr>
-          <a:xfrm>
-            <a:off x="838200" y="1581785"/>
-            <a:ext cx="10515600" cy="4351338"/>
-          </a:xfrm>
-        </p:spPr>
-        <p:txBody>
-          <a:bodyPr/>
-          <a:lstStyle/>
-          <a:p>
-            <a:r>
-              <a:rPr lang="en-US" dirty="0" smtClean="0"/>
-              <a:t>Background &amp; Business Question</a:t>
-            </a:r>
-          </a:p>
-          <a:p>
-            <a:r>
-              <a:rPr lang="en-US" dirty="0" smtClean="0"/>
-              <a:t>Data Exploration &amp; Preliminary Analysis</a:t>
-            </a:r>
-          </a:p>
-          <a:p>
-            <a:r>
-              <a:rPr lang="en-US" dirty="0" smtClean="0"/>
-              <a:t>Baseline Modeling</a:t>
-            </a:r>
-          </a:p>
-          <a:p>
-            <a:r>
-              <a:rPr lang="en-US" dirty="0" smtClean="0"/>
-              <a:t>Feature Engineering</a:t>
-            </a:r>
-          </a:p>
-          <a:p>
-            <a:endParaRPr lang="en-US" dirty="0" smtClean="0"/>
-          </a:p>
-          <a:p>
-            <a:endParaRPr lang="en-US" dirty="0" smtClean="0"/>
-          </a:p>
-          <a:p>
-            <a:endParaRPr lang="en-US" dirty="0"/>
-          </a:p>
-        </p:txBody>
-      </p:sp>
-    </p:spTree>
-    <p:extLst>
-      <p:ext uri="{BB962C8B-B14F-4D97-AF65-F5344CB8AC3E}">
-        <p14:creationId xmlns:p14="http://schemas.microsoft.com/office/powerpoint/2010/main" val="1267664832"/>
-      </p:ext>
-    </p:extLst>
-  </p:cSld>
-  <p:clrMapOvr>
-    <a:masterClrMapping/>
-  </p:clrMapOvr>
-</p:sld>
-</file>
-
-<file path=ppt/slides/slide20.xml><?xml version="1.0" encoding="utf-8"?>
-<p:sld xmlns:a="http://schemas.openxmlformats.org/drawingml/2006/main" xmlns:r="http://schemas.openxmlformats.org/officeDocument/2006/relationships" xmlns:p="http://schemas.openxmlformats.org/presentationml/2006/main">
-  <p:cSld>
-    <p:spTree>
-      <p:nvGrpSpPr>
-        <p:cNvPr id="1" name=""/>
-        <p:cNvGrpSpPr/>
-        <p:nvPr/>
-      </p:nvGrpSpPr>
-      <p:grpSpPr>
-        <a:xfrm>
-          <a:off x="0" y="0"/>
-          <a:ext cx="0" cy="0"/>
-          <a:chOff x="0" y="0"/>
-          <a:chExt cx="0" cy="0"/>
-        </a:xfrm>
-      </p:grpSpPr>
       <p:graphicFrame>
         <p:nvGraphicFramePr>
           <p:cNvPr id="4" name="Content Placeholder 3"/>
@@ -11082,13 +9867,13 @@
             <p:ph idx="1"/>
             <p:extLst>
               <p:ext uri="{D42A27DB-BD31-4B8C-83A1-F6EECF244321}">
-                <p14:modId xmlns:p14="http://schemas.microsoft.com/office/powerpoint/2010/main" val="1190076837"/>
+                <p14:modId xmlns:p14="http://schemas.microsoft.com/office/powerpoint/2010/main" val="676115858"/>
               </p:ext>
             </p:extLst>
           </p:nvPr>
         </p:nvGraphicFramePr>
         <p:xfrm>
-          <a:off x="6801292" y="1606879"/>
+          <a:off x="6801290" y="1576237"/>
           <a:ext cx="4245935" cy="4955145"/>
         </p:xfrm>
         <a:graphic>
@@ -11649,7 +10434,7 @@
                 <a:ea typeface="+mn-ea"/>
                 <a:cs typeface="+mn-cs"/>
               </a:rPr>
-              <a:t>Summary of the </a:t>
+              <a:t>Summary </a:t>
             </a:r>
             <a:r>
               <a:rPr lang="en-US" sz="3200" dirty="0" smtClean="0">
@@ -11657,39 +10442,7 @@
                 <a:ea typeface="+mn-ea"/>
                 <a:cs typeface="+mn-cs"/>
               </a:rPr>
-              <a:t>Proposed </a:t>
-            </a:r>
-            <a:r>
-              <a:rPr lang="en-US" sz="3200" dirty="0">
-                <a:latin typeface="+mn-lt"/>
-                <a:ea typeface="+mn-ea"/>
-                <a:cs typeface="+mn-cs"/>
-              </a:rPr>
-              <a:t>M</a:t>
-            </a:r>
-            <a:r>
-              <a:rPr lang="en-US" sz="3200" dirty="0" smtClean="0">
-                <a:latin typeface="+mn-lt"/>
-                <a:ea typeface="+mn-ea"/>
-                <a:cs typeface="+mn-cs"/>
-              </a:rPr>
-              <a:t>odel </a:t>
-            </a:r>
-            <a:r>
-              <a:rPr lang="en-US" sz="3200" dirty="0">
-                <a:latin typeface="+mn-lt"/>
-                <a:ea typeface="+mn-ea"/>
-                <a:cs typeface="+mn-cs"/>
-              </a:rPr>
-              <a:t>and </a:t>
-            </a:r>
-            <a:r>
-              <a:rPr lang="en-US" sz="3200" dirty="0" smtClean="0">
-                <a:latin typeface="+mn-lt"/>
-                <a:ea typeface="+mn-ea"/>
-                <a:cs typeface="+mn-cs"/>
-              </a:rPr>
-              <a:t>Final </a:t>
+              <a:t>and Final </a:t>
             </a:r>
             <a:r>
               <a:rPr lang="en-US" sz="3200" dirty="0">
@@ -11717,150 +10470,14 @@
       </p:sp>
       <p:sp>
         <p:nvSpPr>
-          <p:cNvPr id="7" name="TextBox 6"/>
-          <p:cNvSpPr txBox="1"/>
-          <p:nvPr/>
-        </p:nvSpPr>
-        <p:spPr>
-          <a:xfrm>
-            <a:off x="1763142" y="1606879"/>
-            <a:ext cx="3710934" cy="1031051"/>
-          </a:xfrm>
-          <a:prstGeom prst="rect">
-            <a:avLst/>
-          </a:prstGeom>
-        </p:spPr>
-        <p:style>
-          <a:lnRef idx="2">
-            <a:schemeClr val="dk1"/>
-          </a:lnRef>
-          <a:fillRef idx="1">
-            <a:schemeClr val="lt1"/>
-          </a:fillRef>
-          <a:effectRef idx="0">
-            <a:schemeClr val="dk1"/>
-          </a:effectRef>
-          <a:fontRef idx="minor">
-            <a:schemeClr val="dk1"/>
-          </a:fontRef>
-        </p:style>
-        <p:txBody>
-          <a:bodyPr wrap="square" rtlCol="0">
-            <a:spAutoFit/>
-          </a:bodyPr>
-          <a:lstStyle/>
-          <a:p>
-            <a:pPr>
-              <a:spcBef>
-                <a:spcPts val="100"/>
-              </a:spcBef>
-              <a:spcAft>
-                <a:spcPts val="100"/>
-              </a:spcAft>
-            </a:pPr>
-            <a:r>
-              <a:rPr lang="en-US" sz="1400" b="1" dirty="0" smtClean="0">
-                <a:solidFill>
-                  <a:srgbClr val="000000"/>
-                </a:solidFill>
-                <a:latin typeface="Helvetica Neue" charset="0"/>
-              </a:rPr>
-              <a:t>Summary </a:t>
-            </a:r>
-            <a:r>
-              <a:rPr lang="en-US" sz="1400" b="1" dirty="0">
-                <a:solidFill>
-                  <a:srgbClr val="000000"/>
-                </a:solidFill>
-                <a:latin typeface="Helvetica Neue" charset="0"/>
-              </a:rPr>
-              <a:t>of </a:t>
-            </a:r>
-            <a:r>
-              <a:rPr lang="en-US" sz="1400" b="1" dirty="0" smtClean="0">
-                <a:solidFill>
-                  <a:srgbClr val="000000"/>
-                </a:solidFill>
-                <a:latin typeface="Helvetica Neue" charset="0"/>
-              </a:rPr>
-              <a:t>factors relationship to WNV:</a:t>
-            </a:r>
-          </a:p>
-          <a:p>
-            <a:pPr lvl="1">
-              <a:spcBef>
-                <a:spcPts val="100"/>
-              </a:spcBef>
-              <a:spcAft>
-                <a:spcPts val="100"/>
-              </a:spcAft>
-            </a:pPr>
-            <a:r>
-              <a:rPr lang="en-US" sz="1400" dirty="0" smtClean="0">
-                <a:solidFill>
-                  <a:srgbClr val="000000"/>
-                </a:solidFill>
-                <a:latin typeface="Helvetica Neue" charset="0"/>
-              </a:rPr>
-              <a:t>(+++) strong positive relationship</a:t>
-            </a:r>
-          </a:p>
-          <a:p>
-            <a:pPr lvl="1">
-              <a:spcBef>
-                <a:spcPts val="100"/>
-              </a:spcBef>
-              <a:spcAft>
-                <a:spcPts val="100"/>
-              </a:spcAft>
-            </a:pPr>
-            <a:r>
-              <a:rPr lang="en-US" sz="1400" dirty="0" smtClean="0">
-                <a:solidFill>
-                  <a:srgbClr val="000000"/>
-                </a:solidFill>
-                <a:latin typeface="Helvetica Neue" charset="0"/>
-              </a:rPr>
-              <a:t> (++)  moderate positive relationship</a:t>
-            </a:r>
-          </a:p>
-          <a:p>
-            <a:pPr lvl="1">
-              <a:spcBef>
-                <a:spcPts val="100"/>
-              </a:spcBef>
-              <a:spcAft>
-                <a:spcPts val="100"/>
-              </a:spcAft>
-            </a:pPr>
-            <a:r>
-              <a:rPr lang="en-US" sz="1400" dirty="0" smtClean="0">
-                <a:solidFill>
-                  <a:srgbClr val="000000"/>
-                </a:solidFill>
-                <a:latin typeface="Helvetica Neue" charset="0"/>
-              </a:rPr>
-              <a:t>   (-)   mild negative relationship </a:t>
-            </a:r>
-            <a:endParaRPr lang="en-US" sz="1400" dirty="0">
-              <a:solidFill>
-                <a:srgbClr val="000000"/>
-              </a:solidFill>
-              <a:latin typeface="Helvetica Neue" charset="0"/>
-            </a:endParaRPr>
-          </a:p>
-        </p:txBody>
-      </p:sp>
-      <p:sp>
-        <p:nvSpPr>
           <p:cNvPr id="2" name="TextBox 1"/>
           <p:cNvSpPr txBox="1"/>
           <p:nvPr/>
         </p:nvSpPr>
         <p:spPr>
           <a:xfrm>
-            <a:off x="1275079" y="2853344"/>
-            <a:ext cx="4786675" cy="2246769"/>
+            <a:off x="1312624" y="1606879"/>
+            <a:ext cx="4786675" cy="3416320"/>
           </a:xfrm>
           <a:prstGeom prst="rect">
             <a:avLst/>
@@ -11878,16 +10495,16 @@
               <a:buAutoNum type="arabicPeriod"/>
             </a:pPr>
             <a:r>
-              <a:rPr lang="en-US" sz="1400" dirty="0" smtClean="0"/>
-              <a:t>Interestingly renting and owning are related to risk while mortgage to de-risk (</a:t>
-            </a:r>
-            <a:r>
-              <a:rPr lang="en-US" sz="1400" b="1" dirty="0" smtClean="0"/>
-              <a:t>counter</a:t>
-            </a:r>
-            <a:r>
-              <a:rPr lang="en-US" sz="1400" dirty="0" smtClean="0"/>
-              <a:t> to our hypothesis), perhaps this group have higher credit scores (which allowed them to get a mortgage in the first place)</a:t>
+              <a:rPr lang="en-US" dirty="0" smtClean="0"/>
+              <a:t>Interestingly renting and owning are related to risk while </a:t>
+            </a:r>
+            <a:r>
+              <a:rPr lang="en-US" b="1" dirty="0" smtClean="0"/>
+              <a:t>mortgage to de-risk </a:t>
+            </a:r>
+            <a:r>
+              <a:rPr lang="en-US" dirty="0" smtClean="0"/>
+              <a:t>(counter to our hypothesis), perhaps this group have higher credit scores (which allowed them to get a mortgage in the first place)</a:t>
             </a:r>
           </a:p>
           <a:p>
@@ -11896,20 +10513,12 @@
               <a:buAutoNum type="arabicPeriod"/>
             </a:pPr>
             <a:r>
-              <a:rPr lang="en-US" sz="1400" b="1" dirty="0" smtClean="0"/>
+              <a:rPr lang="en-US" b="1" dirty="0" smtClean="0"/>
               <a:t>Income verification </a:t>
             </a:r>
             <a:r>
-              <a:rPr lang="en-US" sz="1400" dirty="0" smtClean="0"/>
-              <a:t>is related to default (counter intuitive) perhaps the verification is done only when there is a raised </a:t>
-            </a:r>
-            <a:r>
-              <a:rPr lang="en-US" sz="1400" dirty="0" smtClean="0"/>
-              <a:t>suspicion </a:t>
-            </a:r>
-            <a:r>
-              <a:rPr lang="en-US" sz="1400" dirty="0" smtClean="0"/>
-              <a:t>which understandably related to default </a:t>
+              <a:rPr lang="en-US" dirty="0" smtClean="0"/>
+              <a:t>is related to default (counter intuitive) perhaps the verification is done only when there is a raised suspicion which is understandably related to default </a:t>
             </a:r>
           </a:p>
           <a:p>
@@ -11918,18 +10527,18 @@
               <a:buAutoNum type="arabicPeriod"/>
             </a:pPr>
             <a:r>
-              <a:rPr lang="en-US" sz="1400" dirty="0"/>
+              <a:rPr lang="en-US" dirty="0"/>
               <a:t>N</a:t>
             </a:r>
             <a:r>
-              <a:rPr lang="en-US" sz="1400" dirty="0" smtClean="0"/>
+              <a:rPr lang="en-US" dirty="0" smtClean="0"/>
               <a:t>egative financial history in the last 2 years is related to default whereas between 2 and 4 years is related to </a:t>
             </a:r>
             <a:r>
-              <a:rPr lang="en-US" sz="1400" b="1" dirty="0" smtClean="0"/>
+              <a:rPr lang="en-US" b="1" dirty="0" smtClean="0"/>
               <a:t>paid loans</a:t>
             </a:r>
-            <a:endParaRPr lang="en-US" sz="1400" b="1" dirty="0"/>
+            <a:endParaRPr lang="en-US" b="1" dirty="0"/>
           </a:p>
         </p:txBody>
       </p:sp>
@@ -11941,7 +10550,7 @@
         </p:nvSpPr>
         <p:spPr>
           <a:xfrm>
-            <a:off x="1369168" y="5304393"/>
+            <a:off x="1442320" y="5158780"/>
             <a:ext cx="4768516" cy="1169551"/>
           </a:xfrm>
           <a:prstGeom prst="rect">
@@ -11970,11 +10579,7 @@
             </a:r>
             <a:r>
               <a:rPr lang="en-US" sz="1400" dirty="0" smtClean="0"/>
-              <a:t>  </a:t>
-            </a:r>
-            <a:r>
-              <a:rPr lang="en-US" sz="1400" dirty="0" smtClean="0"/>
-              <a:t>Questionable whether this is an actionable insight. it’s possible that whole-loans are grabbed in one go because they are more appealing. So in P2P it’s probably easier to identify whether a loan is fractional ( cause it’s too late or too early to be whole)</a:t>
+              <a:t>  Questionable whether this is an actionable insight. it’s possible that whole-loans are grabbed “in one go” because they are more appealing. So in P2P it’s probably easier to identify whether a loan is fractional ( cause it’s too late or too early to be whole)</a:t>
             </a:r>
             <a:endParaRPr lang="en-US" sz="1400" dirty="0"/>
           </a:p>
@@ -12026,6 +10631,36 @@
               <a:t>factors? </a:t>
             </a:r>
             <a:endParaRPr lang="en-US" sz="2400" b="1" dirty="0"/>
+          </a:p>
+        </p:txBody>
+      </p:sp>
+      <p:sp>
+        <p:nvSpPr>
+          <p:cNvPr id="3" name="TextBox 2"/>
+          <p:cNvSpPr txBox="1"/>
+          <p:nvPr/>
+        </p:nvSpPr>
+        <p:spPr>
+          <a:xfrm>
+            <a:off x="6647672" y="6531382"/>
+            <a:ext cx="4618893" cy="307777"/>
+          </a:xfrm>
+          <a:prstGeom prst="rect">
+            <a:avLst/>
+          </a:prstGeom>
+          <a:noFill/>
+        </p:spPr>
+        <p:txBody>
+          <a:bodyPr wrap="none" rtlCol="0">
+            <a:spAutoFit/>
+          </a:bodyPr>
+          <a:lstStyle/>
+          <a:p>
+            <a:r>
+              <a:rPr lang="en-US" sz="1400" dirty="0" smtClean="0"/>
+              <a:t>Refer to supplementary slides for a background on this table </a:t>
+            </a:r>
+            <a:endParaRPr lang="en-US" sz="1400" dirty="0"/>
           </a:p>
         </p:txBody>
       </p:sp>
@@ -12120,7 +10755,7 @@
 </p:sld>
 </file>
 
-<file path=ppt/slides/slide21.xml><?xml version="1.0" encoding="utf-8"?>
+<file path=ppt/slides/slide19.xml><?xml version="1.0" encoding="utf-8"?>
 <p:sld xmlns:a="http://schemas.openxmlformats.org/drawingml/2006/main" xmlns:r="http://schemas.openxmlformats.org/officeDocument/2006/relationships" xmlns:p="http://schemas.openxmlformats.org/presentationml/2006/main">
   <p:cSld>
     <p:spTree>
@@ -12150,7 +10785,7 @@
         <p:spPr>
           <a:xfrm>
             <a:off x="715993" y="1724771"/>
-            <a:ext cx="10766612" cy="4718891"/>
+            <a:ext cx="10766612" cy="4419997"/>
           </a:xfrm>
         </p:spPr>
         <p:style>
@@ -12174,59 +10809,52 @@
           <a:lstStyle/>
           <a:p>
             <a:r>
-              <a:rPr lang="en-US" sz="1600" dirty="0" smtClean="0"/>
+              <a:rPr lang="en-US" sz="2000" dirty="0" smtClean="0"/>
               <a:t>The </a:t>
             </a:r>
             <a:r>
-              <a:rPr lang="en-US" sz="1600" dirty="0"/>
+              <a:rPr lang="en-US" sz="2000" dirty="0"/>
               <a:t>sensitivity of the </a:t>
             </a:r>
             <a:r>
-              <a:rPr lang="en-US" sz="1600" dirty="0" smtClean="0"/>
-              <a:t>model we are offering to </a:t>
-            </a:r>
-            <a:r>
-              <a:rPr lang="en-US" sz="1600" dirty="0" err="1" smtClean="0"/>
-              <a:t>LendingClub</a:t>
-            </a:r>
-            <a:r>
-              <a:rPr lang="en-US" sz="1600" dirty="0" smtClean="0"/>
-              <a:t> investors ranges </a:t>
-            </a:r>
-            <a:r>
-              <a:rPr lang="en-US" sz="1600" dirty="0"/>
+              <a:rPr lang="en-US" sz="2000" dirty="0" smtClean="0"/>
+              <a:t>model we are offering to LendingClub investors ranges </a:t>
+            </a:r>
+            <a:r>
+              <a:rPr lang="en-US" sz="2000" dirty="0"/>
               <a:t>from </a:t>
             </a:r>
             <a:r>
-              <a:rPr lang="en-US" sz="1600" dirty="0" smtClean="0"/>
+              <a:rPr lang="en-US" sz="2000" dirty="0" smtClean="0"/>
               <a:t>identifying </a:t>
             </a:r>
             <a:r>
-              <a:rPr lang="en-US" sz="1600" dirty="0"/>
+              <a:rPr lang="en-US" sz="2000" dirty="0"/>
               <a:t>60% </a:t>
             </a:r>
             <a:r>
-              <a:rPr lang="en-US" sz="1600" dirty="0" smtClean="0"/>
+              <a:rPr lang="en-US" sz="2000" dirty="0" smtClean="0"/>
               <a:t>to 80% of default loans</a:t>
             </a:r>
-            <a:endParaRPr lang="en-US" sz="1600" dirty="0"/>
-          </a:p>
-          <a:p>
-            <a:r>
-              <a:rPr lang="en-US" sz="1600" dirty="0" smtClean="0"/>
-              <a:t>The desirable default identification rate is depended on the preferences of investors whether they are risk averse or risk </a:t>
-            </a:r>
-            <a:r>
-              <a:rPr lang="en-US" sz="1600" dirty="0" smtClean="0"/>
-              <a:t>takers </a:t>
-            </a:r>
-            <a:endParaRPr lang="en-US" sz="1600" dirty="0" smtClean="0"/>
-          </a:p>
-          <a:p>
-            <a:r>
-              <a:rPr lang="en-US" sz="1600" dirty="0" smtClean="0"/>
+            <a:endParaRPr lang="en-US" sz="2000" dirty="0"/>
+          </a:p>
+          <a:p>
+            <a:r>
+              <a:rPr lang="en-US" sz="2000" dirty="0" smtClean="0"/>
+              <a:t>The desirable default identification rate is depended on the preferences of investors whether they are risk averse or risk takers </a:t>
+            </a:r>
+          </a:p>
+          <a:p>
+            <a:r>
+              <a:rPr lang="en-US" sz="2000" dirty="0" smtClean="0"/>
               <a:t>We offer 2 possible packages: </a:t>
             </a:r>
+          </a:p>
+          <a:p>
+            <a:pPr marL="0" indent="0">
+              <a:buNone/>
+            </a:pPr>
+            <a:endParaRPr lang="en-US" sz="1200" dirty="0" smtClean="0"/>
           </a:p>
           <a:p>
             <a:pPr marL="1028700" lvl="1" indent="-571500">
@@ -12234,23 +10862,23 @@
               <a:buAutoNum type="romanLcPeriod"/>
             </a:pPr>
             <a:r>
-              <a:rPr lang="en-US" sz="1600" dirty="0" smtClean="0"/>
+              <a:rPr lang="en-US" sz="2000" dirty="0" smtClean="0"/>
               <a:t>For risk-averse investors we offer the 80% default detection package. </a:t>
             </a:r>
             <a:r>
-              <a:rPr lang="en-US" sz="1600" dirty="0"/>
+              <a:rPr lang="en-US" sz="2000" dirty="0"/>
               <a:t>W</a:t>
             </a:r>
             <a:r>
-              <a:rPr lang="en-US" sz="1600" dirty="0" smtClean="0"/>
+              <a:rPr lang="en-US" sz="2000" dirty="0" smtClean="0"/>
               <a:t>hile this means that more </a:t>
             </a:r>
             <a:r>
-              <a:rPr lang="en-US" sz="1600" dirty="0"/>
+              <a:rPr lang="en-US" sz="2000" dirty="0"/>
               <a:t>than half (60%) </a:t>
             </a:r>
             <a:r>
-              <a:rPr lang="en-US" sz="1600" dirty="0" smtClean="0"/>
+              <a:rPr lang="en-US" sz="2000" dirty="0" smtClean="0"/>
               <a:t>of the loans that will be labeled by us as risky will end up to be perfectly safe loans, investors taking this package would enjoy lowering their risk to just 1.2% (from 6% according to the rate of default loans on Lending Club)</a:t>
             </a:r>
           </a:p>
@@ -12260,170 +10888,69 @@
               <a:buAutoNum type="romanLcPeriod"/>
             </a:pPr>
             <a:r>
-              <a:rPr lang="en-US" sz="1600" dirty="0" smtClean="0"/>
+              <a:rPr lang="en-US" sz="2000" dirty="0" smtClean="0"/>
               <a:t>Alternatively, </a:t>
             </a:r>
             <a:r>
-              <a:rPr lang="en-US" sz="1600" dirty="0"/>
+              <a:rPr lang="en-US" sz="2000" dirty="0"/>
               <a:t>f</a:t>
             </a:r>
             <a:r>
-              <a:rPr lang="en-US" sz="1600" dirty="0" smtClean="0"/>
+              <a:rPr lang="en-US" sz="2000" dirty="0" smtClean="0"/>
               <a:t>or risk taking </a:t>
             </a:r>
             <a:r>
-              <a:rPr lang="en-US" sz="1600" dirty="0"/>
+              <a:rPr lang="en-US" sz="2000" dirty="0"/>
               <a:t>investors we offer the </a:t>
             </a:r>
             <a:r>
-              <a:rPr lang="en-US" sz="1600" dirty="0" smtClean="0"/>
+              <a:rPr lang="en-US" sz="2000" dirty="0" smtClean="0"/>
               <a:t>60</a:t>
             </a:r>
             <a:r>
-              <a:rPr lang="en-US" sz="1600" dirty="0"/>
+              <a:rPr lang="en-US" sz="2000" dirty="0"/>
               <a:t>% default detection package. </a:t>
             </a:r>
             <a:r>
-              <a:rPr lang="en-US" sz="1600" dirty="0" smtClean="0"/>
+              <a:rPr lang="en-US" sz="2000" dirty="0" smtClean="0"/>
               <a:t>Which </a:t>
             </a:r>
             <a:r>
-              <a:rPr lang="en-US" sz="1600" dirty="0"/>
+              <a:rPr lang="en-US" sz="2000" dirty="0"/>
               <a:t>means that </a:t>
             </a:r>
             <a:r>
-              <a:rPr lang="en-US" sz="1600" dirty="0" smtClean="0"/>
+              <a:rPr lang="en-US" sz="2000" dirty="0" smtClean="0"/>
               <a:t>40% </a:t>
             </a:r>
             <a:r>
-              <a:rPr lang="en-US" sz="1600" dirty="0"/>
+              <a:rPr lang="en-US" sz="2000" dirty="0"/>
               <a:t>of the loans </a:t>
             </a:r>
             <a:r>
-              <a:rPr lang="en-US" sz="1600" dirty="0" smtClean="0"/>
+              <a:rPr lang="en-US" sz="2000" dirty="0" smtClean="0"/>
               <a:t>that will </a:t>
             </a:r>
             <a:r>
-              <a:rPr lang="en-US" sz="1600" dirty="0"/>
+              <a:rPr lang="en-US" sz="2000" dirty="0"/>
               <a:t>be labeled by us as risky will end up </a:t>
             </a:r>
             <a:r>
-              <a:rPr lang="en-US" sz="1600" dirty="0" smtClean="0"/>
+              <a:rPr lang="en-US" sz="2000" dirty="0" smtClean="0"/>
               <a:t>as safe, but investors </a:t>
             </a:r>
             <a:r>
-              <a:rPr lang="en-US" sz="1600" dirty="0"/>
+              <a:rPr lang="en-US" sz="2000" dirty="0"/>
               <a:t>taking this package would enjoy lowering their </a:t>
             </a:r>
             <a:r>
-              <a:rPr lang="en-US" sz="1600" dirty="0" smtClean="0"/>
+              <a:rPr lang="en-US" sz="2000" dirty="0" smtClean="0"/>
               <a:t>risk by almost half - from 6% to 3.6% </a:t>
             </a:r>
-          </a:p>
-          <a:p>
-            <a:r>
-              <a:rPr lang="en-US" sz="1600" dirty="0" smtClean="0"/>
-              <a:t>If investors would like to pick lower-risk loans manually (without using our packages) but still would like to benefit from our analysis, We </a:t>
-            </a:r>
-            <a:r>
-              <a:rPr lang="en-US" sz="1600" dirty="0"/>
-              <a:t>recommend to </a:t>
-            </a:r>
-            <a:r>
-              <a:rPr lang="en-US" sz="1600" dirty="0" smtClean="0"/>
-              <a:t>follow these guidelines: </a:t>
-            </a:r>
-          </a:p>
-          <a:p>
-            <a:pPr marL="800100" lvl="1" indent="-342900">
-              <a:buFont typeface="+mj-lt"/>
-              <a:buAutoNum type="arabicPeriod"/>
-            </a:pPr>
-            <a:r>
-              <a:rPr lang="en-US" sz="1600" dirty="0"/>
-              <a:t>T</a:t>
-            </a:r>
-            <a:r>
-              <a:rPr lang="en-US" sz="1600" dirty="0" smtClean="0"/>
-              <a:t>ake </a:t>
-            </a:r>
-            <a:r>
-              <a:rPr lang="en-US" sz="1600" dirty="0"/>
-              <a:t>into consideration </a:t>
-            </a:r>
-            <a:r>
-              <a:rPr lang="en-US" sz="1600" dirty="0" smtClean="0"/>
-              <a:t>low credit cores first</a:t>
-            </a:r>
-          </a:p>
-          <a:p>
-            <a:pPr marL="800100" lvl="1" indent="-342900">
-              <a:buFont typeface="+mj-lt"/>
-              <a:buAutoNum type="arabicPeriod"/>
-            </a:pPr>
-            <a:r>
-              <a:rPr lang="en-US" sz="1600" dirty="0" smtClean="0"/>
-              <a:t>whether the income or the income source </a:t>
-            </a:r>
-            <a:r>
-              <a:rPr lang="en-US" sz="1600" b="1" dirty="0" smtClean="0"/>
-              <a:t>are</a:t>
-            </a:r>
-            <a:r>
-              <a:rPr lang="en-US" sz="1600" dirty="0" smtClean="0"/>
-              <a:t> verified (as they are more related to default than not) </a:t>
-            </a:r>
-          </a:p>
-          <a:p>
-            <a:pPr marL="800100" lvl="1" indent="-342900">
-              <a:buFont typeface="+mj-lt"/>
-              <a:buAutoNum type="arabicPeriod"/>
-            </a:pPr>
-            <a:r>
-              <a:rPr lang="en-US" sz="1600" dirty="0" smtClean="0"/>
-              <a:t>Lookout for negative credit history </a:t>
-            </a:r>
-            <a:r>
-              <a:rPr lang="en-US" sz="1600" dirty="0"/>
-              <a:t>in the last 24 </a:t>
-            </a:r>
-            <a:r>
-              <a:rPr lang="en-US" sz="1600" dirty="0" smtClean="0"/>
-              <a:t>months. If it’s later than 24 months it’s </a:t>
-            </a:r>
-            <a:r>
-              <a:rPr lang="en-US" sz="1600" b="1" dirty="0" smtClean="0"/>
-              <a:t>even safer </a:t>
-            </a:r>
-            <a:r>
-              <a:rPr lang="en-US" sz="1600" dirty="0" smtClean="0"/>
-              <a:t>than loans with unknown history.</a:t>
-            </a:r>
-          </a:p>
-          <a:p>
-            <a:pPr marL="800100" lvl="1" indent="-342900">
-              <a:buFont typeface="+mj-lt"/>
-              <a:buAutoNum type="arabicPeriod"/>
-            </a:pPr>
-            <a:r>
-              <a:rPr lang="en-US" sz="1600" dirty="0" smtClean="0"/>
-              <a:t>Counterintuitively  owners of homes have </a:t>
-            </a:r>
-            <a:r>
-              <a:rPr lang="en-US" sz="1600" b="1" dirty="0" smtClean="0"/>
-              <a:t>higher risk </a:t>
-            </a:r>
-            <a:r>
-              <a:rPr lang="en-US" sz="1600" dirty="0" smtClean="0"/>
-              <a:t>than mortgage payers</a:t>
-            </a:r>
-            <a:endParaRPr lang="en-US" sz="1600" dirty="0"/>
-          </a:p>
-          <a:p>
-            <a:endParaRPr lang="en-US" sz="1600" dirty="0"/>
-          </a:p>
-          <a:p>
-            <a:endParaRPr lang="en-US" sz="1600" dirty="0"/>
+            <a:endParaRPr lang="en-US" sz="2000" dirty="0"/>
+          </a:p>
+          <a:p>
+            <a:endParaRPr lang="en-US" sz="2000" dirty="0"/>
           </a:p>
         </p:txBody>
       </p:sp>
@@ -12458,15 +10985,7 @@
             </a:r>
             <a:r>
               <a:rPr lang="en-US" sz="2200" b="1" dirty="0" smtClean="0"/>
-              <a:t>Final conclusions and actionable recommendations for </a:t>
-            </a:r>
-            <a:r>
-              <a:rPr lang="en-US" sz="2200" b="1" dirty="0" err="1" smtClean="0"/>
-              <a:t>LendingClub</a:t>
-            </a:r>
-            <a:r>
-              <a:rPr lang="en-US" sz="2200" b="1" dirty="0" smtClean="0"/>
-              <a:t> investors</a:t>
+              <a:t>Final conclusions and actionable recommendations for LendingClub investors</a:t>
             </a:r>
             <a:endParaRPr lang="en-US" sz="2200" b="1" dirty="0"/>
           </a:p>
@@ -12526,76 +11045,675 @@
                 <a:ea typeface="+mn-ea"/>
                 <a:cs typeface="+mn-cs"/>
               </a:rPr>
-              <a:t>Summary of the </a:t>
-            </a:r>
-            <a:r>
-              <a:rPr lang="en-US" sz="3200" dirty="0" smtClean="0">
-                <a:latin typeface="+mn-lt"/>
-                <a:ea typeface="+mn-ea"/>
-                <a:cs typeface="+mn-cs"/>
-              </a:rPr>
-              <a:t>Proposed </a:t>
-            </a:r>
+              <a:t>Summary and Final Recommendations</a:t>
+            </a:r>
+          </a:p>
+        </p:txBody>
+      </p:sp>
+    </p:spTree>
+    <p:extLst>
+      <p:ext uri="{BB962C8B-B14F-4D97-AF65-F5344CB8AC3E}">
+        <p14:creationId xmlns:p14="http://schemas.microsoft.com/office/powerpoint/2010/main" val="327102674"/>
+      </p:ext>
+    </p:extLst>
+  </p:cSld>
+  <p:clrMapOvr>
+    <a:masterClrMapping/>
+  </p:clrMapOvr>
+  <p:timing>
+    <p:tnLst>
+      <p:par>
+        <p:cTn id="1" dur="indefinite" restart="never" nodeType="tmRoot"/>
+      </p:par>
+    </p:tnLst>
+  </p:timing>
+</p:sld>
+</file>
+
+<file path=ppt/slides/slide2.xml><?xml version="1.0" encoding="utf-8"?>
+<p:sld xmlns:a="http://schemas.openxmlformats.org/drawingml/2006/main" xmlns:r="http://schemas.openxmlformats.org/officeDocument/2006/relationships" xmlns:p="http://schemas.openxmlformats.org/presentationml/2006/main">
+  <p:cSld>
+    <p:spTree>
+      <p:nvGrpSpPr>
+        <p:cNvPr id="1" name=""/>
+        <p:cNvGrpSpPr/>
+        <p:nvPr/>
+      </p:nvGrpSpPr>
+      <p:grpSpPr>
+        <a:xfrm>
+          <a:off x="0" y="0"/>
+          <a:ext cx="0" cy="0"/>
+          <a:chOff x="0" y="0"/>
+          <a:chExt cx="0" cy="0"/>
+        </a:xfrm>
+      </p:grpSpPr>
+      <p:sp>
+        <p:nvSpPr>
+          <p:cNvPr id="2" name="Title 1"/>
+          <p:cNvSpPr>
+            <a:spLocks noGrp="1"/>
+          </p:cNvSpPr>
+          <p:nvPr>
+            <p:ph type="title"/>
+          </p:nvPr>
+        </p:nvSpPr>
+        <p:spPr>
+          <a:xfrm>
+            <a:off x="1850136" y="413893"/>
+            <a:ext cx="10515600" cy="1325563"/>
+          </a:xfrm>
+        </p:spPr>
+        <p:txBody>
+          <a:bodyPr/>
+          <a:lstStyle/>
+          <a:p>
+            <a:r>
+              <a:rPr lang="en-US" dirty="0" smtClean="0"/>
+              <a:t>Project </a:t>
+            </a:r>
+            <a:r>
+              <a:rPr lang="en-US" dirty="0" smtClean="0"/>
+              <a:t>Overview</a:t>
+            </a:r>
+            <a:endParaRPr lang="en-US" dirty="0"/>
+          </a:p>
+        </p:txBody>
+      </p:sp>
+      <p:sp>
+        <p:nvSpPr>
+          <p:cNvPr id="3" name="Content Placeholder 2"/>
+          <p:cNvSpPr>
+            <a:spLocks noGrp="1"/>
+          </p:cNvSpPr>
+          <p:nvPr>
+            <p:ph idx="1"/>
+          </p:nvPr>
+        </p:nvSpPr>
+        <p:spPr>
+          <a:xfrm>
+            <a:off x="1411224" y="1618361"/>
+            <a:ext cx="10515600" cy="4351338"/>
+          </a:xfrm>
+        </p:spPr>
+        <p:txBody>
+          <a:bodyPr>
+            <a:normAutofit lnSpcReduction="10000"/>
+          </a:bodyPr>
+          <a:lstStyle/>
+          <a:p>
+            <a:r>
+              <a:rPr lang="en-US" dirty="0" smtClean="0"/>
+              <a:t>Background &amp; Business challenge</a:t>
+            </a:r>
+          </a:p>
+          <a:p>
+            <a:r>
+              <a:rPr lang="en-US" dirty="0" smtClean="0"/>
+              <a:t>Data Exploration &amp; Preliminary Analysis</a:t>
+            </a:r>
+          </a:p>
+          <a:p>
+            <a:r>
+              <a:rPr lang="en-US" dirty="0" smtClean="0"/>
+              <a:t>Baseline Modeling</a:t>
+            </a:r>
+          </a:p>
+          <a:p>
+            <a:r>
+              <a:rPr lang="en-US" dirty="0" smtClean="0"/>
+              <a:t>Feature Engineering</a:t>
+            </a:r>
+          </a:p>
+          <a:p>
+            <a:r>
+              <a:rPr lang="en-US" dirty="0"/>
+              <a:t>Building a Predictive </a:t>
+            </a:r>
+            <a:r>
+              <a:rPr lang="en-US" dirty="0" smtClean="0"/>
+              <a:t>Model</a:t>
+            </a:r>
+          </a:p>
+          <a:p>
+            <a:r>
+              <a:rPr lang="en-US" dirty="0"/>
+              <a:t>Model Performance	</a:t>
+            </a:r>
+            <a:endParaRPr lang="en-US" dirty="0" smtClean="0"/>
+          </a:p>
+          <a:p>
+            <a:r>
+              <a:rPr lang="en-US" dirty="0"/>
+              <a:t>Summary and Final </a:t>
+            </a:r>
+            <a:r>
+              <a:rPr lang="en-US" dirty="0" smtClean="0"/>
+              <a:t>Recommendations</a:t>
+            </a:r>
+          </a:p>
+          <a:p>
+            <a:r>
+              <a:rPr lang="en-US" dirty="0" smtClean="0"/>
+              <a:t>Next Steps</a:t>
+            </a:r>
+          </a:p>
+          <a:p>
+            <a:r>
+              <a:rPr lang="en-US" dirty="0" smtClean="0"/>
+              <a:t>Supplementary Slides</a:t>
+            </a:r>
+            <a:endParaRPr lang="en-US" dirty="0"/>
+          </a:p>
+          <a:p>
+            <a:endParaRPr lang="en-US" dirty="0" smtClean="0"/>
+          </a:p>
+          <a:p>
+            <a:endParaRPr lang="en-US" dirty="0" smtClean="0"/>
+          </a:p>
+          <a:p>
+            <a:endParaRPr lang="en-US" dirty="0"/>
+          </a:p>
+        </p:txBody>
+      </p:sp>
+      <p:pic>
+        <p:nvPicPr>
+          <p:cNvPr id="4" name="Picture 3"/>
+          <p:cNvPicPr>
+            <a:picLocks noChangeAspect="1"/>
+          </p:cNvPicPr>
+          <p:nvPr/>
+        </p:nvPicPr>
+        <p:blipFill rotWithShape="1">
+          <a:blip r:embed="rId2">
+            <a:extLst>
+              <a:ext uri="{28A0092B-C50C-407E-A947-70E740481C1C}">
+                <a14:useLocalDpi xmlns:a14="http://schemas.microsoft.com/office/drawing/2010/main" val="0"/>
+              </a:ext>
+            </a:extLst>
+          </a:blip>
+          <a:srcRect l="82890" t="34525"/>
+          <a:stretch/>
+        </p:blipFill>
+        <p:spPr>
+          <a:xfrm>
+            <a:off x="7476351" y="3389376"/>
+            <a:ext cx="1248939" cy="2944501"/>
+          </a:xfrm>
+          <a:prstGeom prst="rect">
+            <a:avLst/>
+          </a:prstGeom>
+        </p:spPr>
+      </p:pic>
+    </p:spTree>
+    <p:extLst>
+      <p:ext uri="{BB962C8B-B14F-4D97-AF65-F5344CB8AC3E}">
+        <p14:creationId xmlns:p14="http://schemas.microsoft.com/office/powerpoint/2010/main" val="1267664832"/>
+      </p:ext>
+    </p:extLst>
+  </p:cSld>
+  <p:clrMapOvr>
+    <a:masterClrMapping/>
+  </p:clrMapOvr>
+  <p:timing>
+    <p:tnLst>
+      <p:par>
+        <p:cTn id="1" dur="indefinite" restart="never" nodeType="tmRoot"/>
+      </p:par>
+    </p:tnLst>
+  </p:timing>
+</p:sld>
+</file>
+
+<file path=ppt/slides/slide20.xml><?xml version="1.0" encoding="utf-8"?>
+<p:sld xmlns:a="http://schemas.openxmlformats.org/drawingml/2006/main" xmlns:r="http://schemas.openxmlformats.org/officeDocument/2006/relationships" xmlns:p="http://schemas.openxmlformats.org/presentationml/2006/main">
+  <p:cSld>
+    <p:spTree>
+      <p:nvGrpSpPr>
+        <p:cNvPr id="1" name=""/>
+        <p:cNvGrpSpPr/>
+        <p:nvPr/>
+      </p:nvGrpSpPr>
+      <p:grpSpPr>
+        <a:xfrm>
+          <a:off x="0" y="0"/>
+          <a:ext cx="0" cy="0"/>
+          <a:chOff x="0" y="0"/>
+          <a:chExt cx="0" cy="0"/>
+        </a:xfrm>
+      </p:grpSpPr>
+      <p:sp>
+        <p:nvSpPr>
+          <p:cNvPr id="3" name="Content Placeholder 2"/>
+          <p:cNvSpPr>
+            <a:spLocks noGrp="1"/>
+          </p:cNvSpPr>
+          <p:nvPr>
+            <p:ph idx="1"/>
+          </p:nvPr>
+        </p:nvSpPr>
+        <p:spPr>
+          <a:xfrm>
+            <a:off x="715993" y="1724771"/>
+            <a:ext cx="10766612" cy="3249565"/>
+          </a:xfrm>
+        </p:spPr>
+        <p:style>
+          <a:lnRef idx="2">
+            <a:schemeClr val="dk1"/>
+          </a:lnRef>
+          <a:fillRef idx="1">
+            <a:schemeClr val="lt1"/>
+          </a:fillRef>
+          <a:effectRef idx="0">
+            <a:schemeClr val="dk1"/>
+          </a:effectRef>
+          <a:fontRef idx="minor">
+            <a:schemeClr val="dk1"/>
+          </a:fontRef>
+        </p:style>
+        <p:txBody>
+          <a:bodyPr>
+            <a:noAutofit/>
+          </a:bodyPr>
+          <a:lstStyle/>
+          <a:p>
+            <a:r>
+              <a:rPr lang="en-US" sz="2000" dirty="0" smtClean="0"/>
+              <a:t>If investors would like to pick lower-risk loans manually (without using our packages) but still would like to benefit from our analysis, We </a:t>
+            </a:r>
+            <a:r>
+              <a:rPr lang="en-US" sz="2000" dirty="0"/>
+              <a:t>recommend to </a:t>
+            </a:r>
+            <a:r>
+              <a:rPr lang="en-US" sz="2000" dirty="0" smtClean="0"/>
+              <a:t>follow these guidelines</a:t>
+            </a:r>
+            <a:r>
+              <a:rPr lang="en-US" sz="2000" smtClean="0"/>
+              <a:t>: </a:t>
+            </a:r>
+          </a:p>
+          <a:p>
+            <a:pPr marL="0" indent="0">
+              <a:buNone/>
+            </a:pPr>
+            <a:endParaRPr lang="en-US" sz="2000" dirty="0" smtClean="0"/>
+          </a:p>
+          <a:p>
+            <a:pPr marL="857250" lvl="1" indent="-400050">
+              <a:buFont typeface="+mj-lt"/>
+              <a:buAutoNum type="romanUcPeriod"/>
+            </a:pPr>
+            <a:r>
+              <a:rPr lang="en-US" sz="2000" dirty="0"/>
+              <a:t>T</a:t>
+            </a:r>
+            <a:r>
+              <a:rPr lang="en-US" sz="2000" dirty="0" smtClean="0"/>
+              <a:t>ake </a:t>
+            </a:r>
+            <a:r>
+              <a:rPr lang="en-US" sz="2000" dirty="0"/>
+              <a:t>into consideration </a:t>
+            </a:r>
+            <a:r>
+              <a:rPr lang="en-US" sz="2000" dirty="0" smtClean="0"/>
+              <a:t>low credit cores first</a:t>
+            </a:r>
+          </a:p>
+          <a:p>
+            <a:pPr marL="857250" lvl="1" indent="-400050">
+              <a:buFont typeface="+mj-lt"/>
+              <a:buAutoNum type="romanUcPeriod"/>
+            </a:pPr>
+            <a:r>
+              <a:rPr lang="en-US" sz="2000" dirty="0" smtClean="0"/>
+              <a:t>whether the income or the income source </a:t>
+            </a:r>
+            <a:r>
+              <a:rPr lang="en-US" sz="2000" b="1" dirty="0" smtClean="0"/>
+              <a:t>are</a:t>
+            </a:r>
+            <a:r>
+              <a:rPr lang="en-US" sz="2000" dirty="0" smtClean="0"/>
+              <a:t> verified (as they are more related to default than not) </a:t>
+            </a:r>
+          </a:p>
+          <a:p>
+            <a:pPr marL="857250" lvl="1" indent="-400050">
+              <a:buFont typeface="+mj-lt"/>
+              <a:buAutoNum type="romanUcPeriod"/>
+            </a:pPr>
+            <a:r>
+              <a:rPr lang="en-US" sz="2000" dirty="0" smtClean="0"/>
+              <a:t>Lookout for negative credit history </a:t>
+            </a:r>
+            <a:r>
+              <a:rPr lang="en-US" sz="2000" dirty="0"/>
+              <a:t>in the last 24 </a:t>
+            </a:r>
+            <a:r>
+              <a:rPr lang="en-US" sz="2000" dirty="0" smtClean="0"/>
+              <a:t>months. If it’s later than 24 months it’s </a:t>
+            </a:r>
+            <a:r>
+              <a:rPr lang="en-US" sz="2000" b="1" dirty="0" smtClean="0"/>
+              <a:t>even safer </a:t>
+            </a:r>
+            <a:r>
+              <a:rPr lang="en-US" sz="2000" dirty="0" smtClean="0"/>
+              <a:t>than loans with unknown history.</a:t>
+            </a:r>
+          </a:p>
+          <a:p>
+            <a:pPr marL="857250" lvl="1" indent="-400050">
+              <a:buFont typeface="+mj-lt"/>
+              <a:buAutoNum type="romanUcPeriod"/>
+            </a:pPr>
+            <a:r>
+              <a:rPr lang="en-US" sz="2000" dirty="0" smtClean="0"/>
+              <a:t>Counterintuitively  owners of homes have </a:t>
+            </a:r>
+            <a:r>
+              <a:rPr lang="en-US" sz="2000" b="1" dirty="0" smtClean="0"/>
+              <a:t>higher risk </a:t>
+            </a:r>
+            <a:r>
+              <a:rPr lang="en-US" sz="2000" dirty="0" smtClean="0"/>
+              <a:t>than mortgage payers</a:t>
+            </a:r>
+            <a:endParaRPr lang="en-US" sz="2000" dirty="0"/>
+          </a:p>
+          <a:p>
+            <a:pPr marL="400050" indent="-400050">
+              <a:buFont typeface="+mj-lt"/>
+              <a:buAutoNum type="romanUcPeriod"/>
+            </a:pPr>
+            <a:endParaRPr lang="en-US" sz="2000" dirty="0"/>
+          </a:p>
+          <a:p>
+            <a:endParaRPr lang="en-US" sz="2000" dirty="0"/>
+          </a:p>
+        </p:txBody>
+      </p:sp>
+      <p:sp>
+        <p:nvSpPr>
+          <p:cNvPr id="4" name="Rectangle 3"/>
+          <p:cNvSpPr/>
+          <p:nvPr/>
+        </p:nvSpPr>
+        <p:spPr>
+          <a:xfrm>
+            <a:off x="-175653" y="1114343"/>
+            <a:ext cx="10448366" cy="769441"/>
+          </a:xfrm>
+          <a:prstGeom prst="rect">
+            <a:avLst/>
+          </a:prstGeom>
+        </p:spPr>
+        <p:txBody>
+          <a:bodyPr wrap="square">
+            <a:spAutoFit/>
+          </a:bodyPr>
+          <a:lstStyle/>
+          <a:p>
+            <a:pPr lvl="2">
+              <a:buFont typeface="Wingdings" charset="2"/>
+              <a:buChar char="§"/>
+            </a:pPr>
+            <a:r>
+              <a:rPr lang="en-US" sz="2200" dirty="0" smtClean="0"/>
+              <a:t> </a:t>
+            </a:r>
+            <a:r>
+              <a:rPr lang="en-US" sz="2200" b="1" dirty="0" smtClean="0"/>
+              <a:t>Final conclusions and actionable recommendations for LendingClub investors</a:t>
+            </a:r>
+            <a:endParaRPr lang="en-US" sz="2200" b="1" dirty="0"/>
+          </a:p>
+          <a:p>
+            <a:pPr lvl="1">
+              <a:buFont typeface="Wingdings" charset="2"/>
+              <a:buChar char="§"/>
+            </a:pPr>
+            <a:endParaRPr lang="en-US" sz="2200" dirty="0"/>
+          </a:p>
+        </p:txBody>
+      </p:sp>
+      <p:sp>
+        <p:nvSpPr>
+          <p:cNvPr id="6" name="Title 1"/>
+          <p:cNvSpPr txBox="1">
+            <a:spLocks/>
+          </p:cNvSpPr>
+          <p:nvPr/>
+        </p:nvSpPr>
+        <p:spPr>
+          <a:xfrm>
+            <a:off x="558989" y="145735"/>
+            <a:ext cx="11080620" cy="1325563"/>
+          </a:xfrm>
+          <a:prstGeom prst="rect">
+            <a:avLst/>
+          </a:prstGeom>
+        </p:spPr>
+        <p:txBody>
+          <a:bodyPr vert="horz" lIns="91440" tIns="45720" rIns="91440" bIns="45720" rtlCol="0" anchor="ctr">
+            <a:normAutofit/>
+          </a:bodyPr>
+          <a:lstStyle>
+            <a:lvl1pPr algn="l" defTabSz="914400" rtl="0" eaLnBrk="1" latinLnBrk="0" hangingPunct="1">
+              <a:lnSpc>
+                <a:spcPct val="90000"/>
+              </a:lnSpc>
+              <a:spcBef>
+                <a:spcPct val="0"/>
+              </a:spcBef>
+              <a:buNone/>
+              <a:defRPr sz="4400" kern="1200">
+                <a:solidFill>
+                  <a:schemeClr val="tx1"/>
+                </a:solidFill>
+                <a:latin typeface="+mj-lt"/>
+                <a:ea typeface="+mj-ea"/>
+                <a:cs typeface="+mj-cs"/>
+              </a:defRPr>
+            </a:lvl1pPr>
+          </a:lstStyle>
+          <a:p>
             <a:r>
               <a:rPr lang="en-US" sz="3200" dirty="0">
                 <a:latin typeface="+mn-lt"/>
                 <a:ea typeface="+mn-ea"/>
                 <a:cs typeface="+mn-cs"/>
               </a:rPr>
-              <a:t>M</a:t>
-            </a:r>
-            <a:r>
-              <a:rPr lang="en-US" sz="3200" dirty="0" smtClean="0">
-                <a:latin typeface="+mn-lt"/>
-                <a:ea typeface="+mn-ea"/>
-                <a:cs typeface="+mn-cs"/>
-              </a:rPr>
-              <a:t>odel </a:t>
-            </a:r>
-            <a:r>
-              <a:rPr lang="en-US" sz="3200" dirty="0">
-                <a:latin typeface="+mn-lt"/>
-                <a:ea typeface="+mn-ea"/>
-                <a:cs typeface="+mn-cs"/>
-              </a:rPr>
-              <a:t>and </a:t>
-            </a:r>
-            <a:r>
-              <a:rPr lang="en-US" sz="3200" dirty="0" smtClean="0">
-                <a:latin typeface="+mn-lt"/>
-                <a:ea typeface="+mn-ea"/>
-                <a:cs typeface="+mn-cs"/>
-              </a:rPr>
-              <a:t>Final </a:t>
-            </a:r>
-            <a:r>
-              <a:rPr lang="en-US" sz="3200" dirty="0">
-                <a:latin typeface="+mn-lt"/>
-                <a:ea typeface="+mn-ea"/>
-                <a:cs typeface="+mn-cs"/>
-              </a:rPr>
-              <a:t>R</a:t>
-            </a:r>
-            <a:r>
-              <a:rPr lang="en-US" sz="3200" dirty="0" smtClean="0">
-                <a:latin typeface="+mn-lt"/>
-                <a:ea typeface="+mn-ea"/>
-                <a:cs typeface="+mn-cs"/>
-              </a:rPr>
-              <a:t>ecommendations</a:t>
-            </a:r>
-            <a:endParaRPr lang="en-US" sz="3200" dirty="0">
-              <a:latin typeface="+mn-lt"/>
-              <a:ea typeface="+mn-ea"/>
-              <a:cs typeface="+mn-cs"/>
-            </a:endParaRPr>
+              <a:t>Summary and Final Recommendations</a:t>
+            </a:r>
           </a:p>
         </p:txBody>
       </p:sp>
     </p:spTree>
     <p:extLst>
       <p:ext uri="{BB962C8B-B14F-4D97-AF65-F5344CB8AC3E}">
-        <p14:creationId xmlns:p14="http://schemas.microsoft.com/office/powerpoint/2010/main" val="327102674"/>
+        <p14:creationId xmlns:p14="http://schemas.microsoft.com/office/powerpoint/2010/main" val="434476975"/>
+      </p:ext>
+    </p:extLst>
+  </p:cSld>
+  <p:clrMapOvr>
+    <a:masterClrMapping/>
+  </p:clrMapOvr>
+  <p:timing>
+    <p:tnLst>
+      <p:par>
+        <p:cTn id="1" dur="indefinite" restart="never" nodeType="tmRoot"/>
+      </p:par>
+    </p:tnLst>
+  </p:timing>
+</p:sld>
+</file>
+
+<file path=ppt/slides/slide21.xml><?xml version="1.0" encoding="utf-8"?>
+<p:sld xmlns:a="http://schemas.openxmlformats.org/drawingml/2006/main" xmlns:r="http://schemas.openxmlformats.org/officeDocument/2006/relationships" xmlns:p="http://schemas.openxmlformats.org/presentationml/2006/main">
+  <p:cSld>
+    <p:spTree>
+      <p:nvGrpSpPr>
+        <p:cNvPr id="1" name=""/>
+        <p:cNvGrpSpPr/>
+        <p:nvPr/>
+      </p:nvGrpSpPr>
+      <p:grpSpPr>
+        <a:xfrm>
+          <a:off x="0" y="0"/>
+          <a:ext cx="0" cy="0"/>
+          <a:chOff x="0" y="0"/>
+          <a:chExt cx="0" cy="0"/>
+        </a:xfrm>
+      </p:grpSpPr>
+      <p:sp>
+        <p:nvSpPr>
+          <p:cNvPr id="3" name="Content Placeholder 2"/>
+          <p:cNvSpPr>
+            <a:spLocks noGrp="1"/>
+          </p:cNvSpPr>
+          <p:nvPr>
+            <p:ph idx="1"/>
+          </p:nvPr>
+        </p:nvSpPr>
+        <p:spPr>
+          <a:xfrm>
+            <a:off x="1137980" y="1502895"/>
+            <a:ext cx="8932612" cy="5355105"/>
+          </a:xfrm>
+        </p:spPr>
+        <p:txBody>
+          <a:bodyPr>
+            <a:normAutofit/>
+          </a:bodyPr>
+          <a:lstStyle/>
+          <a:p>
+            <a:r>
+              <a:rPr lang="en-US" sz="2200" dirty="0" smtClean="0"/>
+              <a:t>Continue Feature engineering efforts</a:t>
+            </a:r>
+          </a:p>
+          <a:p>
+            <a:r>
+              <a:rPr lang="en-US" sz="2200" dirty="0" smtClean="0"/>
+              <a:t>The data could be enriched further with publically available data, e.g. Implementing data on locations using zip etc.  </a:t>
+            </a:r>
+          </a:p>
+          <a:p>
+            <a:r>
+              <a:rPr lang="en-US" sz="2200" dirty="0" smtClean="0"/>
+              <a:t>Run the model on the ”current” data </a:t>
+            </a:r>
+            <a:r>
+              <a:rPr lang="en-US" sz="2200" dirty="0" smtClean="0">
+                <a:sym typeface="Wingdings"/>
+              </a:rPr>
+              <a:t> </a:t>
+            </a:r>
+            <a:r>
+              <a:rPr lang="en-US" sz="2200" dirty="0" smtClean="0"/>
+              <a:t>explore the features that are related to default class </a:t>
+            </a:r>
+            <a:r>
+              <a:rPr lang="en-US" sz="2200" dirty="0" smtClean="0">
+                <a:sym typeface="Wingdings"/>
+              </a:rPr>
+              <a:t> try to find new features that are correlated to the default class </a:t>
+            </a:r>
+            <a:r>
+              <a:rPr lang="en-US" sz="2200" dirty="0" smtClean="0"/>
+              <a:t> between</a:t>
+            </a:r>
+          </a:p>
+          <a:p>
+            <a:r>
+              <a:rPr lang="en-US" sz="2200" dirty="0" smtClean="0"/>
+              <a:t>Try different classification models, Do residual analysis on current model</a:t>
+            </a:r>
+          </a:p>
+          <a:p>
+            <a:r>
+              <a:rPr lang="en-US" sz="2200" dirty="0" smtClean="0"/>
+              <a:t>“Anomaly detection” on current data</a:t>
+            </a:r>
+          </a:p>
+          <a:p>
+            <a:endParaRPr lang="en-US" sz="2200" b="1" i="1" dirty="0" smtClean="0"/>
+          </a:p>
+          <a:p>
+            <a:endParaRPr lang="en-US" sz="2200" b="1" i="1" dirty="0" smtClean="0"/>
+          </a:p>
+        </p:txBody>
+      </p:sp>
+      <p:sp>
+        <p:nvSpPr>
+          <p:cNvPr id="4" name="TextBox 3"/>
+          <p:cNvSpPr txBox="1"/>
+          <p:nvPr/>
+        </p:nvSpPr>
+        <p:spPr>
+          <a:xfrm>
+            <a:off x="985580" y="733454"/>
+            <a:ext cx="1957715" cy="954107"/>
+          </a:xfrm>
+          <a:prstGeom prst="rect">
+            <a:avLst/>
+          </a:prstGeom>
+          <a:noFill/>
+        </p:spPr>
+        <p:txBody>
+          <a:bodyPr wrap="none" rtlCol="0">
+            <a:spAutoFit/>
+          </a:bodyPr>
+          <a:lstStyle/>
+          <a:p>
+            <a:r>
+              <a:rPr lang="en-US" sz="3200" dirty="0"/>
+              <a:t>Next Steps</a:t>
+            </a:r>
+          </a:p>
+          <a:p>
+            <a:endParaRPr lang="en-US" sz="2400" dirty="0"/>
+          </a:p>
+        </p:txBody>
+      </p:sp>
+      <p:pic>
+        <p:nvPicPr>
+          <p:cNvPr id="5" name="Picture 4"/>
+          <p:cNvPicPr>
+            <a:picLocks noChangeAspect="1"/>
+          </p:cNvPicPr>
+          <p:nvPr/>
+        </p:nvPicPr>
+        <p:blipFill rotWithShape="1">
+          <a:blip r:embed="rId2">
+            <a:extLst>
+              <a:ext uri="{28A0092B-C50C-407E-A947-70E740481C1C}">
+                <a14:useLocalDpi xmlns:a14="http://schemas.microsoft.com/office/drawing/2010/main" val="0"/>
+              </a:ext>
+            </a:extLst>
+          </a:blip>
+          <a:srcRect l="82890" t="34525"/>
+          <a:stretch/>
+        </p:blipFill>
+        <p:spPr>
+          <a:xfrm>
+            <a:off x="9446122" y="3425952"/>
+            <a:ext cx="1248939" cy="2944501"/>
+          </a:xfrm>
+          <a:prstGeom prst="rect">
+            <a:avLst/>
+          </a:prstGeom>
+        </p:spPr>
+      </p:pic>
+    </p:spTree>
+    <p:extLst>
+      <p:ext uri="{BB962C8B-B14F-4D97-AF65-F5344CB8AC3E}">
+        <p14:creationId xmlns:p14="http://schemas.microsoft.com/office/powerpoint/2010/main" val="813095115"/>
       </p:ext>
     </p:extLst>
   </p:cSld>
@@ -12641,46 +11759,73 @@
         </p:nvSpPr>
         <p:spPr>
           <a:xfrm>
-            <a:off x="838200" y="1825625"/>
-            <a:ext cx="10515600" cy="1137031"/>
+            <a:off x="667512" y="2006790"/>
+            <a:ext cx="10515600" cy="4351338"/>
           </a:xfrm>
-          <a:solidFill>
-            <a:srgbClr val="FFFF00"/>
-          </a:solidFill>
         </p:spPr>
         <p:txBody>
-          <a:bodyPr/>
-          <a:lstStyle/>
-          <a:p>
-            <a:r>
-              <a:rPr lang="en-US" dirty="0" smtClean="0"/>
-              <a:t>Supplementary </a:t>
-            </a:r>
-            <a:r>
-              <a:rPr lang="en-US" smtClean="0"/>
-              <a:t>slides </a:t>
-            </a:r>
-            <a:endParaRPr lang="en-US" dirty="0"/>
-          </a:p>
-          <a:p>
-            <a:r>
-              <a:rPr lang="en-US" dirty="0" smtClean="0"/>
-              <a:t>The following pages are irrelevant as of now</a:t>
-            </a:r>
-            <a:endParaRPr lang="en-US" dirty="0"/>
-          </a:p>
-        </p:txBody>
-      </p:sp>
+          <a:bodyPr>
+            <a:normAutofit/>
+          </a:bodyPr>
+          <a:lstStyle/>
+          <a:p>
+            <a:pPr marL="0" indent="0" algn="ctr">
+              <a:buNone/>
+            </a:pPr>
+            <a:r>
+              <a:rPr lang="en-US" sz="8800" dirty="0" smtClean="0"/>
+              <a:t>Q &amp; A</a:t>
+            </a:r>
+            <a:endParaRPr lang="en-US" sz="8800" dirty="0"/>
+          </a:p>
+        </p:txBody>
+      </p:sp>
+      <p:pic>
+        <p:nvPicPr>
+          <p:cNvPr id="4" name="Picture 3"/>
+          <p:cNvPicPr>
+            <a:picLocks noChangeAspect="1"/>
+          </p:cNvPicPr>
+          <p:nvPr/>
+        </p:nvPicPr>
+        <p:blipFill rotWithShape="1">
+          <a:blip r:embed="rId2">
+            <a:extLst>
+              <a:ext uri="{28A0092B-C50C-407E-A947-70E740481C1C}">
+                <a14:useLocalDpi xmlns:a14="http://schemas.microsoft.com/office/drawing/2010/main" val="0"/>
+              </a:ext>
+            </a:extLst>
+          </a:blip>
+          <a:srcRect l="-1674" t="34525" r="25406"/>
+          <a:stretch/>
+        </p:blipFill>
+        <p:spPr>
+          <a:xfrm>
+            <a:off x="3560731" y="3633216"/>
+            <a:ext cx="4729162" cy="2501221"/>
+          </a:xfrm>
+          <a:prstGeom prst="rect">
+            <a:avLst/>
+          </a:prstGeom>
+        </p:spPr>
+      </p:pic>
     </p:spTree>
     <p:extLst>
       <p:ext uri="{BB962C8B-B14F-4D97-AF65-F5344CB8AC3E}">
-        <p14:creationId xmlns:p14="http://schemas.microsoft.com/office/powerpoint/2010/main" val="1627823134"/>
+        <p14:creationId xmlns:p14="http://schemas.microsoft.com/office/powerpoint/2010/main" val="659652772"/>
       </p:ext>
     </p:extLst>
   </p:cSld>
   <p:clrMapOvr>
     <a:masterClrMapping/>
   </p:clrMapOvr>
+  <p:timing>
+    <p:tnLst>
+      <p:par>
+        <p:cTn id="1" dur="indefinite" restart="never" nodeType="tmRoot"/>
+      </p:par>
+    </p:tnLst>
+  </p:timing>
 </p:sld>
 </file>
 
@@ -12713,330 +11858,32 @@
         </p:nvSpPr>
         <p:spPr>
           <a:xfrm>
-            <a:off x="824753" y="2296271"/>
-            <a:ext cx="10739718" cy="2934635"/>
+            <a:off x="411480" y="2557145"/>
+            <a:ext cx="10515600" cy="1137031"/>
           </a:xfrm>
+          <a:noFill/>
         </p:spPr>
-        <p:style>
-          <a:lnRef idx="2">
-            <a:schemeClr val="dk1"/>
-          </a:lnRef>
-          <a:fillRef idx="1">
-            <a:schemeClr val="lt1"/>
-          </a:fillRef>
-          <a:effectRef idx="0">
-            <a:schemeClr val="dk1"/>
-          </a:effectRef>
-          <a:fontRef idx="minor">
-            <a:schemeClr val="dk1"/>
-          </a:fontRef>
-        </p:style>
         <p:txBody>
           <a:bodyPr>
             <a:normAutofit/>
           </a:bodyPr>
           <a:lstStyle/>
           <a:p>
-            <a:r>
-              <a:rPr lang="en-US" sz="1800" dirty="0" smtClean="0"/>
-              <a:t>We </a:t>
-            </a:r>
-            <a:r>
-              <a:rPr lang="en-US" sz="1800" dirty="0"/>
-              <a:t>suggest </a:t>
-            </a:r>
-            <a:r>
-              <a:rPr lang="en-US" sz="1800" dirty="0" smtClean="0"/>
-              <a:t>to take </a:t>
-            </a:r>
-            <a:r>
-              <a:rPr lang="en-US" sz="1800" dirty="0"/>
-              <a:t>preemptive measures as well as spraying infested locations. Since </a:t>
-            </a:r>
-            <a:r>
-              <a:rPr lang="en-US" sz="1800" dirty="0">
-                <a:solidFill>
-                  <a:schemeClr val="dk1"/>
-                </a:solidFill>
-              </a:rPr>
-              <a:t>June</a:t>
-            </a:r>
-            <a:r>
-              <a:rPr lang="en-US" sz="1800" dirty="0"/>
-              <a:t> has the highest occurrences of WNV, whilst not being the hottest, driest and least </a:t>
-            </a:r>
-            <a:r>
-              <a:rPr lang="en-US" sz="1800" dirty="0" smtClean="0"/>
-              <a:t>windy, we </a:t>
-            </a:r>
-            <a:r>
-              <a:rPr lang="en-US" sz="1800" dirty="0"/>
-              <a:t>could assume that the high occurrences are due to reactive measures </a:t>
-            </a:r>
-            <a:r>
-              <a:rPr lang="en-US" sz="1800" dirty="0" smtClean="0"/>
-              <a:t>to </a:t>
-            </a:r>
-            <a:r>
-              <a:rPr lang="en-US" sz="1800" dirty="0"/>
-              <a:t>eradicate </a:t>
-            </a:r>
-            <a:r>
-              <a:rPr lang="en-US" sz="1800" dirty="0" smtClean="0"/>
-              <a:t>mosquitos been taken </a:t>
-            </a:r>
-            <a:r>
-              <a:rPr lang="en-US" sz="1800" dirty="0"/>
-              <a:t>too late in the season (only after locations become infested).</a:t>
-            </a:r>
-          </a:p>
-          <a:p>
-            <a:r>
-              <a:rPr lang="en-US" sz="1800" dirty="0"/>
-              <a:t>We </a:t>
-            </a:r>
-            <a:r>
-              <a:rPr lang="en-US" sz="1800" dirty="0" smtClean="0"/>
-              <a:t>propose </a:t>
-            </a:r>
-            <a:r>
-              <a:rPr lang="en-US" sz="1800" dirty="0"/>
-              <a:t>to invest efforts in prevention, starting from increasing awareness of the general population </a:t>
-            </a:r>
-            <a:r>
-              <a:rPr lang="en-US" sz="1800" dirty="0" smtClean="0"/>
-              <a:t>(e.g. to </a:t>
-            </a:r>
-            <a:r>
-              <a:rPr lang="en-US" sz="1800" dirty="0"/>
-              <a:t>not leave exposed untreated water </a:t>
-            </a:r>
-            <a:r>
-              <a:rPr lang="en-US" sz="1800" dirty="0" smtClean="0"/>
-              <a:t>such as </a:t>
-            </a:r>
-            <a:r>
-              <a:rPr lang="en-US" sz="1800" dirty="0"/>
-              <a:t>ponds and pools in their yard)</a:t>
-            </a:r>
-          </a:p>
-          <a:p>
-            <a:r>
-              <a:rPr lang="en-US" sz="1800" dirty="0" smtClean="0"/>
-              <a:t>Additionally, </a:t>
-            </a:r>
-            <a:r>
-              <a:rPr lang="en-US" sz="1800" dirty="0"/>
-              <a:t>since one specie (</a:t>
-            </a:r>
-            <a:r>
-              <a:rPr lang="en-US" sz="1800" dirty="0" err="1"/>
-              <a:t>Culex</a:t>
-            </a:r>
-            <a:r>
-              <a:rPr lang="en-US" sz="1800" dirty="0"/>
-              <a:t> </a:t>
-            </a:r>
-            <a:r>
-              <a:rPr lang="en-US" sz="1800" dirty="0" err="1" smtClean="0"/>
-              <a:t>Pipiens</a:t>
-            </a:r>
-            <a:r>
-              <a:rPr lang="en-US" sz="1800" dirty="0" smtClean="0"/>
-              <a:t>) </a:t>
-            </a:r>
-            <a:r>
-              <a:rPr lang="en-US" sz="1800" dirty="0"/>
-              <a:t>stands out as a carrier with higher rates of WNV, We suggest to increase efforts in preventing the proliferation of this specie in particular. This could be done with more specific and </a:t>
-            </a:r>
-            <a:r>
-              <a:rPr lang="en-US" sz="1800" dirty="0" smtClean="0"/>
-              <a:t>environmentally </a:t>
-            </a:r>
-            <a:r>
-              <a:rPr lang="en-US" sz="1800" dirty="0"/>
-              <a:t>friendly measures (e.g. "targeted biological mosquito control") which would make the process of lowering </a:t>
-            </a:r>
-            <a:r>
-              <a:rPr lang="en-US" sz="1800" dirty="0" smtClean="0"/>
-              <a:t>occurrences </a:t>
-            </a:r>
-            <a:r>
-              <a:rPr lang="en-US" sz="1800" dirty="0"/>
-              <a:t>more efficient and less </a:t>
-            </a:r>
-            <a:r>
-              <a:rPr lang="en-US" sz="1800" dirty="0" smtClean="0"/>
-              <a:t>costly</a:t>
-            </a:r>
-            <a:endParaRPr lang="en-US" sz="1800" dirty="0"/>
-          </a:p>
-        </p:txBody>
-      </p:sp>
-      <p:sp>
-        <p:nvSpPr>
-          <p:cNvPr id="6" name="Rectangle 5"/>
-          <p:cNvSpPr/>
-          <p:nvPr/>
-        </p:nvSpPr>
-        <p:spPr>
-          <a:xfrm>
-            <a:off x="-161366" y="1323098"/>
-            <a:ext cx="7261413" cy="1107996"/>
-          </a:xfrm>
-          <a:prstGeom prst="rect">
-            <a:avLst/>
-          </a:prstGeom>
-        </p:spPr>
-        <p:txBody>
-          <a:bodyPr wrap="square">
-            <a:spAutoFit/>
-          </a:bodyPr>
-          <a:lstStyle/>
-          <a:p>
-            <a:pPr lvl="2">
-              <a:buFont typeface="Wingdings" charset="2"/>
-              <a:buChar char="§"/>
+            <a:pPr marL="0" indent="0" algn="ctr">
+              <a:buNone/>
             </a:pPr>
             <a:r>
-              <a:rPr lang="en-US" sz="2200" dirty="0" smtClean="0"/>
-              <a:t> </a:t>
-            </a:r>
-            <a:r>
-              <a:rPr lang="en-US" sz="2200" b="1" dirty="0" smtClean="0"/>
-              <a:t>Final </a:t>
-            </a:r>
-            <a:r>
-              <a:rPr lang="en-US" sz="2200" b="1" dirty="0"/>
-              <a:t>actionable recommendations for Chicago Municipality and Department of Public Health</a:t>
-            </a:r>
-          </a:p>
-          <a:p>
-            <a:pPr lvl="1">
-              <a:buFont typeface="Wingdings" charset="2"/>
-              <a:buChar char="§"/>
-            </a:pPr>
-            <a:endParaRPr lang="en-US" sz="2200" dirty="0"/>
-          </a:p>
-        </p:txBody>
-      </p:sp>
-      <p:sp>
-        <p:nvSpPr>
-          <p:cNvPr id="7" name="Title 1"/>
-          <p:cNvSpPr txBox="1">
-            <a:spLocks/>
-          </p:cNvSpPr>
-          <p:nvPr/>
-        </p:nvSpPr>
-        <p:spPr>
-          <a:xfrm>
-            <a:off x="558989" y="145735"/>
-            <a:ext cx="11080620" cy="1325563"/>
-          </a:xfrm>
-          <a:prstGeom prst="rect">
-            <a:avLst/>
-          </a:prstGeom>
-        </p:spPr>
-        <p:txBody>
-          <a:bodyPr vert="horz" lIns="91440" tIns="45720" rIns="91440" bIns="45720" rtlCol="0" anchor="ctr">
-            <a:normAutofit/>
-          </a:bodyPr>
-          <a:lstStyle>
-            <a:lvl1pPr algn="l" defTabSz="914400" rtl="0" eaLnBrk="1" latinLnBrk="0" hangingPunct="1">
-              <a:lnSpc>
-                <a:spcPct val="90000"/>
-              </a:lnSpc>
-              <a:spcBef>
-                <a:spcPct val="0"/>
-              </a:spcBef>
-              <a:buNone/>
-              <a:defRPr sz="4400" kern="1200">
-                <a:solidFill>
-                  <a:schemeClr val="tx1"/>
-                </a:solidFill>
-                <a:latin typeface="+mj-lt"/>
-                <a:ea typeface="+mj-ea"/>
-                <a:cs typeface="+mj-cs"/>
-              </a:defRPr>
-            </a:lvl1pPr>
-          </a:lstStyle>
-          <a:p>
-            <a:r>
-              <a:rPr lang="en-US" sz="3200" dirty="0">
-                <a:latin typeface="+mn-lt"/>
-                <a:ea typeface="+mn-ea"/>
-                <a:cs typeface="+mn-cs"/>
-              </a:rPr>
-              <a:t>Summary of the </a:t>
-            </a:r>
-            <a:r>
-              <a:rPr lang="en-US" sz="3200" dirty="0" smtClean="0">
-                <a:latin typeface="+mn-lt"/>
-                <a:ea typeface="+mn-ea"/>
-                <a:cs typeface="+mn-cs"/>
-              </a:rPr>
-              <a:t>Proposed </a:t>
-            </a:r>
-            <a:r>
-              <a:rPr lang="en-US" sz="3200" dirty="0">
-                <a:latin typeface="+mn-lt"/>
-                <a:ea typeface="+mn-ea"/>
-                <a:cs typeface="+mn-cs"/>
-              </a:rPr>
-              <a:t>M</a:t>
-            </a:r>
-            <a:r>
-              <a:rPr lang="en-US" sz="3200" dirty="0" smtClean="0">
-                <a:latin typeface="+mn-lt"/>
-                <a:ea typeface="+mn-ea"/>
-                <a:cs typeface="+mn-cs"/>
-              </a:rPr>
-              <a:t>odel </a:t>
-            </a:r>
-            <a:r>
-              <a:rPr lang="en-US" sz="3200" dirty="0">
-                <a:latin typeface="+mn-lt"/>
-                <a:ea typeface="+mn-ea"/>
-                <a:cs typeface="+mn-cs"/>
-              </a:rPr>
-              <a:t>and </a:t>
-            </a:r>
-            <a:r>
-              <a:rPr lang="en-US" sz="3200" dirty="0" smtClean="0">
-                <a:latin typeface="+mn-lt"/>
-                <a:ea typeface="+mn-ea"/>
-                <a:cs typeface="+mn-cs"/>
-              </a:rPr>
-              <a:t>Final </a:t>
-            </a:r>
-            <a:r>
-              <a:rPr lang="en-US" sz="3200" dirty="0">
-                <a:latin typeface="+mn-lt"/>
-                <a:ea typeface="+mn-ea"/>
-                <a:cs typeface="+mn-cs"/>
-              </a:rPr>
-              <a:t>R</a:t>
-            </a:r>
-            <a:r>
-              <a:rPr lang="en-US" sz="3200" dirty="0" smtClean="0">
-                <a:latin typeface="+mn-lt"/>
-                <a:ea typeface="+mn-ea"/>
-                <a:cs typeface="+mn-cs"/>
-              </a:rPr>
-              <a:t>ecommendations</a:t>
-            </a:r>
-            <a:endParaRPr lang="en-US" sz="3200" dirty="0">
-              <a:latin typeface="+mn-lt"/>
-              <a:ea typeface="+mn-ea"/>
-              <a:cs typeface="+mn-cs"/>
-            </a:endParaRPr>
+              <a:rPr lang="en-US" sz="6600" dirty="0" smtClean="0"/>
+              <a:t>Supplementary slides </a:t>
+            </a:r>
+            <a:endParaRPr lang="en-US" sz="6600" dirty="0"/>
           </a:p>
         </p:txBody>
       </p:sp>
     </p:spTree>
     <p:extLst>
       <p:ext uri="{BB962C8B-B14F-4D97-AF65-F5344CB8AC3E}">
-        <p14:creationId xmlns:p14="http://schemas.microsoft.com/office/powerpoint/2010/main" val="56505598"/>
+        <p14:creationId xmlns:p14="http://schemas.microsoft.com/office/powerpoint/2010/main" val="1627823134"/>
       </p:ext>
     </p:extLst>
   </p:cSld>
@@ -13072,285 +11919,378 @@
       </p:grpSpPr>
       <p:sp>
         <p:nvSpPr>
-          <p:cNvPr id="3" name="Content Placeholder 2"/>
-          <p:cNvSpPr>
-            <a:spLocks noGrp="1"/>
+          <p:cNvPr id="10" name="Title 1"/>
+          <p:cNvSpPr txBox="1">
+            <a:spLocks/>
           </p:cNvSpPr>
-          <p:nvPr>
-            <p:ph idx="1"/>
-          </p:nvPr>
+          <p:nvPr/>
         </p:nvSpPr>
         <p:spPr>
           <a:xfrm>
-            <a:off x="784412" y="1502895"/>
-            <a:ext cx="10515600" cy="5355105"/>
-          </a:xfrm>
-        </p:spPr>
-        <p:txBody>
-          <a:bodyPr>
-            <a:normAutofit/>
-          </a:bodyPr>
-          <a:lstStyle/>
-          <a:p>
-            <a:r>
-              <a:rPr lang="en-US" sz="1800" dirty="0" smtClean="0"/>
-              <a:t>AUC </a:t>
-            </a:r>
-            <a:r>
-              <a:rPr lang="en-US" sz="1800" dirty="0"/>
-              <a:t>under the ROC curve is ~89% so the model is robust enough to allow </a:t>
-            </a:r>
-            <a:r>
-              <a:rPr lang="en-US" sz="1800" dirty="0" smtClean="0"/>
-              <a:t>flexible </a:t>
-            </a:r>
-            <a:r>
-              <a:rPr lang="en-US" sz="1800" dirty="0"/>
-              <a:t>choice of thresholds ( choosing the most fitting recall vs precision rates)</a:t>
-            </a:r>
-          </a:p>
-          <a:p>
-            <a:r>
-              <a:rPr lang="en-US" sz="1800" dirty="0"/>
-              <a:t>The model is based on the assumption that the number of mosquitos is a valid info that could be collected and used for prediction. The model's performance would change if we exclude the </a:t>
-            </a:r>
-            <a:r>
-              <a:rPr lang="en-US" sz="1800" dirty="0" smtClean="0"/>
-              <a:t>‘Number of Mosquitos’ feature. At that </a:t>
-            </a:r>
-            <a:r>
-              <a:rPr lang="en-US" sz="1800" dirty="0"/>
-              <a:t>scenario we will use all other features to predict the number of mosquitos, and then use that prediction as a new feature in a new classification model, to make a new prediction for the WNV </a:t>
-            </a:r>
-            <a:r>
-              <a:rPr lang="en-US" sz="1800" dirty="0" smtClean="0"/>
-              <a:t>occurrences. </a:t>
-            </a:r>
-            <a:r>
-              <a:rPr lang="en-US" sz="1800" dirty="0"/>
-              <a:t>We can expect </a:t>
-            </a:r>
-            <a:r>
-              <a:rPr lang="en-US" sz="1800" dirty="0" smtClean="0"/>
-              <a:t>the performance </a:t>
-            </a:r>
-            <a:r>
-              <a:rPr lang="en-US" sz="1800" dirty="0"/>
-              <a:t>of this model </a:t>
-            </a:r>
-            <a:r>
-              <a:rPr lang="en-US" sz="1800" dirty="0" smtClean="0"/>
-              <a:t>to </a:t>
-            </a:r>
-            <a:r>
-              <a:rPr lang="en-US" sz="1800" dirty="0"/>
-              <a:t>be lower.</a:t>
-            </a:r>
-          </a:p>
-          <a:p>
-            <a:r>
-              <a:rPr lang="en-US" sz="1800" dirty="0"/>
-              <a:t>The spray data was implemented with the hypothesis that recently sprayed sites would effect the </a:t>
-            </a:r>
-            <a:r>
-              <a:rPr lang="en-US" sz="1800" dirty="0" smtClean="0"/>
-              <a:t>occurrences </a:t>
-            </a:r>
-            <a:r>
-              <a:rPr lang="en-US" sz="1800" dirty="0"/>
-              <a:t>of WNV. after </a:t>
-            </a:r>
-            <a:r>
-              <a:rPr lang="en-US" sz="1800" dirty="0" smtClean="0"/>
-              <a:t>EDA</a:t>
-            </a:r>
-            <a:r>
-              <a:rPr lang="en-US" sz="1800" dirty="0"/>
-              <a:t>, </a:t>
-            </a:r>
-            <a:r>
-              <a:rPr lang="en-US" sz="1800" dirty="0" smtClean="0"/>
-              <a:t>occurrences </a:t>
-            </a:r>
-            <a:r>
-              <a:rPr lang="en-US" sz="1800" dirty="0"/>
-              <a:t>seem to not vary (on average) and since the number of observations taken from recently sprayed sites were low (79), these observations were not excluded from the dataset with the rational that they would not effect the model's performance.</a:t>
-            </a:r>
-          </a:p>
-          <a:p>
-            <a:r>
-              <a:rPr lang="en-US" sz="1800" dirty="0"/>
-              <a:t>The data could be enriched further with </a:t>
-            </a:r>
-            <a:r>
-              <a:rPr lang="en-US" sz="1800" dirty="0" smtClean="0"/>
-              <a:t>publically available </a:t>
-            </a:r>
-            <a:r>
-              <a:rPr lang="en-US" sz="1800" dirty="0"/>
-              <a:t>data, e.g. Implementing data on locations of exposed water reservoirs, lakes and other bodies of fresh water which might be correlated to increased mosquito population</a:t>
-            </a:r>
-            <a:r>
-              <a:rPr lang="en-US" sz="1800" dirty="0" smtClean="0"/>
-              <a:t>.</a:t>
-            </a:r>
-            <a:endParaRPr lang="en-US" sz="1800" dirty="0"/>
-          </a:p>
-          <a:p>
-            <a:endParaRPr lang="en-US" sz="1800" dirty="0" smtClean="0"/>
-          </a:p>
-          <a:p>
-            <a:pPr marL="0" indent="0">
-              <a:buNone/>
-            </a:pPr>
-            <a:r>
-              <a:rPr lang="en-US" sz="1800" b="1" i="1" dirty="0" smtClean="0"/>
-              <a:t>* All rights reserved to Eran Schenker</a:t>
-            </a:r>
-            <a:endParaRPr lang="en-US" sz="1800" b="1" i="1" dirty="0"/>
-          </a:p>
-          <a:p>
-            <a:endParaRPr lang="en-US" sz="1800" dirty="0"/>
-          </a:p>
-        </p:txBody>
-      </p:sp>
-      <p:sp>
-        <p:nvSpPr>
-          <p:cNvPr id="4" name="TextBox 3"/>
-          <p:cNvSpPr txBox="1"/>
-          <p:nvPr/>
-        </p:nvSpPr>
-        <p:spPr>
-          <a:xfrm>
-            <a:off x="632012" y="733454"/>
-            <a:ext cx="6813532" cy="769441"/>
+            <a:off x="816164" y="-69310"/>
+            <a:ext cx="11080620" cy="1325563"/>
           </a:xfrm>
           <a:prstGeom prst="rect">
             <a:avLst/>
           </a:prstGeom>
-          <a:noFill/>
         </p:spPr>
         <p:txBody>
-          <a:bodyPr wrap="none" rtlCol="0">
-            <a:spAutoFit/>
+          <a:bodyPr vert="horz" lIns="91440" tIns="45720" rIns="91440" bIns="45720" rtlCol="0" anchor="ctr">
+            <a:normAutofit/>
           </a:bodyPr>
-          <a:lstStyle/>
-          <a:p>
-            <a:r>
-              <a:rPr lang="en-US" sz="2200" b="1" dirty="0"/>
-              <a:t>Supplementary Slide - Project </a:t>
-            </a:r>
-            <a:r>
-              <a:rPr lang="en-US" sz="2200" b="1" dirty="0" smtClean="0"/>
-              <a:t>Discussion and Final </a:t>
-            </a:r>
-            <a:r>
-              <a:rPr lang="en-US" sz="2200" b="1" dirty="0"/>
-              <a:t>N</a:t>
-            </a:r>
-            <a:r>
-              <a:rPr lang="en-US" sz="2200" b="1" dirty="0" smtClean="0"/>
-              <a:t>otes</a:t>
-            </a:r>
-            <a:endParaRPr lang="en-US" sz="2200" b="1" dirty="0"/>
-          </a:p>
-          <a:p>
-            <a:endParaRPr lang="en-US" sz="2200" dirty="0"/>
-          </a:p>
-        </p:txBody>
-      </p:sp>
-      <p:sp>
-        <p:nvSpPr>
-          <p:cNvPr id="5" name="TextBox 4"/>
-          <p:cNvSpPr txBox="1"/>
+          <a:lstStyle>
+            <a:lvl1pPr algn="l" defTabSz="914400" rtl="0" eaLnBrk="1" latinLnBrk="0" hangingPunct="1">
+              <a:lnSpc>
+                <a:spcPct val="90000"/>
+              </a:lnSpc>
+              <a:spcBef>
+                <a:spcPct val="0"/>
+              </a:spcBef>
+              <a:buNone/>
+              <a:defRPr sz="4400" kern="1200">
+                <a:solidFill>
+                  <a:schemeClr val="tx1"/>
+                </a:solidFill>
+                <a:latin typeface="+mj-lt"/>
+                <a:ea typeface="+mj-ea"/>
+                <a:cs typeface="+mj-cs"/>
+              </a:defRPr>
+            </a:lvl1pPr>
+          </a:lstStyle>
+          <a:p>
+            <a:r>
+              <a:rPr lang="en-US" sz="3200" dirty="0">
+                <a:latin typeface="+mn-lt"/>
+                <a:ea typeface="+mn-ea"/>
+                <a:cs typeface="+mn-cs"/>
+              </a:rPr>
+              <a:t>Summary of the </a:t>
+            </a:r>
+            <a:r>
+              <a:rPr lang="en-US" sz="3200" dirty="0" smtClean="0">
+                <a:latin typeface="+mn-lt"/>
+                <a:ea typeface="+mn-ea"/>
+                <a:cs typeface="+mn-cs"/>
+              </a:rPr>
+              <a:t>Proposed </a:t>
+            </a:r>
+            <a:r>
+              <a:rPr lang="en-US" sz="3200" dirty="0">
+                <a:latin typeface="+mn-lt"/>
+                <a:ea typeface="+mn-ea"/>
+                <a:cs typeface="+mn-cs"/>
+              </a:rPr>
+              <a:t>M</a:t>
+            </a:r>
+            <a:r>
+              <a:rPr lang="en-US" sz="3200" dirty="0" smtClean="0">
+                <a:latin typeface="+mn-lt"/>
+                <a:ea typeface="+mn-ea"/>
+                <a:cs typeface="+mn-cs"/>
+              </a:rPr>
+              <a:t>odel </a:t>
+            </a:r>
+            <a:r>
+              <a:rPr lang="en-US" sz="3200" dirty="0">
+                <a:latin typeface="+mn-lt"/>
+                <a:ea typeface="+mn-ea"/>
+                <a:cs typeface="+mn-cs"/>
+              </a:rPr>
+              <a:t>and </a:t>
+            </a:r>
+            <a:r>
+              <a:rPr lang="en-US" sz="3200" dirty="0" smtClean="0">
+                <a:latin typeface="+mn-lt"/>
+                <a:ea typeface="+mn-ea"/>
+                <a:cs typeface="+mn-cs"/>
+              </a:rPr>
+              <a:t>Final </a:t>
+            </a:r>
+            <a:r>
+              <a:rPr lang="en-US" sz="3200" dirty="0">
+                <a:latin typeface="+mn-lt"/>
+                <a:ea typeface="+mn-ea"/>
+                <a:cs typeface="+mn-cs"/>
+              </a:rPr>
+              <a:t>R</a:t>
+            </a:r>
+            <a:r>
+              <a:rPr lang="en-US" sz="3200" dirty="0" smtClean="0">
+                <a:latin typeface="+mn-lt"/>
+                <a:ea typeface="+mn-ea"/>
+                <a:cs typeface="+mn-cs"/>
+              </a:rPr>
+              <a:t>ecommendations</a:t>
+            </a:r>
+            <a:endParaRPr lang="en-US" sz="3200" dirty="0">
+              <a:latin typeface="+mn-lt"/>
+              <a:ea typeface="+mn-ea"/>
+              <a:cs typeface="+mn-cs"/>
+            </a:endParaRPr>
+          </a:p>
+        </p:txBody>
+      </p:sp>
+      <p:pic>
+        <p:nvPicPr>
+          <p:cNvPr id="31" name="Picture 30"/>
+          <p:cNvPicPr>
+            <a:picLocks noChangeAspect="1"/>
+          </p:cNvPicPr>
           <p:nvPr/>
-        </p:nvSpPr>
+        </p:nvPicPr>
+        <p:blipFill rotWithShape="1">
+          <a:blip r:embed="rId2">
+            <a:extLst>
+              <a:ext uri="{28A0092B-C50C-407E-A947-70E740481C1C}">
+                <a14:useLocalDpi xmlns:a14="http://schemas.microsoft.com/office/drawing/2010/main" val="0"/>
+              </a:ext>
+            </a:extLst>
+          </a:blip>
+          <a:srcRect t="37062" r="24107" b="1013"/>
+          <a:stretch/>
+        </p:blipFill>
         <p:spPr>
           <a:xfrm>
-            <a:off x="8457132" y="4507493"/>
-            <a:ext cx="2842880" cy="2031325"/>
+            <a:off x="6399899" y="1882188"/>
+            <a:ext cx="3277505" cy="4864395"/>
           </a:xfrm>
           <a:prstGeom prst="rect">
             <a:avLst/>
           </a:prstGeom>
-          <a:noFill/>
-          <a:ln w="12700">
-            <a:solidFill>
-              <a:schemeClr val="tx1"/>
-            </a:solidFill>
-          </a:ln>
         </p:spPr>
+      </p:pic>
+      <p:grpSp>
+        <p:nvGrpSpPr>
+          <p:cNvPr id="35" name="Group 34"/>
+          <p:cNvGrpSpPr/>
+          <p:nvPr/>
+        </p:nvGrpSpPr>
+        <p:grpSpPr>
+          <a:xfrm>
+            <a:off x="3291840" y="2581814"/>
+            <a:ext cx="2950465" cy="4164769"/>
+            <a:chOff x="2018701" y="2875278"/>
+            <a:chExt cx="2367147" cy="3413746"/>
+          </a:xfrm>
+        </p:grpSpPr>
+        <p:pic>
+          <p:nvPicPr>
+            <p:cNvPr id="7" name="Picture 6"/>
+            <p:cNvPicPr>
+              <a:picLocks noChangeAspect="1"/>
+            </p:cNvPicPr>
+            <p:nvPr/>
+          </p:nvPicPr>
+          <p:blipFill rotWithShape="1">
+            <a:blip r:embed="rId2">
+              <a:extLst>
+                <a:ext uri="{28A0092B-C50C-407E-A947-70E740481C1C}">
+                  <a14:useLocalDpi xmlns:a14="http://schemas.microsoft.com/office/drawing/2010/main" val="0"/>
+                </a:ext>
+              </a:extLst>
+            </a:blip>
+            <a:srcRect r="31475" b="62990"/>
+            <a:stretch/>
+          </p:blipFill>
+          <p:spPr>
+            <a:xfrm>
+              <a:off x="2018701" y="2875278"/>
+              <a:ext cx="2367147" cy="2382998"/>
+            </a:xfrm>
+            <a:prstGeom prst="rect">
+              <a:avLst/>
+            </a:prstGeom>
+          </p:spPr>
+        </p:pic>
+        <p:pic>
+          <p:nvPicPr>
+            <p:cNvPr id="32" name="Picture 31"/>
+            <p:cNvPicPr>
+              <a:picLocks noChangeAspect="1"/>
+            </p:cNvPicPr>
+            <p:nvPr/>
+          </p:nvPicPr>
+          <p:blipFill rotWithShape="1">
+            <a:blip r:embed="rId2">
+              <a:extLst>
+                <a:ext uri="{28A0092B-C50C-407E-A947-70E740481C1C}">
+                  <a14:useLocalDpi xmlns:a14="http://schemas.microsoft.com/office/drawing/2010/main" val="0"/>
+                </a:ext>
+              </a:extLst>
+            </a:blip>
+            <a:srcRect t="82949" r="31475" b="1013"/>
+            <a:stretch/>
+          </p:blipFill>
+          <p:spPr>
+            <a:xfrm>
+              <a:off x="2018701" y="5256360"/>
+              <a:ext cx="2367147" cy="1032664"/>
+            </a:xfrm>
+            <a:prstGeom prst="rect">
+              <a:avLst/>
+            </a:prstGeom>
+          </p:spPr>
+        </p:pic>
+      </p:grpSp>
+      <p:pic>
+        <p:nvPicPr>
+          <p:cNvPr id="33" name="Picture 32"/>
+          <p:cNvPicPr>
+            <a:picLocks noChangeAspect="1"/>
+          </p:cNvPicPr>
+          <p:nvPr/>
+        </p:nvPicPr>
+        <p:blipFill rotWithShape="1">
+          <a:blip r:embed="rId2">
+            <a:extLst>
+              <a:ext uri="{28A0092B-C50C-407E-A947-70E740481C1C}">
+                <a14:useLocalDpi xmlns:a14="http://schemas.microsoft.com/office/drawing/2010/main" val="0"/>
+              </a:ext>
+            </a:extLst>
+          </a:blip>
+          <a:srcRect l="68425" t="195" b="1013"/>
+          <a:stretch/>
+        </p:blipFill>
+        <p:spPr>
+          <a:xfrm>
+            <a:off x="9442830" y="1792224"/>
+            <a:ext cx="1104929" cy="4572000"/>
+          </a:xfrm>
+          <a:prstGeom prst="rect">
+            <a:avLst/>
+          </a:prstGeom>
+        </p:spPr>
+      </p:pic>
+      <p:sp>
+        <p:nvSpPr>
+          <p:cNvPr id="36" name="TextBox 35"/>
+          <p:cNvSpPr txBox="1"/>
+          <p:nvPr/>
+        </p:nvSpPr>
+        <p:spPr>
+          <a:xfrm>
+            <a:off x="1358719" y="1917249"/>
+            <a:ext cx="2125531" cy="1323439"/>
+          </a:xfrm>
+          <a:prstGeom prst="rect">
+            <a:avLst/>
+          </a:prstGeom>
+        </p:spPr>
+        <p:style>
+          <a:lnRef idx="2">
+            <a:schemeClr val="dk1"/>
+          </a:lnRef>
+          <a:fillRef idx="1">
+            <a:schemeClr val="lt1"/>
+          </a:fillRef>
+          <a:effectRef idx="0">
+            <a:schemeClr val="dk1"/>
+          </a:effectRef>
+          <a:fontRef idx="minor">
+            <a:schemeClr val="dk1"/>
+          </a:fontRef>
+        </p:style>
         <p:txBody>
           <a:bodyPr wrap="square" rtlCol="0">
             <a:spAutoFit/>
           </a:bodyPr>
           <a:lstStyle/>
           <a:p>
-            <a:pPr marL="285750" indent="-285750">
-              <a:buFont typeface="Arial" charset="0"/>
-              <a:buChar char="•"/>
+            <a:pPr>
+              <a:spcBef>
+                <a:spcPts val="100"/>
+              </a:spcBef>
+              <a:spcAft>
+                <a:spcPts val="100"/>
+              </a:spcAft>
             </a:pPr>
             <a:r>
-              <a:rPr lang="en-US" b="1" dirty="0" smtClean="0"/>
-              <a:t>Features with </a:t>
-            </a:r>
-            <a:r>
-              <a:rPr lang="en-US" b="1" dirty="0" err="1" smtClean="0"/>
-              <a:t>anomalie</a:t>
-            </a:r>
-            <a:r>
-              <a:rPr lang="en-US" b="1" dirty="0" smtClean="0"/>
-              <a:t>:</a:t>
-            </a:r>
-            <a:r>
-              <a:rPr lang="en-US" dirty="0" smtClean="0"/>
-              <a:t> </a:t>
-            </a:r>
-          </a:p>
-          <a:p>
-            <a:pPr marL="742950" lvl="1" indent="-285750">
+              <a:rPr lang="en-US" sz="1600" dirty="0" smtClean="0"/>
+              <a:t>A </a:t>
+            </a:r>
+            <a:r>
+              <a:rPr lang="en-US" sz="1600" dirty="0" smtClean="0">
+                <a:solidFill>
+                  <a:srgbClr val="000000"/>
+                </a:solidFill>
+                <a:latin typeface="Helvetica Neue" charset="0"/>
+              </a:rPr>
+              <a:t>heat-map </a:t>
+            </a:r>
+            <a:r>
+              <a:rPr lang="en-US" sz="1600" dirty="0">
+                <a:solidFill>
+                  <a:srgbClr val="000000"/>
+                </a:solidFill>
+                <a:latin typeface="Helvetica Neue" charset="0"/>
+              </a:rPr>
+              <a:t>of correlations can give a better sense of how these factors are linked to </a:t>
+            </a:r>
+            <a:r>
+              <a:rPr lang="en-US" sz="1600" dirty="0" smtClean="0">
+                <a:solidFill>
+                  <a:srgbClr val="000000"/>
+                </a:solidFill>
+                <a:latin typeface="Helvetica Neue" charset="0"/>
+              </a:rPr>
+              <a:t>defaults</a:t>
+            </a:r>
+          </a:p>
+        </p:txBody>
+      </p:sp>
+      <p:sp>
+        <p:nvSpPr>
+          <p:cNvPr id="37" name="Rectangle 36"/>
+          <p:cNvSpPr/>
+          <p:nvPr/>
+        </p:nvSpPr>
+        <p:spPr>
+          <a:xfrm>
+            <a:off x="-383988" y="1216957"/>
+            <a:ext cx="8565776" cy="461665"/>
+          </a:xfrm>
+          <a:prstGeom prst="rect">
+            <a:avLst/>
+          </a:prstGeom>
+        </p:spPr>
+        <p:txBody>
+          <a:bodyPr wrap="square">
+            <a:spAutoFit/>
+          </a:bodyPr>
+          <a:lstStyle/>
+          <a:p>
+            <a:pPr lvl="2">
               <a:buFont typeface="Wingdings" charset="2"/>
               <a:buChar char="§"/>
             </a:pPr>
             <a:r>
-              <a:rPr lang="en-US" dirty="0" err="1" smtClean="0"/>
-              <a:t>revol_bal</a:t>
-            </a:r>
-            <a:r>
-              <a:rPr lang="en-US" dirty="0" smtClean="0"/>
-              <a:t> (no difference)</a:t>
-            </a:r>
-          </a:p>
-          <a:p>
-            <a:pPr marL="742950" lvl="1" indent="-285750">
-              <a:buFont typeface="Wingdings" charset="2"/>
-              <a:buChar char="§"/>
-            </a:pPr>
-            <a:r>
-              <a:rPr lang="en-US" dirty="0" smtClean="0"/>
-              <a:t>Grade with greatest default </a:t>
-            </a:r>
-          </a:p>
-          <a:p>
-            <a:pPr marL="742950" lvl="1" indent="-285750">
-              <a:buFont typeface="Wingdings" charset="2"/>
-              <a:buChar char="§"/>
-            </a:pPr>
-            <a:endParaRPr lang="en-US" dirty="0" smtClean="0"/>
-          </a:p>
-          <a:p>
-            <a:pPr marL="742950" lvl="1" indent="-285750">
-              <a:buFont typeface="Wingdings" charset="2"/>
-              <a:buChar char="§"/>
-            </a:pPr>
-            <a:endParaRPr lang="en-US" dirty="0"/>
+              <a:rPr lang="en-US" sz="2400" b="1" dirty="0" smtClean="0"/>
+              <a:t> What the </a:t>
+            </a:r>
+            <a:r>
+              <a:rPr lang="en-US" sz="2400" b="1" dirty="0"/>
+              <a:t>model is revealing to us </a:t>
+            </a:r>
+            <a:r>
+              <a:rPr lang="en-US" sz="2400" b="1"/>
+              <a:t>about </a:t>
+            </a:r>
+            <a:r>
+              <a:rPr lang="en-US" sz="2400" b="1" smtClean="0"/>
+              <a:t>Default </a:t>
+            </a:r>
+            <a:r>
+              <a:rPr lang="en-US" sz="2400" b="1" dirty="0" smtClean="0"/>
+              <a:t>factors? </a:t>
+            </a:r>
+            <a:endParaRPr lang="en-US" sz="2400" b="1" dirty="0"/>
           </a:p>
         </p:txBody>
       </p:sp>
     </p:spTree>
     <p:extLst>
       <p:ext uri="{BB962C8B-B14F-4D97-AF65-F5344CB8AC3E}">
-        <p14:creationId xmlns:p14="http://schemas.microsoft.com/office/powerpoint/2010/main" val="813095115"/>
+        <p14:creationId xmlns:p14="http://schemas.microsoft.com/office/powerpoint/2010/main" val="1340223490"/>
       </p:ext>
     </p:extLst>
   </p:cSld>
@@ -13360,80 +12300,9 @@
   <p:timing>
     <p:tnLst>
       <p:par>
-        <p:cTn id="1" dur="indefinite" restart="never" nodeType="tmRoot">
-          <p:childTnLst>
-            <p:seq concurrent="1" nextAc="seek">
-              <p:cTn id="2" dur="indefinite" nodeType="mainSeq">
-                <p:childTnLst>
-                  <p:par>
-                    <p:cTn id="3" fill="hold">
-                      <p:stCondLst>
-                        <p:cond delay="indefinite"/>
-                      </p:stCondLst>
-                      <p:childTnLst>
-                        <p:par>
-                          <p:cTn id="4" fill="hold">
-                            <p:stCondLst>
-                              <p:cond delay="0"/>
-                            </p:stCondLst>
-                            <p:childTnLst>
-                              <p:par>
-                                <p:cTn id="5" presetID="1" presetClass="entr" presetSubtype="0" fill="hold" grpId="0" nodeType="clickEffect">
-                                  <p:stCondLst>
-                                    <p:cond delay="0"/>
-                                  </p:stCondLst>
-                                  <p:childTnLst>
-                                    <p:set>
-                                      <p:cBhvr>
-                                        <p:cTn id="6" dur="1" fill="hold">
-                                          <p:stCondLst>
-                                            <p:cond delay="0"/>
-                                          </p:stCondLst>
-                                        </p:cTn>
-                                        <p:tgtEl>
-                                          <p:spTgt spid="5"/>
-                                        </p:tgtEl>
-                                        <p:attrNameLst>
-                                          <p:attrName>style.visibility</p:attrName>
-                                        </p:attrNameLst>
-                                      </p:cBhvr>
-                                      <p:to>
-                                        <p:strVal val="visible"/>
-                                      </p:to>
-                                    </p:set>
-                                  </p:childTnLst>
-                                </p:cTn>
-                              </p:par>
-                            </p:childTnLst>
-                          </p:cTn>
-                        </p:par>
-                      </p:childTnLst>
-                    </p:cTn>
-                  </p:par>
-                </p:childTnLst>
-              </p:cTn>
-              <p:prevCondLst>
-                <p:cond evt="onPrev" delay="0">
-                  <p:tgtEl>
-                    <p:sldTgt/>
-                  </p:tgtEl>
-                </p:cond>
-              </p:prevCondLst>
-              <p:nextCondLst>
-                <p:cond evt="onNext" delay="0">
-                  <p:tgtEl>
-                    <p:sldTgt/>
-                  </p:tgtEl>
-                </p:cond>
-              </p:nextCondLst>
-            </p:seq>
-          </p:childTnLst>
-        </p:cTn>
+        <p:cTn id="1" dur="indefinite" restart="never" nodeType="tmRoot"/>
       </p:par>
     </p:tnLst>
-    <p:bldLst>
-      <p:bldP spid="5" grpId="0" animBg="1"/>
-    </p:bldLst>
   </p:timing>
 </p:sld>
 </file>
@@ -13457,158 +12326,803 @@
       </p:grpSpPr>
       <p:sp>
         <p:nvSpPr>
-          <p:cNvPr id="3" name="Content Placeholder 2"/>
-          <p:cNvSpPr>
-            <a:spLocks noGrp="1"/>
-          </p:cNvSpPr>
-          <p:nvPr>
-            <p:ph idx="1"/>
-          </p:nvPr>
+          <p:cNvPr id="12" name="Rectangle 11"/>
+          <p:cNvSpPr/>
+          <p:nvPr/>
         </p:nvSpPr>
         <p:spPr>
           <a:xfrm>
-            <a:off x="784412" y="1502895"/>
-            <a:ext cx="10515600" cy="5355105"/>
+            <a:off x="249746" y="2372740"/>
+            <a:ext cx="5822733" cy="2333972"/>
           </a:xfrm>
+          <a:prstGeom prst="rect">
+            <a:avLst/>
+          </a:prstGeom>
+          <a:ln>
+            <a:noFill/>
+          </a:ln>
         </p:spPr>
-        <p:txBody>
-          <a:bodyPr>
+        <p:style>
+          <a:lnRef idx="2">
+            <a:schemeClr val="dk1"/>
+          </a:lnRef>
+          <a:fillRef idx="1">
+            <a:schemeClr val="lt1"/>
+          </a:fillRef>
+          <a:effectRef idx="0">
+            <a:schemeClr val="dk1"/>
+          </a:effectRef>
+          <a:fontRef idx="minor">
+            <a:schemeClr val="dk1"/>
+          </a:fontRef>
+        </p:style>
+        <p:txBody>
+          <a:bodyPr wrap="square">
+            <a:spAutoFit/>
+          </a:bodyPr>
+          <a:lstStyle/>
+          <a:p>
+            <a:pPr marL="285750" indent="-285750">
+              <a:spcBef>
+                <a:spcPts val="100"/>
+              </a:spcBef>
+              <a:spcAft>
+                <a:spcPts val="100"/>
+              </a:spcAft>
+              <a:buFont typeface="Arial" charset="0"/>
+              <a:buChar char="•"/>
+            </a:pPr>
+            <a:r>
+              <a:rPr lang="en-US" sz="1600" b="1" u="sng" dirty="0" smtClean="0">
+                <a:solidFill>
+                  <a:srgbClr val="000000"/>
+                </a:solidFill>
+                <a:latin typeface="Helvetica Neue" charset="0"/>
+              </a:rPr>
+              <a:t>Credit score related features </a:t>
+            </a:r>
+            <a:r>
+              <a:rPr lang="en-US" sz="1600" dirty="0" smtClean="0">
+                <a:solidFill>
+                  <a:srgbClr val="000000"/>
+                </a:solidFill>
+                <a:latin typeface="Helvetica Neue" charset="0"/>
+              </a:rPr>
+              <a:t>(grade, subgrade and </a:t>
+            </a:r>
+            <a:r>
+              <a:rPr lang="en-US" sz="1600" dirty="0" err="1" smtClean="0">
+                <a:solidFill>
+                  <a:srgbClr val="000000"/>
+                </a:solidFill>
+                <a:latin typeface="Helvetica Neue" charset="0"/>
+              </a:rPr>
+              <a:t>int_rate</a:t>
+            </a:r>
+            <a:r>
+              <a:rPr lang="en-US" sz="1600" dirty="0" smtClean="0">
+                <a:solidFill>
+                  <a:srgbClr val="000000"/>
+                </a:solidFill>
+                <a:latin typeface="Helvetica Neue" charset="0"/>
+              </a:rPr>
+              <a:t>) play an important role in the model, affirming that on average, credit score counts as expected (although it might put borrowers at risk in the first place due to higher monthly fees).</a:t>
+            </a:r>
+          </a:p>
+          <a:p>
+            <a:pPr marL="285750" indent="-285750">
+              <a:spcBef>
+                <a:spcPts val="100"/>
+              </a:spcBef>
+              <a:spcAft>
+                <a:spcPts val="100"/>
+              </a:spcAft>
+              <a:buFont typeface="Arial" charset="0"/>
+              <a:buChar char="•"/>
+            </a:pPr>
+            <a:r>
+              <a:rPr lang="en-US" sz="1600" dirty="0" smtClean="0">
+                <a:solidFill>
+                  <a:srgbClr val="000000"/>
+                </a:solidFill>
+                <a:latin typeface="Helvetica Neue" charset="0"/>
+              </a:rPr>
+              <a:t>Even a stronger predictor is </a:t>
+            </a:r>
+            <a:r>
+              <a:rPr lang="en-US" sz="1600" b="1" u="sng" dirty="0" smtClean="0">
+                <a:solidFill>
+                  <a:srgbClr val="000000"/>
+                </a:solidFill>
+                <a:latin typeface="Helvetica Neue" charset="0"/>
+              </a:rPr>
+              <a:t>homeownership status</a:t>
+            </a:r>
+            <a:r>
+              <a:rPr lang="en-US" sz="1600" dirty="0" smtClean="0">
+                <a:solidFill>
+                  <a:srgbClr val="000000"/>
+                </a:solidFill>
+                <a:latin typeface="Helvetica Neue" charset="0"/>
+              </a:rPr>
+              <a:t>, we suggest that the reason is that it defines more strictly the borrowers (renters and </a:t>
+            </a:r>
+            <a:r>
+              <a:rPr lang="en-US" sz="1600" dirty="0">
+                <a:solidFill>
+                  <a:srgbClr val="000000"/>
+                </a:solidFill>
+                <a:latin typeface="Helvetica Neue" charset="0"/>
+              </a:rPr>
+              <a:t>m</a:t>
+            </a:r>
+            <a:r>
+              <a:rPr lang="en-US" sz="1600" dirty="0" smtClean="0">
+                <a:solidFill>
+                  <a:srgbClr val="000000"/>
+                </a:solidFill>
+                <a:latin typeface="Helvetica Neue" charset="0"/>
+              </a:rPr>
+              <a:t>ortgage payers have high monthly payments)  </a:t>
+            </a:r>
+            <a:endParaRPr lang="en-US" sz="1600" b="1" u="sng" dirty="0" smtClean="0">
+              <a:solidFill>
+                <a:srgbClr val="000000"/>
+              </a:solidFill>
+              <a:latin typeface="Helvetica Neue" charset="0"/>
+            </a:endParaRPr>
+          </a:p>
+        </p:txBody>
+      </p:sp>
+      <p:pic>
+        <p:nvPicPr>
+          <p:cNvPr id="13" name="Picture 12"/>
+          <p:cNvPicPr>
+            <a:picLocks noChangeAspect="1"/>
+          </p:cNvPicPr>
+          <p:nvPr/>
+        </p:nvPicPr>
+        <p:blipFill>
+          <a:blip r:embed="rId2">
+            <a:extLst>
+              <a:ext uri="{28A0092B-C50C-407E-A947-70E740481C1C}">
+                <a14:useLocalDpi xmlns:a14="http://schemas.microsoft.com/office/drawing/2010/main" val="0"/>
+              </a:ext>
+            </a:extLst>
+          </a:blip>
+          <a:stretch>
+            <a:fillRect/>
+          </a:stretch>
+        </p:blipFill>
+        <p:spPr>
+          <a:xfrm>
+            <a:off x="6072479" y="2060680"/>
+            <a:ext cx="5901804" cy="2667000"/>
+          </a:xfrm>
+          <a:prstGeom prst="rect">
+            <a:avLst/>
+          </a:prstGeom>
+        </p:spPr>
+      </p:pic>
+      <p:sp>
+        <p:nvSpPr>
+          <p:cNvPr id="16" name="Title 1"/>
+          <p:cNvSpPr txBox="1">
+            <a:spLocks/>
+          </p:cNvSpPr>
+          <p:nvPr/>
+        </p:nvSpPr>
+        <p:spPr>
+          <a:xfrm>
+            <a:off x="558989" y="145735"/>
+            <a:ext cx="11080620" cy="1325563"/>
+          </a:xfrm>
+          <a:prstGeom prst="rect">
+            <a:avLst/>
+          </a:prstGeom>
+        </p:spPr>
+        <p:txBody>
+          <a:bodyPr vert="horz" lIns="91440" tIns="45720" rIns="91440" bIns="45720" rtlCol="0" anchor="ctr">
             <a:normAutofit/>
           </a:bodyPr>
-          <a:lstStyle/>
-          <a:p>
-            <a:r>
-              <a:rPr lang="en-US" sz="1800" dirty="0" smtClean="0"/>
-              <a:t>AUC </a:t>
-            </a:r>
-            <a:r>
-              <a:rPr lang="en-US" sz="1800" dirty="0"/>
-              <a:t>under the ROC curve is ~89% so the model is robust enough to allow </a:t>
-            </a:r>
-            <a:r>
-              <a:rPr lang="en-US" sz="1800" dirty="0" smtClean="0"/>
-              <a:t>flexible </a:t>
-            </a:r>
-            <a:r>
-              <a:rPr lang="en-US" sz="1800" dirty="0"/>
-              <a:t>choice of thresholds ( choosing the most fitting recall vs precision rates)</a:t>
-            </a:r>
-          </a:p>
-          <a:p>
-            <a:r>
-              <a:rPr lang="en-US" sz="1800" dirty="0"/>
-              <a:t>The model is based on the assumption that the number of mosquitos is a valid info that could be collected and used for prediction. The model's performance would change if we exclude the </a:t>
-            </a:r>
-            <a:r>
-              <a:rPr lang="en-US" sz="1800" dirty="0" smtClean="0"/>
-              <a:t>‘Number of Mosquitos’ feature. At that </a:t>
-            </a:r>
-            <a:r>
-              <a:rPr lang="en-US" sz="1800" dirty="0"/>
-              <a:t>scenario we will use all other features to predict the number of mosquitos, and then use that prediction as a new feature in a new classification model, to make a new prediction for the WNV </a:t>
-            </a:r>
-            <a:r>
-              <a:rPr lang="en-US" sz="1800" dirty="0" smtClean="0"/>
-              <a:t>occurrences. </a:t>
-            </a:r>
-            <a:r>
-              <a:rPr lang="en-US" sz="1800" dirty="0"/>
-              <a:t>We can expect </a:t>
-            </a:r>
-            <a:r>
-              <a:rPr lang="en-US" sz="1800" dirty="0" smtClean="0"/>
-              <a:t>the performance </a:t>
-            </a:r>
-            <a:r>
-              <a:rPr lang="en-US" sz="1800" dirty="0"/>
-              <a:t>of this model </a:t>
-            </a:r>
-            <a:r>
-              <a:rPr lang="en-US" sz="1800" dirty="0" smtClean="0"/>
-              <a:t>to </a:t>
-            </a:r>
-            <a:r>
-              <a:rPr lang="en-US" sz="1800" dirty="0"/>
-              <a:t>be lower.</a:t>
-            </a:r>
-          </a:p>
-          <a:p>
-            <a:r>
-              <a:rPr lang="en-US" sz="1800" dirty="0"/>
-              <a:t>The spray data was implemented with the hypothesis that recently sprayed sites would effect the </a:t>
-            </a:r>
-            <a:r>
-              <a:rPr lang="en-US" sz="1800" dirty="0" smtClean="0"/>
-              <a:t>occurrences </a:t>
-            </a:r>
-            <a:r>
-              <a:rPr lang="en-US" sz="1800" dirty="0"/>
-              <a:t>of WNV. after </a:t>
-            </a:r>
-            <a:r>
-              <a:rPr lang="en-US" sz="1800" dirty="0" smtClean="0"/>
-              <a:t>EDA</a:t>
-            </a:r>
-            <a:r>
-              <a:rPr lang="en-US" sz="1800" dirty="0"/>
-              <a:t>, </a:t>
-            </a:r>
-            <a:r>
-              <a:rPr lang="en-US" sz="1800" dirty="0" smtClean="0"/>
-              <a:t>occurrences </a:t>
-            </a:r>
-            <a:r>
-              <a:rPr lang="en-US" sz="1800" dirty="0"/>
-              <a:t>seem to not vary (on average) and since the number of observations taken from recently sprayed sites were low (79), these observations were not excluded from the dataset with the rational that they would not effect the model's performance.</a:t>
-            </a:r>
-          </a:p>
-          <a:p>
-            <a:r>
-              <a:rPr lang="en-US" sz="1800" dirty="0"/>
-              <a:t>The data could be enriched further with </a:t>
-            </a:r>
-            <a:r>
-              <a:rPr lang="en-US" sz="1800" dirty="0" smtClean="0"/>
-              <a:t>publically available </a:t>
-            </a:r>
-            <a:r>
-              <a:rPr lang="en-US" sz="1800" dirty="0"/>
-              <a:t>data, e.g. Implementing data on locations of exposed water reservoirs, lakes and other bodies of fresh water which might be correlated to increased mosquito population</a:t>
-            </a:r>
-            <a:r>
-              <a:rPr lang="en-US" sz="1800" dirty="0" smtClean="0"/>
-              <a:t>.</a:t>
-            </a:r>
-            <a:endParaRPr lang="en-US" sz="1800" dirty="0"/>
-          </a:p>
-          <a:p>
-            <a:endParaRPr lang="en-US" sz="1800" dirty="0" smtClean="0"/>
-          </a:p>
-          <a:p>
-            <a:pPr marL="0" indent="0">
+          <a:lstStyle>
+            <a:lvl1pPr algn="l" defTabSz="914400" rtl="0" eaLnBrk="1" latinLnBrk="0" hangingPunct="1">
+              <a:lnSpc>
+                <a:spcPct val="90000"/>
+              </a:lnSpc>
+              <a:spcBef>
+                <a:spcPct val="0"/>
+              </a:spcBef>
               <a:buNone/>
+              <a:defRPr sz="4400" kern="1200">
+                <a:solidFill>
+                  <a:schemeClr val="tx1"/>
+                </a:solidFill>
+                <a:latin typeface="+mj-lt"/>
+                <a:ea typeface="+mj-ea"/>
+                <a:cs typeface="+mj-cs"/>
+              </a:defRPr>
+            </a:lvl1pPr>
+          </a:lstStyle>
+          <a:p>
+            <a:r>
+              <a:rPr lang="en-US" sz="3200" dirty="0">
+                <a:latin typeface="+mn-lt"/>
+                <a:ea typeface="+mn-ea"/>
+                <a:cs typeface="+mn-cs"/>
+              </a:rPr>
+              <a:t>Summary of the </a:t>
+            </a:r>
+            <a:r>
+              <a:rPr lang="en-US" sz="3200" dirty="0" smtClean="0">
+                <a:latin typeface="+mn-lt"/>
+                <a:ea typeface="+mn-ea"/>
+                <a:cs typeface="+mn-cs"/>
+              </a:rPr>
+              <a:t>Proposed </a:t>
+            </a:r>
+            <a:r>
+              <a:rPr lang="en-US" sz="3200" dirty="0">
+                <a:latin typeface="+mn-lt"/>
+                <a:ea typeface="+mn-ea"/>
+                <a:cs typeface="+mn-cs"/>
+              </a:rPr>
+              <a:t>M</a:t>
+            </a:r>
+            <a:r>
+              <a:rPr lang="en-US" sz="3200" dirty="0" smtClean="0">
+                <a:latin typeface="+mn-lt"/>
+                <a:ea typeface="+mn-ea"/>
+                <a:cs typeface="+mn-cs"/>
+              </a:rPr>
+              <a:t>odel </a:t>
+            </a:r>
+            <a:r>
+              <a:rPr lang="en-US" sz="3200" dirty="0">
+                <a:latin typeface="+mn-lt"/>
+                <a:ea typeface="+mn-ea"/>
+                <a:cs typeface="+mn-cs"/>
+              </a:rPr>
+              <a:t>and </a:t>
+            </a:r>
+            <a:r>
+              <a:rPr lang="en-US" sz="3200" dirty="0" smtClean="0">
+                <a:latin typeface="+mn-lt"/>
+                <a:ea typeface="+mn-ea"/>
+                <a:cs typeface="+mn-cs"/>
+              </a:rPr>
+              <a:t>Final </a:t>
+            </a:r>
+            <a:r>
+              <a:rPr lang="en-US" sz="3200" dirty="0">
+                <a:latin typeface="+mn-lt"/>
+                <a:ea typeface="+mn-ea"/>
+                <a:cs typeface="+mn-cs"/>
+              </a:rPr>
+              <a:t>R</a:t>
+            </a:r>
+            <a:r>
+              <a:rPr lang="en-US" sz="3200" dirty="0" smtClean="0">
+                <a:latin typeface="+mn-lt"/>
+                <a:ea typeface="+mn-ea"/>
+                <a:cs typeface="+mn-cs"/>
+              </a:rPr>
+              <a:t>ecommendations</a:t>
+            </a:r>
+            <a:endParaRPr lang="en-US" sz="3200" dirty="0">
+              <a:latin typeface="+mn-lt"/>
+              <a:ea typeface="+mn-ea"/>
+              <a:cs typeface="+mn-cs"/>
+            </a:endParaRPr>
+          </a:p>
+        </p:txBody>
+      </p:sp>
+      <p:sp>
+        <p:nvSpPr>
+          <p:cNvPr id="17" name="Rectangle 16"/>
+          <p:cNvSpPr/>
+          <p:nvPr/>
+        </p:nvSpPr>
+        <p:spPr>
+          <a:xfrm>
+            <a:off x="-383988" y="1216957"/>
+            <a:ext cx="8565776" cy="461665"/>
+          </a:xfrm>
+          <a:prstGeom prst="rect">
+            <a:avLst/>
+          </a:prstGeom>
+        </p:spPr>
+        <p:txBody>
+          <a:bodyPr wrap="square">
+            <a:spAutoFit/>
+          </a:bodyPr>
+          <a:lstStyle/>
+          <a:p>
+            <a:pPr lvl="2">
+              <a:buFont typeface="Wingdings" charset="2"/>
+              <a:buChar char="§"/>
             </a:pPr>
             <a:r>
-              <a:rPr lang="en-US" sz="1800" b="1" i="1" dirty="0" smtClean="0"/>
-              <a:t>* All rights reserved to Eran Schenker</a:t>
-            </a:r>
-            <a:endParaRPr lang="en-US" sz="1800" b="1" i="1" dirty="0"/>
-          </a:p>
-          <a:p>
-            <a:endParaRPr lang="en-US" sz="1800" dirty="0"/>
-          </a:p>
-        </p:txBody>
-      </p:sp>
-      <p:sp>
-        <p:nvSpPr>
-          <p:cNvPr id="4" name="TextBox 3"/>
+              <a:rPr lang="en-US" sz="2400" b="1" dirty="0" smtClean="0"/>
+              <a:t> What the </a:t>
+            </a:r>
+            <a:r>
+              <a:rPr lang="en-US" sz="2400" b="1" dirty="0"/>
+              <a:t>model is revealing to us </a:t>
+            </a:r>
+            <a:r>
+              <a:rPr lang="en-US" sz="2400" b="1"/>
+              <a:t>about </a:t>
+            </a:r>
+            <a:r>
+              <a:rPr lang="en-US" sz="2400" b="1" smtClean="0"/>
+              <a:t>Default </a:t>
+            </a:r>
+            <a:r>
+              <a:rPr lang="en-US" sz="2400" b="1" dirty="0" smtClean="0"/>
+              <a:t>factors? </a:t>
+            </a:r>
+            <a:endParaRPr lang="en-US" sz="2400" b="1" dirty="0"/>
+          </a:p>
+        </p:txBody>
+      </p:sp>
+    </p:spTree>
+    <p:extLst>
+      <p:ext uri="{BB962C8B-B14F-4D97-AF65-F5344CB8AC3E}">
+        <p14:creationId xmlns:p14="http://schemas.microsoft.com/office/powerpoint/2010/main" val="1708756616"/>
+      </p:ext>
+    </p:extLst>
+  </p:cSld>
+  <p:clrMapOvr>
+    <a:masterClrMapping/>
+  </p:clrMapOvr>
+  <p:timing>
+    <p:tnLst>
+      <p:par>
+        <p:cTn id="1" dur="indefinite" restart="never" nodeType="tmRoot"/>
+      </p:par>
+    </p:tnLst>
+  </p:timing>
+</p:sld>
+</file>
+
+<file path=ppt/slides/slide26.xml><?xml version="1.0" encoding="utf-8"?>
+<p:sld xmlns:a="http://schemas.openxmlformats.org/drawingml/2006/main" xmlns:r="http://schemas.openxmlformats.org/officeDocument/2006/relationships" xmlns:p="http://schemas.openxmlformats.org/presentationml/2006/main">
+  <p:cSld>
+    <p:spTree>
+      <p:nvGrpSpPr>
+        <p:cNvPr id="1" name=""/>
+        <p:cNvGrpSpPr/>
+        <p:nvPr/>
+      </p:nvGrpSpPr>
+      <p:grpSpPr>
+        <a:xfrm>
+          <a:off x="0" y="0"/>
+          <a:ext cx="0" cy="0"/>
+          <a:chOff x="0" y="0"/>
+          <a:chExt cx="0" cy="0"/>
+        </a:xfrm>
+      </p:grpSpPr>
+      <p:sp>
+        <p:nvSpPr>
+          <p:cNvPr id="7" name="Title 1"/>
+          <p:cNvSpPr txBox="1">
+            <a:spLocks/>
+          </p:cNvSpPr>
+          <p:nvPr/>
+        </p:nvSpPr>
+        <p:spPr>
+          <a:xfrm>
+            <a:off x="558989" y="145735"/>
+            <a:ext cx="11080620" cy="1325563"/>
+          </a:xfrm>
+          <a:prstGeom prst="rect">
+            <a:avLst/>
+          </a:prstGeom>
+        </p:spPr>
+        <p:txBody>
+          <a:bodyPr vert="horz" lIns="91440" tIns="45720" rIns="91440" bIns="45720" rtlCol="0" anchor="ctr">
+            <a:normAutofit/>
+          </a:bodyPr>
+          <a:lstStyle>
+            <a:lvl1pPr algn="l" defTabSz="914400" rtl="0" eaLnBrk="1" latinLnBrk="0" hangingPunct="1">
+              <a:lnSpc>
+                <a:spcPct val="90000"/>
+              </a:lnSpc>
+              <a:spcBef>
+                <a:spcPct val="0"/>
+              </a:spcBef>
+              <a:buNone/>
+              <a:defRPr sz="4400" kern="1200">
+                <a:solidFill>
+                  <a:schemeClr val="tx1"/>
+                </a:solidFill>
+                <a:latin typeface="+mj-lt"/>
+                <a:ea typeface="+mj-ea"/>
+                <a:cs typeface="+mj-cs"/>
+              </a:defRPr>
+            </a:lvl1pPr>
+          </a:lstStyle>
+          <a:p>
+            <a:r>
+              <a:rPr lang="en-US" sz="3200" dirty="0">
+                <a:latin typeface="+mn-lt"/>
+                <a:ea typeface="+mn-ea"/>
+                <a:cs typeface="+mn-cs"/>
+              </a:rPr>
+              <a:t>Summary of the </a:t>
+            </a:r>
+            <a:r>
+              <a:rPr lang="en-US" sz="3200" dirty="0" smtClean="0">
+                <a:latin typeface="+mn-lt"/>
+                <a:ea typeface="+mn-ea"/>
+                <a:cs typeface="+mn-cs"/>
+              </a:rPr>
+              <a:t>Proposed </a:t>
+            </a:r>
+            <a:r>
+              <a:rPr lang="en-US" sz="3200" dirty="0">
+                <a:latin typeface="+mn-lt"/>
+                <a:ea typeface="+mn-ea"/>
+                <a:cs typeface="+mn-cs"/>
+              </a:rPr>
+              <a:t>M</a:t>
+            </a:r>
+            <a:r>
+              <a:rPr lang="en-US" sz="3200" dirty="0" smtClean="0">
+                <a:latin typeface="+mn-lt"/>
+                <a:ea typeface="+mn-ea"/>
+                <a:cs typeface="+mn-cs"/>
+              </a:rPr>
+              <a:t>odel </a:t>
+            </a:r>
+            <a:r>
+              <a:rPr lang="en-US" sz="3200" dirty="0">
+                <a:latin typeface="+mn-lt"/>
+                <a:ea typeface="+mn-ea"/>
+                <a:cs typeface="+mn-cs"/>
+              </a:rPr>
+              <a:t>and </a:t>
+            </a:r>
+            <a:r>
+              <a:rPr lang="en-US" sz="3200" dirty="0" smtClean="0">
+                <a:latin typeface="+mn-lt"/>
+                <a:ea typeface="+mn-ea"/>
+                <a:cs typeface="+mn-cs"/>
+              </a:rPr>
+              <a:t>Final </a:t>
+            </a:r>
+            <a:r>
+              <a:rPr lang="en-US" sz="3200" dirty="0">
+                <a:latin typeface="+mn-lt"/>
+                <a:ea typeface="+mn-ea"/>
+                <a:cs typeface="+mn-cs"/>
+              </a:rPr>
+              <a:t>R</a:t>
+            </a:r>
+            <a:r>
+              <a:rPr lang="en-US" sz="3200" dirty="0" smtClean="0">
+                <a:latin typeface="+mn-lt"/>
+                <a:ea typeface="+mn-ea"/>
+                <a:cs typeface="+mn-cs"/>
+              </a:rPr>
+              <a:t>ecommendations</a:t>
+            </a:r>
+            <a:endParaRPr lang="en-US" sz="3200" dirty="0">
+              <a:latin typeface="+mn-lt"/>
+              <a:ea typeface="+mn-ea"/>
+              <a:cs typeface="+mn-cs"/>
+            </a:endParaRPr>
+          </a:p>
+        </p:txBody>
+      </p:sp>
+      <p:pic>
+        <p:nvPicPr>
+          <p:cNvPr id="2" name="Picture 1"/>
+          <p:cNvPicPr>
+            <a:picLocks noChangeAspect="1"/>
+          </p:cNvPicPr>
+          <p:nvPr/>
+        </p:nvPicPr>
+        <p:blipFill>
+          <a:blip r:embed="rId2">
+            <a:extLst>
+              <a:ext uri="{28A0092B-C50C-407E-A947-70E740481C1C}">
+                <a14:useLocalDpi xmlns:a14="http://schemas.microsoft.com/office/drawing/2010/main" val="0"/>
+              </a:ext>
+            </a:extLst>
+          </a:blip>
+          <a:stretch>
+            <a:fillRect/>
+          </a:stretch>
+        </p:blipFill>
+        <p:spPr>
+          <a:xfrm>
+            <a:off x="5829300" y="1777990"/>
+            <a:ext cx="6261100" cy="3352800"/>
+          </a:xfrm>
+          <a:prstGeom prst="rect">
+            <a:avLst/>
+          </a:prstGeom>
+        </p:spPr>
+      </p:pic>
+      <p:sp>
+        <p:nvSpPr>
+          <p:cNvPr id="9" name="Rectangle 8"/>
+          <p:cNvSpPr/>
+          <p:nvPr/>
+        </p:nvSpPr>
+        <p:spPr>
+          <a:xfrm>
+            <a:off x="300546" y="2122291"/>
+            <a:ext cx="5528754" cy="3421449"/>
+          </a:xfrm>
+          <a:prstGeom prst="rect">
+            <a:avLst/>
+          </a:prstGeom>
+          <a:ln>
+            <a:noFill/>
+          </a:ln>
+        </p:spPr>
+        <p:style>
+          <a:lnRef idx="2">
+            <a:schemeClr val="dk1"/>
+          </a:lnRef>
+          <a:fillRef idx="1">
+            <a:schemeClr val="lt1"/>
+          </a:fillRef>
+          <a:effectRef idx="0">
+            <a:schemeClr val="dk1"/>
+          </a:effectRef>
+          <a:fontRef idx="minor">
+            <a:schemeClr val="dk1"/>
+          </a:fontRef>
+        </p:style>
+        <p:txBody>
+          <a:bodyPr wrap="square">
+            <a:spAutoFit/>
+          </a:bodyPr>
+          <a:lstStyle/>
+          <a:p>
+            <a:pPr marL="285750" indent="-285750">
+              <a:spcBef>
+                <a:spcPts val="100"/>
+              </a:spcBef>
+              <a:spcAft>
+                <a:spcPts val="100"/>
+              </a:spcAft>
+              <a:buFont typeface="Arial" charset="0"/>
+              <a:buChar char="•"/>
+            </a:pPr>
+            <a:r>
+              <a:rPr lang="en-US" sz="1600" dirty="0" smtClean="0">
+                <a:solidFill>
+                  <a:srgbClr val="000000"/>
+                </a:solidFill>
+                <a:latin typeface="Helvetica Neue" charset="0"/>
+              </a:rPr>
+              <a:t>Whether </a:t>
+            </a:r>
+            <a:r>
+              <a:rPr lang="en-US" sz="1600" b="1" dirty="0" smtClean="0">
+                <a:solidFill>
+                  <a:srgbClr val="000000"/>
+                </a:solidFill>
+                <a:latin typeface="Helvetica Neue" charset="0"/>
+              </a:rPr>
+              <a:t>income is verified is </a:t>
+            </a:r>
+            <a:r>
+              <a:rPr lang="en-US" sz="1600" dirty="0" smtClean="0">
+                <a:solidFill>
+                  <a:srgbClr val="000000"/>
+                </a:solidFill>
+                <a:latin typeface="Helvetica Neue" charset="0"/>
+              </a:rPr>
+              <a:t>important</a:t>
+            </a:r>
+            <a:endParaRPr lang="en-US" sz="1600" dirty="0">
+              <a:solidFill>
+                <a:srgbClr val="000000"/>
+              </a:solidFill>
+              <a:latin typeface="Helvetica Neue" charset="0"/>
+            </a:endParaRPr>
+          </a:p>
+          <a:p>
+            <a:pPr marL="285750" indent="-285750">
+              <a:spcBef>
+                <a:spcPts val="100"/>
+              </a:spcBef>
+              <a:spcAft>
+                <a:spcPts val="100"/>
+              </a:spcAft>
+              <a:buFont typeface="Arial" charset="0"/>
+              <a:buChar char="•"/>
+            </a:pPr>
+            <a:r>
+              <a:rPr lang="en-US" sz="1600" b="1" dirty="0" smtClean="0">
+                <a:solidFill>
+                  <a:srgbClr val="000000"/>
+                </a:solidFill>
+                <a:latin typeface="Helvetica Neue" charset="0"/>
+              </a:rPr>
+              <a:t>Negative credit history related features </a:t>
+            </a:r>
+            <a:r>
+              <a:rPr lang="en-US" sz="1600" dirty="0" smtClean="0">
+                <a:solidFill>
+                  <a:srgbClr val="000000"/>
+                </a:solidFill>
+                <a:latin typeface="Helvetica Neue" charset="0"/>
+              </a:rPr>
+              <a:t>(e.g. months since last ‘</a:t>
+            </a:r>
+            <a:r>
+              <a:rPr lang="en-US" sz="1600" dirty="0" err="1" smtClean="0">
+                <a:solidFill>
+                  <a:srgbClr val="000000"/>
+                </a:solidFill>
+                <a:latin typeface="Helvetica Neue" charset="0"/>
+              </a:rPr>
+              <a:t>delinq</a:t>
+            </a:r>
+            <a:r>
+              <a:rPr lang="en-US" sz="1600" dirty="0" smtClean="0">
+                <a:solidFill>
+                  <a:srgbClr val="000000"/>
+                </a:solidFill>
+                <a:latin typeface="Helvetica Neue" charset="0"/>
+              </a:rPr>
+              <a:t>’, ‘last record’ and ‘major </a:t>
+            </a:r>
+            <a:r>
+              <a:rPr lang="en-US" sz="1600" dirty="0" err="1" smtClean="0">
+                <a:solidFill>
+                  <a:srgbClr val="000000"/>
+                </a:solidFill>
+                <a:latin typeface="Helvetica Neue" charset="0"/>
+              </a:rPr>
+              <a:t>derog</a:t>
+            </a:r>
+            <a:r>
+              <a:rPr lang="en-US" sz="1600" dirty="0" smtClean="0">
+                <a:solidFill>
+                  <a:srgbClr val="000000"/>
+                </a:solidFill>
+                <a:latin typeface="Helvetica Neue" charset="0"/>
+              </a:rPr>
+              <a:t>’ ) are also important Even though all of them suffered from significant missing data</a:t>
+            </a:r>
+          </a:p>
+          <a:p>
+            <a:pPr marL="285750" indent="-285750">
+              <a:spcBef>
+                <a:spcPts val="100"/>
+              </a:spcBef>
+              <a:spcAft>
+                <a:spcPts val="100"/>
+              </a:spcAft>
+              <a:buFont typeface="Arial" charset="0"/>
+              <a:buChar char="•"/>
+            </a:pPr>
+            <a:r>
+              <a:rPr lang="en-US" sz="1600" dirty="0" smtClean="0">
+                <a:solidFill>
+                  <a:srgbClr val="000000"/>
+                </a:solidFill>
+                <a:latin typeface="Helvetica Neue" charset="0"/>
+              </a:rPr>
+              <a:t>A longer </a:t>
+            </a:r>
+            <a:r>
+              <a:rPr lang="en-US" sz="1600" b="1" dirty="0" smtClean="0">
+                <a:solidFill>
+                  <a:srgbClr val="000000"/>
+                </a:solidFill>
+                <a:latin typeface="Helvetica Neue" charset="0"/>
+              </a:rPr>
+              <a:t>term</a:t>
+            </a:r>
+            <a:r>
+              <a:rPr lang="en-US" sz="1600" dirty="0" smtClean="0">
+                <a:solidFill>
+                  <a:srgbClr val="000000"/>
+                </a:solidFill>
+                <a:latin typeface="Helvetica Neue" charset="0"/>
+              </a:rPr>
+              <a:t> might mean that borrowers with longer terms are the ones with difficulty of returning </a:t>
+            </a:r>
+          </a:p>
+          <a:p>
+            <a:pPr marL="285750" indent="-285750">
+              <a:spcBef>
+                <a:spcPts val="100"/>
+              </a:spcBef>
+              <a:spcAft>
+                <a:spcPts val="100"/>
+              </a:spcAft>
+              <a:buFont typeface="Arial" charset="0"/>
+              <a:buChar char="•"/>
+            </a:pPr>
+            <a:r>
+              <a:rPr lang="en-US" sz="1600" dirty="0" smtClean="0">
+                <a:solidFill>
+                  <a:srgbClr val="000000"/>
+                </a:solidFill>
+                <a:latin typeface="Helvetica Neue" charset="0"/>
+              </a:rPr>
+              <a:t>Surprisingly log of annual income and </a:t>
+            </a:r>
+            <a:r>
+              <a:rPr lang="en-US" sz="1600" dirty="0" err="1" smtClean="0">
+                <a:solidFill>
+                  <a:srgbClr val="000000"/>
+                </a:solidFill>
+                <a:latin typeface="Helvetica Neue" charset="0"/>
+              </a:rPr>
+              <a:t>dti</a:t>
+            </a:r>
+            <a:r>
+              <a:rPr lang="en-US" sz="1600" dirty="0" smtClean="0">
+                <a:solidFill>
+                  <a:srgbClr val="000000"/>
+                </a:solidFill>
+                <a:latin typeface="Helvetica Neue" charset="0"/>
+              </a:rPr>
+              <a:t> are not as ”important” as hypothesized (and adjusting to median income of state might not add information)</a:t>
+            </a:r>
+          </a:p>
+          <a:p>
+            <a:pPr marL="285750" indent="-285750">
+              <a:spcBef>
+                <a:spcPts val="100"/>
+              </a:spcBef>
+              <a:spcAft>
+                <a:spcPts val="100"/>
+              </a:spcAft>
+              <a:buFont typeface="Arial" charset="0"/>
+              <a:buChar char="•"/>
+            </a:pPr>
+            <a:r>
+              <a:rPr lang="en-US" sz="1600" dirty="0" smtClean="0">
+                <a:solidFill>
+                  <a:srgbClr val="000000"/>
+                </a:solidFill>
+                <a:latin typeface="Helvetica Neue" charset="0"/>
+              </a:rPr>
+              <a:t>Also surprisingly absent are the number of years of credit, and balance utility </a:t>
+            </a:r>
+          </a:p>
+          <a:p>
+            <a:pPr marL="285750" indent="-285750">
+              <a:spcBef>
+                <a:spcPts val="100"/>
+              </a:spcBef>
+              <a:spcAft>
+                <a:spcPts val="100"/>
+              </a:spcAft>
+              <a:buFont typeface="Arial" charset="0"/>
+              <a:buChar char="•"/>
+            </a:pPr>
+            <a:endParaRPr lang="en-US" sz="1600" b="1" u="sng" dirty="0" smtClean="0">
+              <a:solidFill>
+                <a:srgbClr val="000000"/>
+              </a:solidFill>
+              <a:latin typeface="Helvetica Neue" charset="0"/>
+            </a:endParaRPr>
+          </a:p>
+        </p:txBody>
+      </p:sp>
+      <p:sp>
+        <p:nvSpPr>
+          <p:cNvPr id="5" name="TextBox 4"/>
           <p:cNvSpPr txBox="1"/>
           <p:nvPr/>
         </p:nvSpPr>
         <p:spPr>
           <a:xfrm>
-            <a:off x="632012" y="733454"/>
-            <a:ext cx="6813532" cy="769441"/>
+            <a:off x="558989" y="5917979"/>
+            <a:ext cx="7750199" cy="523220"/>
           </a:xfrm>
           <a:prstGeom prst="rect">
             <a:avLst/>
@@ -13622,32 +13136,72 @@
           <a:lstStyle/>
           <a:p>
             <a:r>
-              <a:rPr lang="en-US" sz="2200" b="1" dirty="0"/>
-              <a:t>Supplementary Slide - Project </a:t>
-            </a:r>
-            <a:r>
-              <a:rPr lang="en-US" sz="2200" b="1" dirty="0" smtClean="0"/>
-              <a:t>Discussion and Final </a:t>
-            </a:r>
-            <a:r>
-              <a:rPr lang="en-US" sz="2200" b="1" dirty="0"/>
-              <a:t>N</a:t>
-            </a:r>
-            <a:r>
-              <a:rPr lang="en-US" sz="2200" b="1" dirty="0" smtClean="0"/>
-              <a:t>otes</a:t>
-            </a:r>
-            <a:endParaRPr lang="en-US" sz="2200" b="1" dirty="0"/>
-          </a:p>
-          <a:p>
-            <a:endParaRPr lang="en-US" sz="2200" dirty="0"/>
+              <a:rPr lang="en-US" sz="1400" dirty="0" smtClean="0"/>
+              <a:t>Prediction ability isn’t necessarily depended on few important features, rather on multitude of features </a:t>
+            </a:r>
+          </a:p>
+          <a:p>
+            <a:r>
+              <a:rPr lang="en-US" sz="1400" dirty="0" smtClean="0"/>
+              <a:t>that each might play a small part not be  </a:t>
+            </a:r>
+            <a:endParaRPr lang="en-US" sz="1400" dirty="0"/>
+          </a:p>
+        </p:txBody>
+      </p:sp>
+      <p:sp>
+        <p:nvSpPr>
+          <p:cNvPr id="12" name="Rectangle 11"/>
+          <p:cNvSpPr/>
+          <p:nvPr/>
+        </p:nvSpPr>
+        <p:spPr>
+          <a:xfrm>
+            <a:off x="-383988" y="1216957"/>
+            <a:ext cx="8565776" cy="461665"/>
+          </a:xfrm>
+          <a:prstGeom prst="rect">
+            <a:avLst/>
+          </a:prstGeom>
+        </p:spPr>
+        <p:txBody>
+          <a:bodyPr wrap="square">
+            <a:spAutoFit/>
+          </a:bodyPr>
+          <a:lstStyle/>
+          <a:p>
+            <a:pPr lvl="2">
+              <a:buFont typeface="Wingdings" charset="2"/>
+              <a:buChar char="§"/>
+            </a:pPr>
+            <a:r>
+              <a:rPr lang="en-US" sz="2400" b="1" dirty="0" smtClean="0"/>
+              <a:t> What the </a:t>
+            </a:r>
+            <a:r>
+              <a:rPr lang="en-US" sz="2400" b="1" dirty="0"/>
+              <a:t>model is revealing to us </a:t>
+            </a:r>
+            <a:r>
+              <a:rPr lang="en-US" sz="2400" b="1"/>
+              <a:t>about </a:t>
+            </a:r>
+            <a:r>
+              <a:rPr lang="en-US" sz="2400" b="1" smtClean="0"/>
+              <a:t>Default </a:t>
+            </a:r>
+            <a:r>
+              <a:rPr lang="en-US" sz="2400" b="1" dirty="0" smtClean="0"/>
+              <a:t>factors? </a:t>
+            </a:r>
+            <a:endParaRPr lang="en-US" sz="2400" b="1" dirty="0"/>
           </a:p>
         </p:txBody>
       </p:sp>
     </p:spTree>
     <p:extLst>
       <p:ext uri="{BB962C8B-B14F-4D97-AF65-F5344CB8AC3E}">
-        <p14:creationId xmlns:p14="http://schemas.microsoft.com/office/powerpoint/2010/main" val="819276195"/>
+        <p14:creationId xmlns:p14="http://schemas.microsoft.com/office/powerpoint/2010/main" val="516245285"/>
       </p:ext>
     </p:extLst>
   </p:cSld>
@@ -13704,7 +13258,11 @@
             <a:pPr algn="ctr"/>
             <a:r>
               <a:rPr lang="en-US" dirty="0" smtClean="0"/>
-              <a:t>Background &amp; Project Outline</a:t>
+              <a:t>Background &amp; </a:t>
+            </a:r>
+            <a:r>
+              <a:rPr lang="en-US" dirty="0" smtClean="0"/>
+              <a:t>Business Challenge</a:t>
             </a:r>
             <a:endParaRPr lang="en-US" dirty="0"/>
           </a:p>
@@ -13818,8 +13376,9 @@
             </a:r>
             <a:r>
               <a:rPr lang="en-US" sz="2000" dirty="0" smtClean="0"/>
-              <a:t>investors.</a:t>
-            </a:r>
+              <a:t>investors</a:t>
+            </a:r>
+            <a:endParaRPr lang="en-US" sz="2000" dirty="0" smtClean="0"/>
           </a:p>
           <a:p>
             <a:pPr marL="285750" indent="-285750">
@@ -13883,9 +13442,12 @@
             </a:r>
             <a:r>
               <a:rPr lang="en-US" sz="2000" b="1" dirty="0" smtClean="0"/>
-              <a:t>Default Loans.</a:t>
-            </a:r>
-            <a:endParaRPr lang="en-US" sz="2000" dirty="0" smtClean="0"/>
+              <a:t>Default Loans </a:t>
+            </a:r>
+            <a:r>
+              <a:rPr lang="en-US" sz="2000" dirty="0" smtClean="0"/>
+              <a:t>(6% of all loans)</a:t>
+            </a:r>
           </a:p>
           <a:p>
             <a:pPr marL="285750" indent="-285750">
@@ -13901,7 +13463,7 @@
             </a:pPr>
             <a:r>
               <a:rPr lang="en-US" sz="2000" dirty="0" smtClean="0"/>
-              <a:t>Project outline:</a:t>
+              <a:t>Project outline: </a:t>
             </a:r>
           </a:p>
           <a:p>
@@ -14020,15 +13582,7 @@
             <a:pPr lvl="2"/>
             <a:r>
               <a:rPr lang="en-US" sz="2000" dirty="0" smtClean="0"/>
-              <a:t>Provide a predictive model and actionable insights on potentially risky loans for </a:t>
-            </a:r>
-            <a:r>
-              <a:rPr lang="en-US" sz="2000" dirty="0" err="1" smtClean="0"/>
-              <a:t>LendingClub</a:t>
-            </a:r>
-            <a:r>
-              <a:rPr lang="en-US" sz="2000" dirty="0" smtClean="0"/>
-              <a:t> investors, at the time they actually need it </a:t>
+              <a:t>Provide a predictive model and actionable insights on potentially risky loans for LendingClub investors, at the time they actually need it </a:t>
             </a:r>
             <a:r>
               <a:rPr lang="mr-IN" sz="2000" dirty="0" smtClean="0"/>
@@ -14177,19 +13731,7 @@
             </a:r>
             <a:r>
               <a:rPr lang="en-US" sz="2200" dirty="0" smtClean="0"/>
-              <a:t>are (4%) </a:t>
-            </a:r>
-            <a:r>
-              <a:rPr lang="en-US" sz="2200" dirty="0" smtClean="0"/>
-              <a:t>and </a:t>
-            </a:r>
-            <a:r>
-              <a:rPr lang="en-US" sz="2200" dirty="0" smtClean="0"/>
-              <a:t>the rest are in 5 more categories</a:t>
-            </a:r>
-            <a:r>
-              <a:rPr lang="en-US" sz="2200" dirty="0" smtClean="0"/>
-              <a:t>*</a:t>
+              <a:t>are (4%) and the rest are in 5 more categories*</a:t>
             </a:r>
           </a:p>
           <a:p>
@@ -14323,11 +13865,7 @@
             </a:r>
             <a:r>
               <a:rPr lang="en-US" sz="1400" dirty="0" smtClean="0"/>
-              <a:t> </a:t>
-            </a:r>
-            <a:r>
-              <a:rPr lang="en-US" sz="1400" dirty="0" smtClean="0"/>
-              <a:t>Our assumption </a:t>
+              <a:t> Our assumption </a:t>
             </a:r>
             <a:r>
               <a:rPr lang="en-US" sz="1400" dirty="0"/>
@@ -14557,7 +14095,6 @@
               <a:rPr lang="en-US" sz="2200" dirty="0" smtClean="0"/>
               <a:t> </a:t>
             </a:r>
-            <a:endParaRPr lang="en-US" sz="2200" dirty="0" smtClean="0"/>
           </a:p>
           <a:p>
             <a:r>
@@ -14600,7 +14137,6 @@
               <a:rPr lang="en-US" sz="2200" dirty="0" smtClean="0"/>
               <a:t>lack of demand )</a:t>
             </a:r>
-            <a:endParaRPr lang="en-US" sz="2200" dirty="0" smtClean="0"/>
           </a:p>
         </p:txBody>
       </p:sp>
@@ -15078,15 +14614,7 @@
           <a:p>
             <a:r>
               <a:rPr lang="en-US" sz="2400" b="1" dirty="0" smtClean="0"/>
-              <a:t>Pinpoint features NOT </a:t>
-            </a:r>
-            <a:r>
-              <a:rPr lang="en-US" sz="2400" b="1" dirty="0" smtClean="0"/>
-              <a:t>to be </a:t>
-            </a:r>
-            <a:r>
-              <a:rPr lang="en-US" sz="2400" b="1" dirty="0" smtClean="0"/>
-              <a:t>used </a:t>
+              <a:t>Pinpoint features NOT to be used </a:t>
             </a:r>
           </a:p>
           <a:p>
@@ -15295,15 +14823,7 @@
             </a:r>
             <a:r>
               <a:rPr lang="en-US" sz="1400" dirty="0" smtClean="0"/>
-              <a:t> Target </a:t>
-            </a:r>
-            <a:r>
-              <a:rPr lang="en-US" sz="1400" dirty="0" smtClean="0"/>
-              <a:t>leak - </a:t>
-            </a:r>
-            <a:r>
-              <a:rPr lang="en-US" sz="1400" dirty="0" smtClean="0"/>
-              <a:t>means </a:t>
+              <a:t> Target leak - means </a:t>
             </a:r>
             <a:r>
               <a:rPr lang="en-US" sz="1400" dirty="0"/>
@@ -15422,19 +14942,7 @@
           </a:bodyPr>
           <a:lstStyle/>
           <a:p>
-            <a:r>
-              <a:rPr lang="en-US" b="1" dirty="0" smtClean="0"/>
-              <a:t>Classification with raw data</a:t>
-            </a:r>
-            <a:r>
-              <a:rPr lang="en-US" b="1" smtClean="0"/>
-              <a:t>:</a:t>
-            </a:r>
-            <a:r>
-              <a:rPr lang="en-US" smtClean="0"/>
-              <a:t> </a:t>
-            </a:r>
-            <a:endParaRPr lang="en-US" smtClean="0"/>
+            <a:endParaRPr lang="en-US" dirty="0" smtClean="0"/>
           </a:p>
           <a:p>
             <a:endParaRPr lang="en-US" dirty="0" smtClean="0"/>
@@ -15454,13 +14962,8 @@
             </a:r>
             <a:r>
               <a:rPr lang="en-US" dirty="0" smtClean="0"/>
-              <a:t>is 0% (classifying every loan as fully paid</a:t>
-            </a:r>
-            <a:r>
-              <a:rPr lang="en-US" dirty="0" smtClean="0"/>
-              <a:t>) </a:t>
-            </a:r>
-            <a:endParaRPr lang="en-US" dirty="0" smtClean="0"/>
+              <a:t>is 0% (classifying every loan as fully paid) </a:t>
+            </a:r>
           </a:p>
           <a:p>
             <a:pPr marL="742950" lvl="1" indent="-285750">
@@ -15469,15 +14972,7 @@
             </a:pPr>
             <a:r>
               <a:rPr lang="en-US" dirty="0" smtClean="0"/>
-              <a:t>This means that without feature engineering and </a:t>
-            </a:r>
-            <a:r>
-              <a:rPr lang="en-US" dirty="0" smtClean="0"/>
-              <a:t>class-balancing </a:t>
-            </a:r>
-            <a:r>
-              <a:rPr lang="en-US" dirty="0" smtClean="0"/>
-              <a:t>efforts (# of loans in each class) we can’t get a sufficiently sensitive classification*</a:t>
+              <a:t>This means that without feature engineering and class-balancing efforts (# of loans in each class) we can’t get a sufficiently sensitive classification*</a:t>
             </a:r>
           </a:p>
         </p:txBody>
@@ -15523,11 +15018,7 @@
             </a:r>
             <a:r>
               <a:rPr lang="en-US" sz="1400" dirty="0" smtClean="0"/>
-              <a:t> </a:t>
-            </a:r>
-            <a:r>
-              <a:rPr lang="en-US" sz="1400" dirty="0" smtClean="0"/>
-              <a:t>we can use a target-leak </a:t>
+              <a:t> we can use a target-leak </a:t>
             </a:r>
             <a:r>
               <a:rPr lang="en-US" sz="1400" dirty="0"/>
@@ -15590,6 +15081,40 @@
           </a:p>
           <a:p>
             <a:endParaRPr lang="en-US" sz="3200" dirty="0"/>
+          </a:p>
+        </p:txBody>
+      </p:sp>
+      <p:sp>
+        <p:nvSpPr>
+          <p:cNvPr id="8" name="TextBox 7"/>
+          <p:cNvSpPr txBox="1"/>
+          <p:nvPr/>
+        </p:nvSpPr>
+        <p:spPr>
+          <a:xfrm>
+            <a:off x="873552" y="1219118"/>
+            <a:ext cx="4637232" cy="461665"/>
+          </a:xfrm>
+          <a:prstGeom prst="rect">
+            <a:avLst/>
+          </a:prstGeom>
+          <a:noFill/>
+        </p:spPr>
+        <p:txBody>
+          <a:bodyPr wrap="square" rtlCol="0">
+            <a:spAutoFit/>
+          </a:bodyPr>
+          <a:lstStyle/>
+          <a:p>
+            <a:r>
+              <a:rPr lang="en-US" sz="2400" b="1" dirty="0"/>
+              <a:t>C</a:t>
+            </a:r>
+            <a:r>
+              <a:rPr lang="en-US" sz="2400" b="1" dirty="0" smtClean="0"/>
+              <a:t>lassification with raw data </a:t>
+            </a:r>
+            <a:endParaRPr lang="en-US" sz="2400" b="1" dirty="0"/>
           </a:p>
         </p:txBody>
       </p:sp>
